--- a/Presentation/RE for the Rest of Us.pptx
+++ b/Presentation/RE for the Rest of Us.pptx
@@ -18,15 +18,15 @@
     <p:sldId id="315" r:id="rId9"/>
     <p:sldId id="287" r:id="rId10"/>
     <p:sldId id="303" r:id="rId11"/>
-    <p:sldId id="304" r:id="rId12"/>
-    <p:sldId id="326" r:id="rId13"/>
-    <p:sldId id="305" r:id="rId14"/>
-    <p:sldId id="306" r:id="rId15"/>
-    <p:sldId id="293" r:id="rId16"/>
-    <p:sldId id="308" r:id="rId17"/>
-    <p:sldId id="309" r:id="rId18"/>
-    <p:sldId id="310" r:id="rId19"/>
-    <p:sldId id="312" r:id="rId20"/>
+    <p:sldId id="308" r:id="rId12"/>
+    <p:sldId id="309" r:id="rId13"/>
+    <p:sldId id="310" r:id="rId14"/>
+    <p:sldId id="312" r:id="rId15"/>
+    <p:sldId id="304" r:id="rId16"/>
+    <p:sldId id="326" r:id="rId17"/>
+    <p:sldId id="305" r:id="rId18"/>
+    <p:sldId id="306" r:id="rId19"/>
+    <p:sldId id="293" r:id="rId20"/>
     <p:sldId id="316" r:id="rId21"/>
     <p:sldId id="314" r:id="rId22"/>
     <p:sldId id="321" r:id="rId23"/>
@@ -36,8 +36,8 @@
     <p:sldId id="323" r:id="rId27"/>
     <p:sldId id="325" r:id="rId28"/>
     <p:sldId id="324" r:id="rId29"/>
-    <p:sldId id="327" r:id="rId30"/>
-    <p:sldId id="318" r:id="rId31"/>
+    <p:sldId id="318" r:id="rId30"/>
+    <p:sldId id="327" r:id="rId31"/>
     <p:sldId id="296" r:id="rId32"/>
   </p:sldIdLst>
   <p:sldSz cx="12192000" cy="6858000"/>
@@ -907,6 +907,753 @@
 </dgm:colorsDef>
 </file>
 
+<file path=ppt/diagrams/colors2.xml><?xml version="1.0" encoding="utf-8"?>
+<dgm:colorsDef xmlns:dgm="http://schemas.openxmlformats.org/drawingml/2006/diagram" xmlns:a="http://schemas.openxmlformats.org/drawingml/2006/main" uniqueId="urn:microsoft.com/office/officeart/2005/8/colors/accent3_2">
+  <dgm:title val=""/>
+  <dgm:desc val=""/>
+  <dgm:catLst>
+    <dgm:cat type="accent3" pri="11200"/>
+  </dgm:catLst>
+  <dgm:styleLbl name="node0">
+    <dgm:fillClrLst meth="repeat">
+      <a:schemeClr val="accent3"/>
+    </dgm:fillClrLst>
+    <dgm:linClrLst meth="repeat">
+      <a:schemeClr val="lt1"/>
+    </dgm:linClrLst>
+    <dgm:effectClrLst/>
+    <dgm:txLinClrLst/>
+    <dgm:txFillClrLst/>
+    <dgm:txEffectClrLst/>
+  </dgm:styleLbl>
+  <dgm:styleLbl name="node1">
+    <dgm:fillClrLst meth="repeat">
+      <a:schemeClr val="accent3"/>
+    </dgm:fillClrLst>
+    <dgm:linClrLst meth="repeat">
+      <a:schemeClr val="lt1"/>
+    </dgm:linClrLst>
+    <dgm:effectClrLst/>
+    <dgm:txLinClrLst/>
+    <dgm:txFillClrLst/>
+    <dgm:txEffectClrLst/>
+  </dgm:styleLbl>
+  <dgm:styleLbl name="alignNode1">
+    <dgm:fillClrLst meth="repeat">
+      <a:schemeClr val="accent3"/>
+    </dgm:fillClrLst>
+    <dgm:linClrLst meth="repeat">
+      <a:schemeClr val="accent3"/>
+    </dgm:linClrLst>
+    <dgm:effectClrLst/>
+    <dgm:txLinClrLst/>
+    <dgm:txFillClrLst/>
+    <dgm:txEffectClrLst/>
+  </dgm:styleLbl>
+  <dgm:styleLbl name="lnNode1">
+    <dgm:fillClrLst meth="repeat">
+      <a:schemeClr val="accent3"/>
+    </dgm:fillClrLst>
+    <dgm:linClrLst meth="repeat">
+      <a:schemeClr val="lt1"/>
+    </dgm:linClrLst>
+    <dgm:effectClrLst/>
+    <dgm:txLinClrLst/>
+    <dgm:txFillClrLst/>
+    <dgm:txEffectClrLst/>
+  </dgm:styleLbl>
+  <dgm:styleLbl name="vennNode1">
+    <dgm:fillClrLst meth="repeat">
+      <a:schemeClr val="accent3">
+        <a:alpha val="50000"/>
+      </a:schemeClr>
+    </dgm:fillClrLst>
+    <dgm:linClrLst meth="repeat">
+      <a:schemeClr val="lt1"/>
+    </dgm:linClrLst>
+    <dgm:effectClrLst/>
+    <dgm:txLinClrLst/>
+    <dgm:txFillClrLst/>
+    <dgm:txEffectClrLst/>
+  </dgm:styleLbl>
+  <dgm:styleLbl name="node2">
+    <dgm:fillClrLst meth="repeat">
+      <a:schemeClr val="accent3"/>
+    </dgm:fillClrLst>
+    <dgm:linClrLst meth="repeat">
+      <a:schemeClr val="lt1"/>
+    </dgm:linClrLst>
+    <dgm:effectClrLst/>
+    <dgm:txLinClrLst/>
+    <dgm:txFillClrLst/>
+    <dgm:txEffectClrLst/>
+  </dgm:styleLbl>
+  <dgm:styleLbl name="node3">
+    <dgm:fillClrLst meth="repeat">
+      <a:schemeClr val="accent3"/>
+    </dgm:fillClrLst>
+    <dgm:linClrLst meth="repeat">
+      <a:schemeClr val="lt1"/>
+    </dgm:linClrLst>
+    <dgm:effectClrLst/>
+    <dgm:txLinClrLst/>
+    <dgm:txFillClrLst/>
+    <dgm:txEffectClrLst/>
+  </dgm:styleLbl>
+  <dgm:styleLbl name="node4">
+    <dgm:fillClrLst meth="repeat">
+      <a:schemeClr val="accent3"/>
+    </dgm:fillClrLst>
+    <dgm:linClrLst meth="repeat">
+      <a:schemeClr val="lt1"/>
+    </dgm:linClrLst>
+    <dgm:effectClrLst/>
+    <dgm:txLinClrLst/>
+    <dgm:txFillClrLst/>
+    <dgm:txEffectClrLst/>
+  </dgm:styleLbl>
+  <dgm:styleLbl name="fgImgPlace1">
+    <dgm:fillClrLst meth="repeat">
+      <a:schemeClr val="accent3">
+        <a:tint val="50000"/>
+      </a:schemeClr>
+    </dgm:fillClrLst>
+    <dgm:linClrLst meth="repeat">
+      <a:schemeClr val="lt1"/>
+    </dgm:linClrLst>
+    <dgm:effectClrLst/>
+    <dgm:txLinClrLst/>
+    <dgm:txFillClrLst meth="repeat">
+      <a:schemeClr val="lt1"/>
+    </dgm:txFillClrLst>
+    <dgm:txEffectClrLst/>
+  </dgm:styleLbl>
+  <dgm:styleLbl name="alignImgPlace1">
+    <dgm:fillClrLst meth="repeat">
+      <a:schemeClr val="accent3">
+        <a:tint val="50000"/>
+      </a:schemeClr>
+    </dgm:fillClrLst>
+    <dgm:linClrLst meth="repeat">
+      <a:schemeClr val="lt1"/>
+    </dgm:linClrLst>
+    <dgm:effectClrLst/>
+    <dgm:txLinClrLst/>
+    <dgm:txFillClrLst meth="repeat">
+      <a:schemeClr val="lt1"/>
+    </dgm:txFillClrLst>
+    <dgm:txEffectClrLst/>
+  </dgm:styleLbl>
+  <dgm:styleLbl name="bgImgPlace1">
+    <dgm:fillClrLst meth="repeat">
+      <a:schemeClr val="accent3">
+        <a:tint val="50000"/>
+      </a:schemeClr>
+    </dgm:fillClrLst>
+    <dgm:linClrLst meth="repeat">
+      <a:schemeClr val="lt1"/>
+    </dgm:linClrLst>
+    <dgm:effectClrLst/>
+    <dgm:txLinClrLst/>
+    <dgm:txFillClrLst meth="repeat">
+      <a:schemeClr val="lt1"/>
+    </dgm:txFillClrLst>
+    <dgm:txEffectClrLst/>
+  </dgm:styleLbl>
+  <dgm:styleLbl name="sibTrans2D1">
+    <dgm:fillClrLst meth="repeat">
+      <a:schemeClr val="accent3">
+        <a:tint val="60000"/>
+      </a:schemeClr>
+    </dgm:fillClrLst>
+    <dgm:linClrLst meth="repeat">
+      <a:schemeClr val="accent3">
+        <a:tint val="60000"/>
+      </a:schemeClr>
+    </dgm:linClrLst>
+    <dgm:effectClrLst/>
+    <dgm:txLinClrLst/>
+    <dgm:txFillClrLst/>
+    <dgm:txEffectClrLst/>
+  </dgm:styleLbl>
+  <dgm:styleLbl name="fgSibTrans2D1">
+    <dgm:fillClrLst meth="repeat">
+      <a:schemeClr val="accent3">
+        <a:tint val="60000"/>
+      </a:schemeClr>
+    </dgm:fillClrLst>
+    <dgm:linClrLst meth="repeat">
+      <a:schemeClr val="accent3">
+        <a:tint val="60000"/>
+      </a:schemeClr>
+    </dgm:linClrLst>
+    <dgm:effectClrLst/>
+    <dgm:txLinClrLst/>
+    <dgm:txFillClrLst/>
+    <dgm:txEffectClrLst/>
+  </dgm:styleLbl>
+  <dgm:styleLbl name="bgSibTrans2D1">
+    <dgm:fillClrLst meth="repeat">
+      <a:schemeClr val="accent3">
+        <a:tint val="60000"/>
+      </a:schemeClr>
+    </dgm:fillClrLst>
+    <dgm:linClrLst meth="repeat">
+      <a:schemeClr val="accent3">
+        <a:tint val="60000"/>
+      </a:schemeClr>
+    </dgm:linClrLst>
+    <dgm:effectClrLst/>
+    <dgm:txLinClrLst/>
+    <dgm:txFillClrLst/>
+    <dgm:txEffectClrLst/>
+  </dgm:styleLbl>
+  <dgm:styleLbl name="sibTrans1D1">
+    <dgm:fillClrLst meth="repeat">
+      <a:schemeClr val="accent3"/>
+    </dgm:fillClrLst>
+    <dgm:linClrLst meth="repeat">
+      <a:schemeClr val="accent3"/>
+    </dgm:linClrLst>
+    <dgm:effectClrLst/>
+    <dgm:txLinClrLst/>
+    <dgm:txFillClrLst meth="repeat">
+      <a:schemeClr val="tx1"/>
+    </dgm:txFillClrLst>
+    <dgm:txEffectClrLst/>
+  </dgm:styleLbl>
+  <dgm:styleLbl name="callout">
+    <dgm:fillClrLst meth="repeat">
+      <a:schemeClr val="accent3"/>
+    </dgm:fillClrLst>
+    <dgm:linClrLst meth="repeat">
+      <a:schemeClr val="accent3">
+        <a:tint val="50000"/>
+      </a:schemeClr>
+    </dgm:linClrLst>
+    <dgm:effectClrLst/>
+    <dgm:txLinClrLst/>
+    <dgm:txFillClrLst meth="repeat">
+      <a:schemeClr val="tx1"/>
+    </dgm:txFillClrLst>
+    <dgm:txEffectClrLst/>
+  </dgm:styleLbl>
+  <dgm:styleLbl name="asst0">
+    <dgm:fillClrLst meth="repeat">
+      <a:schemeClr val="accent3"/>
+    </dgm:fillClrLst>
+    <dgm:linClrLst meth="repeat">
+      <a:schemeClr val="lt1"/>
+    </dgm:linClrLst>
+    <dgm:effectClrLst/>
+    <dgm:txLinClrLst/>
+    <dgm:txFillClrLst/>
+    <dgm:txEffectClrLst/>
+  </dgm:styleLbl>
+  <dgm:styleLbl name="asst1">
+    <dgm:fillClrLst meth="repeat">
+      <a:schemeClr val="accent3"/>
+    </dgm:fillClrLst>
+    <dgm:linClrLst meth="repeat">
+      <a:schemeClr val="lt1"/>
+    </dgm:linClrLst>
+    <dgm:effectClrLst/>
+    <dgm:txLinClrLst/>
+    <dgm:txFillClrLst/>
+    <dgm:txEffectClrLst/>
+  </dgm:styleLbl>
+  <dgm:styleLbl name="asst2">
+    <dgm:fillClrLst meth="repeat">
+      <a:schemeClr val="accent3"/>
+    </dgm:fillClrLst>
+    <dgm:linClrLst meth="repeat">
+      <a:schemeClr val="lt1"/>
+    </dgm:linClrLst>
+    <dgm:effectClrLst/>
+    <dgm:txLinClrLst/>
+    <dgm:txFillClrLst/>
+    <dgm:txEffectClrLst/>
+  </dgm:styleLbl>
+  <dgm:styleLbl name="asst3">
+    <dgm:fillClrLst meth="repeat">
+      <a:schemeClr val="accent3"/>
+    </dgm:fillClrLst>
+    <dgm:linClrLst meth="repeat">
+      <a:schemeClr val="lt1"/>
+    </dgm:linClrLst>
+    <dgm:effectClrLst/>
+    <dgm:txLinClrLst/>
+    <dgm:txFillClrLst/>
+    <dgm:txEffectClrLst/>
+  </dgm:styleLbl>
+  <dgm:styleLbl name="asst4">
+    <dgm:fillClrLst meth="repeat">
+      <a:schemeClr val="accent3"/>
+    </dgm:fillClrLst>
+    <dgm:linClrLst meth="repeat">
+      <a:schemeClr val="lt1"/>
+    </dgm:linClrLst>
+    <dgm:effectClrLst/>
+    <dgm:txLinClrLst/>
+    <dgm:txFillClrLst/>
+    <dgm:txEffectClrLst/>
+  </dgm:styleLbl>
+  <dgm:styleLbl name="parChTrans2D1">
+    <dgm:fillClrLst meth="repeat">
+      <a:schemeClr val="accent3">
+        <a:tint val="60000"/>
+      </a:schemeClr>
+    </dgm:fillClrLst>
+    <dgm:linClrLst meth="repeat">
+      <a:schemeClr val="accent3">
+        <a:tint val="60000"/>
+      </a:schemeClr>
+    </dgm:linClrLst>
+    <dgm:effectClrLst/>
+    <dgm:txLinClrLst/>
+    <dgm:txFillClrLst meth="repeat">
+      <a:schemeClr val="lt1"/>
+    </dgm:txFillClrLst>
+    <dgm:txEffectClrLst/>
+  </dgm:styleLbl>
+  <dgm:styleLbl name="parChTrans2D2">
+    <dgm:fillClrLst meth="repeat">
+      <a:schemeClr val="accent3"/>
+    </dgm:fillClrLst>
+    <dgm:linClrLst meth="repeat">
+      <a:schemeClr val="accent3"/>
+    </dgm:linClrLst>
+    <dgm:effectClrLst/>
+    <dgm:txLinClrLst/>
+    <dgm:txFillClrLst meth="repeat">
+      <a:schemeClr val="lt1"/>
+    </dgm:txFillClrLst>
+    <dgm:txEffectClrLst/>
+  </dgm:styleLbl>
+  <dgm:styleLbl name="parChTrans2D3">
+    <dgm:fillClrLst meth="repeat">
+      <a:schemeClr val="accent3"/>
+    </dgm:fillClrLst>
+    <dgm:linClrLst meth="repeat">
+      <a:schemeClr val="accent3"/>
+    </dgm:linClrLst>
+    <dgm:effectClrLst/>
+    <dgm:txLinClrLst/>
+    <dgm:txFillClrLst meth="repeat">
+      <a:schemeClr val="lt1"/>
+    </dgm:txFillClrLst>
+    <dgm:txEffectClrLst/>
+  </dgm:styleLbl>
+  <dgm:styleLbl name="parChTrans2D4">
+    <dgm:fillClrLst meth="repeat">
+      <a:schemeClr val="accent3"/>
+    </dgm:fillClrLst>
+    <dgm:linClrLst meth="repeat">
+      <a:schemeClr val="accent3"/>
+    </dgm:linClrLst>
+    <dgm:effectClrLst/>
+    <dgm:txLinClrLst/>
+    <dgm:txFillClrLst meth="repeat">
+      <a:schemeClr val="lt1"/>
+    </dgm:txFillClrLst>
+    <dgm:txEffectClrLst/>
+  </dgm:styleLbl>
+  <dgm:styleLbl name="parChTrans1D1">
+    <dgm:fillClrLst meth="repeat">
+      <a:schemeClr val="accent3"/>
+    </dgm:fillClrLst>
+    <dgm:linClrLst meth="repeat">
+      <a:schemeClr val="accent3">
+        <a:shade val="60000"/>
+      </a:schemeClr>
+    </dgm:linClrLst>
+    <dgm:effectClrLst/>
+    <dgm:txLinClrLst/>
+    <dgm:txFillClrLst meth="repeat">
+      <a:schemeClr val="tx1"/>
+    </dgm:txFillClrLst>
+    <dgm:txEffectClrLst/>
+  </dgm:styleLbl>
+  <dgm:styleLbl name="parChTrans1D2">
+    <dgm:fillClrLst meth="repeat">
+      <a:schemeClr val="accent3"/>
+    </dgm:fillClrLst>
+    <dgm:linClrLst meth="repeat">
+      <a:schemeClr val="accent3">
+        <a:shade val="60000"/>
+      </a:schemeClr>
+    </dgm:linClrLst>
+    <dgm:effectClrLst/>
+    <dgm:txLinClrLst/>
+    <dgm:txFillClrLst meth="repeat">
+      <a:schemeClr val="tx1"/>
+    </dgm:txFillClrLst>
+    <dgm:txEffectClrLst/>
+  </dgm:styleLbl>
+  <dgm:styleLbl name="parChTrans1D3">
+    <dgm:fillClrLst meth="repeat">
+      <a:schemeClr val="accent3"/>
+    </dgm:fillClrLst>
+    <dgm:linClrLst meth="repeat">
+      <a:schemeClr val="accent3">
+        <a:shade val="80000"/>
+      </a:schemeClr>
+    </dgm:linClrLst>
+    <dgm:effectClrLst/>
+    <dgm:txLinClrLst/>
+    <dgm:txFillClrLst meth="repeat">
+      <a:schemeClr val="tx1"/>
+    </dgm:txFillClrLst>
+    <dgm:txEffectClrLst/>
+  </dgm:styleLbl>
+  <dgm:styleLbl name="parChTrans1D4">
+    <dgm:fillClrLst meth="repeat">
+      <a:schemeClr val="accent3"/>
+    </dgm:fillClrLst>
+    <dgm:linClrLst meth="repeat">
+      <a:schemeClr val="accent3">
+        <a:shade val="80000"/>
+      </a:schemeClr>
+    </dgm:linClrLst>
+    <dgm:effectClrLst/>
+    <dgm:txLinClrLst/>
+    <dgm:txFillClrLst meth="repeat">
+      <a:schemeClr val="tx1"/>
+    </dgm:txFillClrLst>
+    <dgm:txEffectClrLst/>
+  </dgm:styleLbl>
+  <dgm:styleLbl name="fgAcc1">
+    <dgm:fillClrLst meth="repeat">
+      <a:schemeClr val="lt1">
+        <a:alpha val="90000"/>
+      </a:schemeClr>
+    </dgm:fillClrLst>
+    <dgm:linClrLst meth="repeat">
+      <a:schemeClr val="accent3"/>
+    </dgm:linClrLst>
+    <dgm:effectClrLst/>
+    <dgm:txLinClrLst/>
+    <dgm:txFillClrLst meth="repeat">
+      <a:schemeClr val="dk1"/>
+    </dgm:txFillClrLst>
+    <dgm:txEffectClrLst/>
+  </dgm:styleLbl>
+  <dgm:styleLbl name="conFgAcc1">
+    <dgm:fillClrLst meth="repeat">
+      <a:schemeClr val="lt1">
+        <a:alpha val="90000"/>
+      </a:schemeClr>
+    </dgm:fillClrLst>
+    <dgm:linClrLst meth="repeat">
+      <a:schemeClr val="accent3"/>
+    </dgm:linClrLst>
+    <dgm:effectClrLst/>
+    <dgm:txLinClrLst/>
+    <dgm:txFillClrLst meth="repeat">
+      <a:schemeClr val="dk1"/>
+    </dgm:txFillClrLst>
+    <dgm:txEffectClrLst/>
+  </dgm:styleLbl>
+  <dgm:styleLbl name="alignAcc1">
+    <dgm:fillClrLst meth="repeat">
+      <a:schemeClr val="lt1">
+        <a:alpha val="90000"/>
+      </a:schemeClr>
+    </dgm:fillClrLst>
+    <dgm:linClrLst meth="repeat">
+      <a:schemeClr val="accent3"/>
+    </dgm:linClrLst>
+    <dgm:effectClrLst/>
+    <dgm:txLinClrLst/>
+    <dgm:txFillClrLst meth="repeat">
+      <a:schemeClr val="dk1"/>
+    </dgm:txFillClrLst>
+    <dgm:txEffectClrLst/>
+  </dgm:styleLbl>
+  <dgm:styleLbl name="trAlignAcc1">
+    <dgm:fillClrLst meth="repeat">
+      <a:schemeClr val="lt1">
+        <a:alpha val="40000"/>
+      </a:schemeClr>
+    </dgm:fillClrLst>
+    <dgm:linClrLst meth="repeat">
+      <a:schemeClr val="accent3"/>
+    </dgm:linClrLst>
+    <dgm:effectClrLst/>
+    <dgm:txLinClrLst/>
+    <dgm:txFillClrLst meth="repeat">
+      <a:schemeClr val="dk1"/>
+    </dgm:txFillClrLst>
+    <dgm:txEffectClrLst/>
+  </dgm:styleLbl>
+  <dgm:styleLbl name="bgAcc1">
+    <dgm:fillClrLst meth="repeat">
+      <a:schemeClr val="lt1">
+        <a:alpha val="90000"/>
+      </a:schemeClr>
+    </dgm:fillClrLst>
+    <dgm:linClrLst meth="repeat">
+      <a:schemeClr val="accent3"/>
+    </dgm:linClrLst>
+    <dgm:effectClrLst/>
+    <dgm:txLinClrLst/>
+    <dgm:txFillClrLst meth="repeat">
+      <a:schemeClr val="dk1"/>
+    </dgm:txFillClrLst>
+    <dgm:txEffectClrLst/>
+  </dgm:styleLbl>
+  <dgm:styleLbl name="solidFgAcc1">
+    <dgm:fillClrLst meth="repeat">
+      <a:schemeClr val="lt1"/>
+    </dgm:fillClrLst>
+    <dgm:linClrLst meth="repeat">
+      <a:schemeClr val="accent3"/>
+    </dgm:linClrLst>
+    <dgm:effectClrLst/>
+    <dgm:txLinClrLst/>
+    <dgm:txFillClrLst meth="repeat">
+      <a:schemeClr val="dk1"/>
+    </dgm:txFillClrLst>
+    <dgm:txEffectClrLst/>
+  </dgm:styleLbl>
+  <dgm:styleLbl name="solidAlignAcc1">
+    <dgm:fillClrLst meth="repeat">
+      <a:schemeClr val="lt1"/>
+    </dgm:fillClrLst>
+    <dgm:linClrLst meth="repeat">
+      <a:schemeClr val="accent3"/>
+    </dgm:linClrLst>
+    <dgm:effectClrLst/>
+    <dgm:txLinClrLst/>
+    <dgm:txFillClrLst meth="repeat">
+      <a:schemeClr val="dk1"/>
+    </dgm:txFillClrLst>
+    <dgm:txEffectClrLst/>
+  </dgm:styleLbl>
+  <dgm:styleLbl name="solidBgAcc1">
+    <dgm:fillClrLst meth="repeat">
+      <a:schemeClr val="lt1"/>
+    </dgm:fillClrLst>
+    <dgm:linClrLst meth="repeat">
+      <a:schemeClr val="accent3"/>
+    </dgm:linClrLst>
+    <dgm:effectClrLst/>
+    <dgm:txLinClrLst/>
+    <dgm:txFillClrLst meth="repeat">
+      <a:schemeClr val="dk1"/>
+    </dgm:txFillClrLst>
+    <dgm:txEffectClrLst/>
+  </dgm:styleLbl>
+  <dgm:styleLbl name="fgAccFollowNode1">
+    <dgm:fillClrLst meth="repeat">
+      <a:schemeClr val="accent3">
+        <a:alpha val="90000"/>
+        <a:tint val="40000"/>
+      </a:schemeClr>
+    </dgm:fillClrLst>
+    <dgm:linClrLst meth="repeat">
+      <a:schemeClr val="accent3">
+        <a:alpha val="90000"/>
+        <a:tint val="40000"/>
+      </a:schemeClr>
+    </dgm:linClrLst>
+    <dgm:effectClrLst/>
+    <dgm:txLinClrLst/>
+    <dgm:txFillClrLst meth="repeat">
+      <a:schemeClr val="dk1"/>
+    </dgm:txFillClrLst>
+    <dgm:txEffectClrLst/>
+  </dgm:styleLbl>
+  <dgm:styleLbl name="alignAccFollowNode1">
+    <dgm:fillClrLst meth="repeat">
+      <a:schemeClr val="accent3">
+        <a:alpha val="90000"/>
+        <a:tint val="40000"/>
+      </a:schemeClr>
+    </dgm:fillClrLst>
+    <dgm:linClrLst meth="repeat">
+      <a:schemeClr val="accent3">
+        <a:alpha val="90000"/>
+        <a:tint val="40000"/>
+      </a:schemeClr>
+    </dgm:linClrLst>
+    <dgm:effectClrLst/>
+    <dgm:txLinClrLst/>
+    <dgm:txFillClrLst meth="repeat">
+      <a:schemeClr val="dk1"/>
+    </dgm:txFillClrLst>
+    <dgm:txEffectClrLst/>
+  </dgm:styleLbl>
+  <dgm:styleLbl name="bgAccFollowNode1">
+    <dgm:fillClrLst meth="repeat">
+      <a:schemeClr val="accent3">
+        <a:alpha val="90000"/>
+        <a:tint val="40000"/>
+      </a:schemeClr>
+    </dgm:fillClrLst>
+    <dgm:linClrLst meth="repeat">
+      <a:schemeClr val="accent3">
+        <a:alpha val="90000"/>
+        <a:tint val="40000"/>
+      </a:schemeClr>
+    </dgm:linClrLst>
+    <dgm:effectClrLst/>
+    <dgm:txLinClrLst/>
+    <dgm:txFillClrLst meth="repeat">
+      <a:schemeClr val="dk1"/>
+    </dgm:txFillClrLst>
+    <dgm:txEffectClrLst/>
+  </dgm:styleLbl>
+  <dgm:styleLbl name="fgAcc0">
+    <dgm:fillClrLst meth="repeat">
+      <a:schemeClr val="lt1">
+        <a:alpha val="90000"/>
+      </a:schemeClr>
+    </dgm:fillClrLst>
+    <dgm:linClrLst meth="repeat">
+      <a:schemeClr val="accent3"/>
+    </dgm:linClrLst>
+    <dgm:effectClrLst/>
+    <dgm:txLinClrLst/>
+    <dgm:txFillClrLst meth="repeat">
+      <a:schemeClr val="dk1"/>
+    </dgm:txFillClrLst>
+    <dgm:txEffectClrLst/>
+  </dgm:styleLbl>
+  <dgm:styleLbl name="fgAcc2">
+    <dgm:fillClrLst meth="repeat">
+      <a:schemeClr val="lt1">
+        <a:alpha val="90000"/>
+      </a:schemeClr>
+    </dgm:fillClrLst>
+    <dgm:linClrLst meth="repeat">
+      <a:schemeClr val="accent3"/>
+    </dgm:linClrLst>
+    <dgm:effectClrLst/>
+    <dgm:txLinClrLst/>
+    <dgm:txFillClrLst meth="repeat">
+      <a:schemeClr val="dk1"/>
+    </dgm:txFillClrLst>
+    <dgm:txEffectClrLst/>
+  </dgm:styleLbl>
+  <dgm:styleLbl name="fgAcc3">
+    <dgm:fillClrLst meth="repeat">
+      <a:schemeClr val="lt1">
+        <a:alpha val="90000"/>
+      </a:schemeClr>
+    </dgm:fillClrLst>
+    <dgm:linClrLst meth="repeat">
+      <a:schemeClr val="accent3"/>
+    </dgm:linClrLst>
+    <dgm:effectClrLst/>
+    <dgm:txLinClrLst/>
+    <dgm:txFillClrLst meth="repeat">
+      <a:schemeClr val="dk1"/>
+    </dgm:txFillClrLst>
+    <dgm:txEffectClrLst/>
+  </dgm:styleLbl>
+  <dgm:styleLbl name="fgAcc4">
+    <dgm:fillClrLst meth="repeat">
+      <a:schemeClr val="lt1">
+        <a:alpha val="90000"/>
+      </a:schemeClr>
+    </dgm:fillClrLst>
+    <dgm:linClrLst meth="repeat">
+      <a:schemeClr val="accent3"/>
+    </dgm:linClrLst>
+    <dgm:effectClrLst/>
+    <dgm:txLinClrLst/>
+    <dgm:txFillClrLst meth="repeat">
+      <a:schemeClr val="dk1"/>
+    </dgm:txFillClrLst>
+    <dgm:txEffectClrLst/>
+  </dgm:styleLbl>
+  <dgm:styleLbl name="bgShp">
+    <dgm:fillClrLst meth="repeat">
+      <a:schemeClr val="accent3">
+        <a:tint val="40000"/>
+      </a:schemeClr>
+    </dgm:fillClrLst>
+    <dgm:linClrLst meth="repeat">
+      <a:schemeClr val="accent3"/>
+    </dgm:linClrLst>
+    <dgm:effectClrLst/>
+    <dgm:txLinClrLst/>
+    <dgm:txFillClrLst meth="repeat">
+      <a:schemeClr val="dk1"/>
+    </dgm:txFillClrLst>
+    <dgm:txEffectClrLst/>
+  </dgm:styleLbl>
+  <dgm:styleLbl name="dkBgShp">
+    <dgm:fillClrLst meth="repeat">
+      <a:schemeClr val="accent3">
+        <a:shade val="80000"/>
+      </a:schemeClr>
+    </dgm:fillClrLst>
+    <dgm:linClrLst meth="repeat">
+      <a:schemeClr val="accent3"/>
+    </dgm:linClrLst>
+    <dgm:effectClrLst/>
+    <dgm:txLinClrLst/>
+    <dgm:txFillClrLst meth="repeat">
+      <a:schemeClr val="lt1"/>
+    </dgm:txFillClrLst>
+    <dgm:txEffectClrLst/>
+  </dgm:styleLbl>
+  <dgm:styleLbl name="trBgShp">
+    <dgm:fillClrLst meth="repeat">
+      <a:schemeClr val="accent3">
+        <a:tint val="50000"/>
+        <a:alpha val="40000"/>
+      </a:schemeClr>
+    </dgm:fillClrLst>
+    <dgm:linClrLst meth="repeat">
+      <a:schemeClr val="accent3"/>
+    </dgm:linClrLst>
+    <dgm:effectClrLst/>
+    <dgm:txLinClrLst/>
+    <dgm:txFillClrLst meth="repeat">
+      <a:schemeClr val="lt1"/>
+    </dgm:txFillClrLst>
+    <dgm:txEffectClrLst/>
+  </dgm:styleLbl>
+  <dgm:styleLbl name="fgShp">
+    <dgm:fillClrLst meth="repeat">
+      <a:schemeClr val="accent3">
+        <a:tint val="60000"/>
+      </a:schemeClr>
+    </dgm:fillClrLst>
+    <dgm:linClrLst meth="repeat">
+      <a:schemeClr val="lt1"/>
+    </dgm:linClrLst>
+    <dgm:effectClrLst/>
+    <dgm:txLinClrLst/>
+    <dgm:txFillClrLst meth="repeat">
+      <a:schemeClr val="dk1"/>
+    </dgm:txFillClrLst>
+    <dgm:txEffectClrLst/>
+  </dgm:styleLbl>
+  <dgm:styleLbl name="revTx">
+    <dgm:fillClrLst meth="repeat">
+      <a:schemeClr val="lt1">
+        <a:alpha val="0"/>
+      </a:schemeClr>
+    </dgm:fillClrLst>
+    <dgm:linClrLst meth="repeat">
+      <a:schemeClr val="dk1">
+        <a:alpha val="0"/>
+      </a:schemeClr>
+    </dgm:linClrLst>
+    <dgm:effectClrLst/>
+    <dgm:txLinClrLst/>
+    <dgm:txFillClrLst meth="repeat">
+      <a:schemeClr val="tx1"/>
+    </dgm:txFillClrLst>
+    <dgm:txEffectClrLst/>
+  </dgm:styleLbl>
+</dgm:colorsDef>
+</file>
+
 <file path=ppt/diagrams/data1.xml><?xml version="1.0" encoding="utf-8"?>
 <dgm:dataModel xmlns:dgm="http://schemas.openxmlformats.org/drawingml/2006/diagram" xmlns:a="http://schemas.openxmlformats.org/drawingml/2006/main">
   <dgm:ptLst>
@@ -1224,7 +1971,327 @@
   <dgm:whole/>
   <dgm:extLst>
     <a:ext uri="http://schemas.microsoft.com/office/drawing/2008/diagram">
-      <dsp:dataModelExt xmlns:dsp="http://schemas.microsoft.com/office/drawing/2008/diagram" relId="rId6" minVer="http://schemas.openxmlformats.org/drawingml/2006/diagram"/>
+      <dsp:dataModelExt xmlns:dsp="http://schemas.microsoft.com/office/drawing/2008/diagram" relId="rId7" minVer="http://schemas.openxmlformats.org/drawingml/2006/diagram"/>
+    </a:ext>
+  </dgm:extLst>
+</dgm:dataModel>
+</file>
+
+<file path=ppt/diagrams/data2.xml><?xml version="1.0" encoding="utf-8"?>
+<dgm:dataModel xmlns:dgm="http://schemas.openxmlformats.org/drawingml/2006/diagram" xmlns:a="http://schemas.openxmlformats.org/drawingml/2006/main">
+  <dgm:ptLst>
+    <dgm:pt modelId="{CD40A999-F543-41B0-81F2-FC7942F02B8B}" type="doc">
+      <dgm:prSet loTypeId="urn:microsoft.com/office/officeart/2018/2/layout/IconLabelList" loCatId="icon" qsTypeId="urn:microsoft.com/office/officeart/2005/8/quickstyle/simple1" qsCatId="simple" csTypeId="urn:microsoft.com/office/officeart/2005/8/colors/accent3_2" csCatId="accent3" phldr="1"/>
+      <dgm:spPr/>
+      <dgm:t>
+        <a:bodyPr/>
+        <a:lstStyle/>
+        <a:p>
+          <a:endParaRPr lang="en-US"/>
+        </a:p>
+      </dgm:t>
+    </dgm:pt>
+    <dgm:pt modelId="{97A77B53-03BB-446E-9DBC-0A46681F0B97}">
+      <dgm:prSet custT="1"/>
+      <dgm:spPr/>
+      <dgm:t>
+        <a:bodyPr/>
+        <a:lstStyle/>
+        <a:p>
+          <a:r>
+            <a:rPr lang="en-US" sz="2000" dirty="0"/>
+            <a:t>Use flash dumpers, SPI readers, or UART/JTAG tools to extract firmware.</a:t>
+          </a:r>
+        </a:p>
+      </dgm:t>
+    </dgm:pt>
+    <dgm:pt modelId="{9CED194F-A907-4AEA-B7DA-F2E89673FED5}" type="parTrans" cxnId="{23BA4BCA-6601-4208-87F1-8744BF868B18}">
+      <dgm:prSet/>
+      <dgm:spPr/>
+      <dgm:t>
+        <a:bodyPr/>
+        <a:lstStyle/>
+        <a:p>
+          <a:endParaRPr lang="en-US" sz="2000"/>
+        </a:p>
+      </dgm:t>
+    </dgm:pt>
+    <dgm:pt modelId="{5F1EA14F-6B6D-4A4E-A476-CB76FDC516E3}" type="sibTrans" cxnId="{23BA4BCA-6601-4208-87F1-8744BF868B18}">
+      <dgm:prSet/>
+      <dgm:spPr/>
+      <dgm:t>
+        <a:bodyPr/>
+        <a:lstStyle/>
+        <a:p>
+          <a:endParaRPr lang="en-US" sz="2000"/>
+        </a:p>
+      </dgm:t>
+    </dgm:pt>
+    <dgm:pt modelId="{FD503DEC-7387-415F-BB4D-EC2BBB907CF3}">
+      <dgm:prSet custT="1"/>
+      <dgm:spPr/>
+      <dgm:t>
+        <a:bodyPr/>
+        <a:lstStyle/>
+        <a:p>
+          <a:r>
+            <a:rPr lang="en-US" sz="2000" dirty="0"/>
+            <a:t>Analyze firmware using static tools (</a:t>
+          </a:r>
+          <a:r>
+            <a:rPr lang="en-US" sz="2000" dirty="0" err="1"/>
+            <a:t>Ghidra</a:t>
+          </a:r>
+          <a:r>
+            <a:rPr lang="en-US" sz="2000" dirty="0"/>
+            <a:t>, </a:t>
+          </a:r>
+          <a:r>
+            <a:rPr lang="en-US" sz="2000" dirty="0" err="1"/>
+            <a:t>binwalk</a:t>
+          </a:r>
+          <a:r>
+            <a:rPr lang="en-US" sz="2000" dirty="0"/>
+            <a:t>) and dynamic testing environments.</a:t>
+          </a:r>
+        </a:p>
+      </dgm:t>
+    </dgm:pt>
+    <dgm:pt modelId="{D4BC0842-C4BE-4E94-B8EE-AA486AEA3F7B}" type="parTrans" cxnId="{ABD0EA6B-2B6B-4291-BBAC-6CB668650381}">
+      <dgm:prSet/>
+      <dgm:spPr/>
+      <dgm:t>
+        <a:bodyPr/>
+        <a:lstStyle/>
+        <a:p>
+          <a:endParaRPr lang="en-US" sz="2000"/>
+        </a:p>
+      </dgm:t>
+    </dgm:pt>
+    <dgm:pt modelId="{5F7DC7B7-EB16-4106-AC47-F2A92677B892}" type="sibTrans" cxnId="{ABD0EA6B-2B6B-4291-BBAC-6CB668650381}">
+      <dgm:prSet/>
+      <dgm:spPr/>
+      <dgm:t>
+        <a:bodyPr/>
+        <a:lstStyle/>
+        <a:p>
+          <a:endParaRPr lang="en-US" sz="2000"/>
+        </a:p>
+      </dgm:t>
+    </dgm:pt>
+    <dgm:pt modelId="{C4A5B2EE-2BEE-4058-8358-EE6280E54AB4}">
+      <dgm:prSet custT="1"/>
+      <dgm:spPr/>
+      <dgm:t>
+        <a:bodyPr/>
+        <a:lstStyle/>
+        <a:p>
+          <a:r>
+            <a:rPr lang="en-US" sz="2000" dirty="0"/>
+            <a:t>Understand the system behavior and security posture from the firmware content.</a:t>
+          </a:r>
+        </a:p>
+      </dgm:t>
+    </dgm:pt>
+    <dgm:pt modelId="{7B44E3AD-9120-4588-B0A8-78CF3796E057}" type="parTrans" cxnId="{9B0C4EAE-CB60-4059-A326-B3B089C433A9}">
+      <dgm:prSet/>
+      <dgm:spPr/>
+      <dgm:t>
+        <a:bodyPr/>
+        <a:lstStyle/>
+        <a:p>
+          <a:endParaRPr lang="en-US" sz="2000"/>
+        </a:p>
+      </dgm:t>
+    </dgm:pt>
+    <dgm:pt modelId="{B85436E3-9783-46D9-8053-B3D123EC97E9}" type="sibTrans" cxnId="{9B0C4EAE-CB60-4059-A326-B3B089C433A9}">
+      <dgm:prSet/>
+      <dgm:spPr/>
+      <dgm:t>
+        <a:bodyPr/>
+        <a:lstStyle/>
+        <a:p>
+          <a:endParaRPr lang="en-US" sz="2000"/>
+        </a:p>
+      </dgm:t>
+    </dgm:pt>
+    <dgm:pt modelId="{AB5D1AFF-6658-4D1E-9E88-3EE7986B0565}" type="pres">
+      <dgm:prSet presAssocID="{CD40A999-F543-41B0-81F2-FC7942F02B8B}" presName="root" presStyleCnt="0">
+        <dgm:presLayoutVars>
+          <dgm:dir/>
+          <dgm:resizeHandles val="exact"/>
+        </dgm:presLayoutVars>
+      </dgm:prSet>
+      <dgm:spPr/>
+    </dgm:pt>
+    <dgm:pt modelId="{B1198814-66B0-4C0A-8CCB-95BDA58EB061}" type="pres">
+      <dgm:prSet presAssocID="{97A77B53-03BB-446E-9DBC-0A46681F0B97}" presName="compNode" presStyleCnt="0"/>
+      <dgm:spPr/>
+    </dgm:pt>
+    <dgm:pt modelId="{D1B8A6FB-D1B0-45DF-861C-8BC2346E8530}" type="pres">
+      <dgm:prSet presAssocID="{97A77B53-03BB-446E-9DBC-0A46681F0B97}" presName="iconRect" presStyleLbl="node1" presStyleIdx="0" presStyleCnt="3"/>
+      <dgm:spPr>
+        <a:blipFill>
+          <a:blip xmlns:r="http://schemas.openxmlformats.org/officeDocument/2006/relationships" r:embed="rId1">
+            <a:extLst>
+              <a:ext uri="{96DAC541-7B7A-43D3-8B79-37D633B846F1}">
+                <asvg:svgBlip xmlns:asvg="http://schemas.microsoft.com/office/drawing/2016/SVG/main" r:embed="rId2"/>
+              </a:ext>
+            </a:extLst>
+          </a:blip>
+          <a:srcRect/>
+          <a:stretch>
+            <a:fillRect/>
+          </a:stretch>
+        </a:blipFill>
+        <a:ln>
+          <a:noFill/>
+        </a:ln>
+      </dgm:spPr>
+      <dgm:extLst>
+        <a:ext uri="{E40237B7-FDA0-4F09-8148-C483321AD2D9}">
+          <dgm14:cNvPr xmlns:dgm14="http://schemas.microsoft.com/office/drawing/2010/diagram" id="0" name="" descr="Plugged Unplugged outline"/>
+        </a:ext>
+      </dgm:extLst>
+    </dgm:pt>
+    <dgm:pt modelId="{22F2E2F5-7355-4B4E-B061-23A8603BD39B}" type="pres">
+      <dgm:prSet presAssocID="{97A77B53-03BB-446E-9DBC-0A46681F0B97}" presName="spaceRect" presStyleCnt="0"/>
+      <dgm:spPr/>
+    </dgm:pt>
+    <dgm:pt modelId="{F1DB7785-67CB-49EE-B2BF-7E2247164EE6}" type="pres">
+      <dgm:prSet presAssocID="{97A77B53-03BB-446E-9DBC-0A46681F0B97}" presName="textRect" presStyleLbl="revTx" presStyleIdx="0" presStyleCnt="3">
+        <dgm:presLayoutVars>
+          <dgm:chMax val="1"/>
+          <dgm:chPref val="1"/>
+        </dgm:presLayoutVars>
+      </dgm:prSet>
+      <dgm:spPr/>
+    </dgm:pt>
+    <dgm:pt modelId="{BB565516-88DB-4553-8DBA-C8E734823135}" type="pres">
+      <dgm:prSet presAssocID="{5F1EA14F-6B6D-4A4E-A476-CB76FDC516E3}" presName="sibTrans" presStyleCnt="0"/>
+      <dgm:spPr/>
+    </dgm:pt>
+    <dgm:pt modelId="{AE062747-5470-4FA2-9ED1-9CA67A53AFA9}" type="pres">
+      <dgm:prSet presAssocID="{FD503DEC-7387-415F-BB4D-EC2BBB907CF3}" presName="compNode" presStyleCnt="0"/>
+      <dgm:spPr/>
+    </dgm:pt>
+    <dgm:pt modelId="{ADAA40C1-E776-455B-93ED-790379DFD923}" type="pres">
+      <dgm:prSet presAssocID="{FD503DEC-7387-415F-BB4D-EC2BBB907CF3}" presName="iconRect" presStyleLbl="node1" presStyleIdx="1" presStyleCnt="3"/>
+      <dgm:spPr>
+        <a:blipFill>
+          <a:blip xmlns:r="http://schemas.openxmlformats.org/officeDocument/2006/relationships" r:embed="rId3">
+            <a:extLst>
+              <a:ext uri="{96DAC541-7B7A-43D3-8B79-37D633B846F1}">
+                <asvg:svgBlip xmlns:asvg="http://schemas.microsoft.com/office/drawing/2016/SVG/main" r:embed="rId4"/>
+              </a:ext>
+            </a:extLst>
+          </a:blip>
+          <a:srcRect/>
+          <a:stretch>
+            <a:fillRect/>
+          </a:stretch>
+        </a:blipFill>
+        <a:ln>
+          <a:noFill/>
+        </a:ln>
+      </dgm:spPr>
+      <dgm:extLst>
+        <a:ext uri="{E40237B7-FDA0-4F09-8148-C483321AD2D9}">
+          <dgm14:cNvPr xmlns:dgm14="http://schemas.microsoft.com/office/drawing/2010/diagram" id="0" name="" descr="Programmer male outline"/>
+        </a:ext>
+      </dgm:extLst>
+    </dgm:pt>
+    <dgm:pt modelId="{97FBF40A-53DD-4D37-8168-19C915608578}" type="pres">
+      <dgm:prSet presAssocID="{FD503DEC-7387-415F-BB4D-EC2BBB907CF3}" presName="spaceRect" presStyleCnt="0"/>
+      <dgm:spPr/>
+    </dgm:pt>
+    <dgm:pt modelId="{1EBDA8DE-08F8-4F79-9410-8D7B11B7401D}" type="pres">
+      <dgm:prSet presAssocID="{FD503DEC-7387-415F-BB4D-EC2BBB907CF3}" presName="textRect" presStyleLbl="revTx" presStyleIdx="1" presStyleCnt="3">
+        <dgm:presLayoutVars>
+          <dgm:chMax val="1"/>
+          <dgm:chPref val="1"/>
+        </dgm:presLayoutVars>
+      </dgm:prSet>
+      <dgm:spPr/>
+    </dgm:pt>
+    <dgm:pt modelId="{C28F45BE-9AE0-48C4-9F2B-CA67C20DC52A}" type="pres">
+      <dgm:prSet presAssocID="{5F7DC7B7-EB16-4106-AC47-F2A92677B892}" presName="sibTrans" presStyleCnt="0"/>
+      <dgm:spPr/>
+    </dgm:pt>
+    <dgm:pt modelId="{A1A49305-896A-4E37-B59D-C22F0A0B07FD}" type="pres">
+      <dgm:prSet presAssocID="{C4A5B2EE-2BEE-4058-8358-EE6280E54AB4}" presName="compNode" presStyleCnt="0"/>
+      <dgm:spPr/>
+    </dgm:pt>
+    <dgm:pt modelId="{4474E323-F21A-4718-A73B-E3E777828D1E}" type="pres">
+      <dgm:prSet presAssocID="{C4A5B2EE-2BEE-4058-8358-EE6280E54AB4}" presName="iconRect" presStyleLbl="node1" presStyleIdx="2" presStyleCnt="3"/>
+      <dgm:spPr>
+        <a:blipFill>
+          <a:blip xmlns:r="http://schemas.openxmlformats.org/officeDocument/2006/relationships" r:embed="rId5">
+            <a:extLst>
+              <a:ext uri="{96DAC541-7B7A-43D3-8B79-37D633B846F1}">
+                <asvg:svgBlip xmlns:asvg="http://schemas.microsoft.com/office/drawing/2016/SVG/main" r:embed="rId6"/>
+              </a:ext>
+            </a:extLst>
+          </a:blip>
+          <a:srcRect/>
+          <a:stretch>
+            <a:fillRect/>
+          </a:stretch>
+        </a:blipFill>
+        <a:ln>
+          <a:noFill/>
+        </a:ln>
+      </dgm:spPr>
+      <dgm:extLst>
+        <a:ext uri="{E40237B7-FDA0-4F09-8148-C483321AD2D9}">
+          <dgm14:cNvPr xmlns:dgm14="http://schemas.microsoft.com/office/drawing/2010/diagram" id="0" name="" descr="Lightbulb outline"/>
+        </a:ext>
+      </dgm:extLst>
+    </dgm:pt>
+    <dgm:pt modelId="{25A4E110-44E0-44AF-86D9-42A975FB31D2}" type="pres">
+      <dgm:prSet presAssocID="{C4A5B2EE-2BEE-4058-8358-EE6280E54AB4}" presName="spaceRect" presStyleCnt="0"/>
+      <dgm:spPr/>
+    </dgm:pt>
+    <dgm:pt modelId="{83835D6E-B7E3-4BC6-AB9E-57F2E14661F6}" type="pres">
+      <dgm:prSet presAssocID="{C4A5B2EE-2BEE-4058-8358-EE6280E54AB4}" presName="textRect" presStyleLbl="revTx" presStyleIdx="2" presStyleCnt="3">
+        <dgm:presLayoutVars>
+          <dgm:chMax val="1"/>
+          <dgm:chPref val="1"/>
+        </dgm:presLayoutVars>
+      </dgm:prSet>
+      <dgm:spPr/>
+    </dgm:pt>
+  </dgm:ptLst>
+  <dgm:cxnLst>
+    <dgm:cxn modelId="{F255F416-519F-4CB8-A977-5590372BF4CB}" type="presOf" srcId="{FD503DEC-7387-415F-BB4D-EC2BBB907CF3}" destId="{1EBDA8DE-08F8-4F79-9410-8D7B11B7401D}" srcOrd="0" destOrd="0" presId="urn:microsoft.com/office/officeart/2018/2/layout/IconLabelList"/>
+    <dgm:cxn modelId="{8ADA962B-3E6E-4B49-8B97-BCC9F94D78C2}" type="presOf" srcId="{C4A5B2EE-2BEE-4058-8358-EE6280E54AB4}" destId="{83835D6E-B7E3-4BC6-AB9E-57F2E14661F6}" srcOrd="0" destOrd="0" presId="urn:microsoft.com/office/officeart/2018/2/layout/IconLabelList"/>
+    <dgm:cxn modelId="{ABD0EA6B-2B6B-4291-BBAC-6CB668650381}" srcId="{CD40A999-F543-41B0-81F2-FC7942F02B8B}" destId="{FD503DEC-7387-415F-BB4D-EC2BBB907CF3}" srcOrd="1" destOrd="0" parTransId="{D4BC0842-C4BE-4E94-B8EE-AA486AEA3F7B}" sibTransId="{5F7DC7B7-EB16-4106-AC47-F2A92677B892}"/>
+    <dgm:cxn modelId="{66A421A8-AB7A-41E1-9571-DF8501DA37D7}" type="presOf" srcId="{CD40A999-F543-41B0-81F2-FC7942F02B8B}" destId="{AB5D1AFF-6658-4D1E-9E88-3EE7986B0565}" srcOrd="0" destOrd="0" presId="urn:microsoft.com/office/officeart/2018/2/layout/IconLabelList"/>
+    <dgm:cxn modelId="{9B0C4EAE-CB60-4059-A326-B3B089C433A9}" srcId="{CD40A999-F543-41B0-81F2-FC7942F02B8B}" destId="{C4A5B2EE-2BEE-4058-8358-EE6280E54AB4}" srcOrd="2" destOrd="0" parTransId="{7B44E3AD-9120-4588-B0A8-78CF3796E057}" sibTransId="{B85436E3-9783-46D9-8053-B3D123EC97E9}"/>
+    <dgm:cxn modelId="{354C19B2-E17E-42BF-8AAD-3C207594EE0C}" type="presOf" srcId="{97A77B53-03BB-446E-9DBC-0A46681F0B97}" destId="{F1DB7785-67CB-49EE-B2BF-7E2247164EE6}" srcOrd="0" destOrd="0" presId="urn:microsoft.com/office/officeart/2018/2/layout/IconLabelList"/>
+    <dgm:cxn modelId="{23BA4BCA-6601-4208-87F1-8744BF868B18}" srcId="{CD40A999-F543-41B0-81F2-FC7942F02B8B}" destId="{97A77B53-03BB-446E-9DBC-0A46681F0B97}" srcOrd="0" destOrd="0" parTransId="{9CED194F-A907-4AEA-B7DA-F2E89673FED5}" sibTransId="{5F1EA14F-6B6D-4A4E-A476-CB76FDC516E3}"/>
+    <dgm:cxn modelId="{6D194556-91D0-4ED1-B8BA-363CEFFA044B}" type="presParOf" srcId="{AB5D1AFF-6658-4D1E-9E88-3EE7986B0565}" destId="{B1198814-66B0-4C0A-8CCB-95BDA58EB061}" srcOrd="0" destOrd="0" presId="urn:microsoft.com/office/officeart/2018/2/layout/IconLabelList"/>
+    <dgm:cxn modelId="{E2EFBB1D-869D-4F73-BFFD-D94F084BB115}" type="presParOf" srcId="{B1198814-66B0-4C0A-8CCB-95BDA58EB061}" destId="{D1B8A6FB-D1B0-45DF-861C-8BC2346E8530}" srcOrd="0" destOrd="0" presId="urn:microsoft.com/office/officeart/2018/2/layout/IconLabelList"/>
+    <dgm:cxn modelId="{A1316548-B1FF-461D-9085-89235C5F45CB}" type="presParOf" srcId="{B1198814-66B0-4C0A-8CCB-95BDA58EB061}" destId="{22F2E2F5-7355-4B4E-B061-23A8603BD39B}" srcOrd="1" destOrd="0" presId="urn:microsoft.com/office/officeart/2018/2/layout/IconLabelList"/>
+    <dgm:cxn modelId="{048678E2-4B7B-410C-A82A-E9F977469B78}" type="presParOf" srcId="{B1198814-66B0-4C0A-8CCB-95BDA58EB061}" destId="{F1DB7785-67CB-49EE-B2BF-7E2247164EE6}" srcOrd="2" destOrd="0" presId="urn:microsoft.com/office/officeart/2018/2/layout/IconLabelList"/>
+    <dgm:cxn modelId="{796E1B75-8D98-4C4E-B5BA-998608D72C1A}" type="presParOf" srcId="{AB5D1AFF-6658-4D1E-9E88-3EE7986B0565}" destId="{BB565516-88DB-4553-8DBA-C8E734823135}" srcOrd="1" destOrd="0" presId="urn:microsoft.com/office/officeart/2018/2/layout/IconLabelList"/>
+    <dgm:cxn modelId="{2DD6F6B1-183C-49F3-8800-48CC85CB2DAA}" type="presParOf" srcId="{AB5D1AFF-6658-4D1E-9E88-3EE7986B0565}" destId="{AE062747-5470-4FA2-9ED1-9CA67A53AFA9}" srcOrd="2" destOrd="0" presId="urn:microsoft.com/office/officeart/2018/2/layout/IconLabelList"/>
+    <dgm:cxn modelId="{611992F0-6820-46A0-B4E9-F2794B9F64F0}" type="presParOf" srcId="{AE062747-5470-4FA2-9ED1-9CA67A53AFA9}" destId="{ADAA40C1-E776-455B-93ED-790379DFD923}" srcOrd="0" destOrd="0" presId="urn:microsoft.com/office/officeart/2018/2/layout/IconLabelList"/>
+    <dgm:cxn modelId="{D524B9E0-730B-4EBC-B7F6-2DAE5CC6F7BF}" type="presParOf" srcId="{AE062747-5470-4FA2-9ED1-9CA67A53AFA9}" destId="{97FBF40A-53DD-4D37-8168-19C915608578}" srcOrd="1" destOrd="0" presId="urn:microsoft.com/office/officeart/2018/2/layout/IconLabelList"/>
+    <dgm:cxn modelId="{D33415A9-867F-455E-BA10-2D77300E83F3}" type="presParOf" srcId="{AE062747-5470-4FA2-9ED1-9CA67A53AFA9}" destId="{1EBDA8DE-08F8-4F79-9410-8D7B11B7401D}" srcOrd="2" destOrd="0" presId="urn:microsoft.com/office/officeart/2018/2/layout/IconLabelList"/>
+    <dgm:cxn modelId="{BFD640C6-FB99-4A91-B87E-0681EC53FE75}" type="presParOf" srcId="{AB5D1AFF-6658-4D1E-9E88-3EE7986B0565}" destId="{C28F45BE-9AE0-48C4-9F2B-CA67C20DC52A}" srcOrd="3" destOrd="0" presId="urn:microsoft.com/office/officeart/2018/2/layout/IconLabelList"/>
+    <dgm:cxn modelId="{C6EBAF7E-1E63-4B45-BBAA-4ABD49D39EA2}" type="presParOf" srcId="{AB5D1AFF-6658-4D1E-9E88-3EE7986B0565}" destId="{A1A49305-896A-4E37-B59D-C22F0A0B07FD}" srcOrd="4" destOrd="0" presId="urn:microsoft.com/office/officeart/2018/2/layout/IconLabelList"/>
+    <dgm:cxn modelId="{C8842F53-819B-4663-A278-0ECB2C74587D}" type="presParOf" srcId="{A1A49305-896A-4E37-B59D-C22F0A0B07FD}" destId="{4474E323-F21A-4718-A73B-E3E777828D1E}" srcOrd="0" destOrd="0" presId="urn:microsoft.com/office/officeart/2018/2/layout/IconLabelList"/>
+    <dgm:cxn modelId="{C6F5A365-D47C-4E4A-A81A-A5A8C5B081EA}" type="presParOf" srcId="{A1A49305-896A-4E37-B59D-C22F0A0B07FD}" destId="{25A4E110-44E0-44AF-86D9-42A975FB31D2}" srcOrd="1" destOrd="0" presId="urn:microsoft.com/office/officeart/2018/2/layout/IconLabelList"/>
+    <dgm:cxn modelId="{AFDD18D5-BD88-431B-B962-029166A79DFF}" type="presParOf" srcId="{A1A49305-896A-4E37-B59D-C22F0A0B07FD}" destId="{83835D6E-B7E3-4BC6-AB9E-57F2E14661F6}" srcOrd="2" destOrd="0" presId="urn:microsoft.com/office/officeart/2018/2/layout/IconLabelList"/>
+  </dgm:cxnLst>
+  <dgm:bg>
+    <a:noFill/>
+  </dgm:bg>
+  <dgm:whole/>
+  <dgm:extLst>
+    <a:ext uri="http://schemas.microsoft.com/office/drawing/2008/diagram">
+      <dsp:dataModelExt xmlns:dsp="http://schemas.microsoft.com/office/drawing/2008/diagram" relId="rId7" minVer="http://schemas.openxmlformats.org/drawingml/2006/diagram"/>
     </a:ext>
   </dgm:extLst>
 </dgm:dataModel>
@@ -1698,6 +2765,358 @@
 </dsp:drawing>
 </file>
 
+<file path=ppt/diagrams/drawing2.xml><?xml version="1.0" encoding="utf-8"?>
+<dsp:drawing xmlns:dgm="http://schemas.openxmlformats.org/drawingml/2006/diagram" xmlns:dsp="http://schemas.microsoft.com/office/drawing/2008/diagram" xmlns:a="http://schemas.openxmlformats.org/drawingml/2006/main">
+  <dsp:spTree>
+    <dsp:nvGrpSpPr>
+      <dsp:cNvPr id="0" name=""/>
+      <dsp:cNvGrpSpPr/>
+    </dsp:nvGrpSpPr>
+    <dsp:grpSpPr/>
+    <dsp:sp modelId="{D1B8A6FB-D1B0-45DF-861C-8BC2346E8530}">
+      <dsp:nvSpPr>
+        <dsp:cNvPr id="0" name=""/>
+        <dsp:cNvSpPr/>
+      </dsp:nvSpPr>
+      <dsp:spPr>
+        <a:xfrm>
+          <a:off x="1100881" y="483163"/>
+          <a:ext cx="1490220" cy="1490220"/>
+        </a:xfrm>
+        <a:prstGeom prst="rect">
+          <a:avLst/>
+        </a:prstGeom>
+        <a:blipFill>
+          <a:blip xmlns:r="http://schemas.openxmlformats.org/officeDocument/2006/relationships" r:embed="rId1">
+            <a:extLst>
+              <a:ext uri="{96DAC541-7B7A-43D3-8B79-37D633B846F1}">
+                <asvg:svgBlip xmlns:asvg="http://schemas.microsoft.com/office/drawing/2016/SVG/main" r:embed="rId2"/>
+              </a:ext>
+            </a:extLst>
+          </a:blip>
+          <a:srcRect/>
+          <a:stretch>
+            <a:fillRect/>
+          </a:stretch>
+        </a:blipFill>
+        <a:ln w="12700" cap="flat" cmpd="sng" algn="ctr">
+          <a:noFill/>
+          <a:prstDash val="solid"/>
+          <a:miter lim="800000"/>
+        </a:ln>
+        <a:effectLst/>
+      </dsp:spPr>
+      <dsp:style>
+        <a:lnRef idx="2">
+          <a:scrgbClr r="0" g="0" b="0"/>
+        </a:lnRef>
+        <a:fillRef idx="1">
+          <a:scrgbClr r="0" g="0" b="0"/>
+        </a:fillRef>
+        <a:effectRef idx="0">
+          <a:scrgbClr r="0" g="0" b="0"/>
+        </a:effectRef>
+        <a:fontRef idx="minor">
+          <a:schemeClr val="lt1"/>
+        </a:fontRef>
+      </dsp:style>
+    </dsp:sp>
+    <dsp:sp modelId="{F1DB7785-67CB-49EE-B2BF-7E2247164EE6}">
+      <dsp:nvSpPr>
+        <dsp:cNvPr id="0" name=""/>
+        <dsp:cNvSpPr/>
+      </dsp:nvSpPr>
+      <dsp:spPr>
+        <a:xfrm>
+          <a:off x="190191" y="2430673"/>
+          <a:ext cx="3311600" cy="1100786"/>
+        </a:xfrm>
+        <a:prstGeom prst="rect">
+          <a:avLst/>
+        </a:prstGeom>
+        <a:noFill/>
+        <a:ln>
+          <a:noFill/>
+        </a:ln>
+        <a:effectLst/>
+      </dsp:spPr>
+      <dsp:style>
+        <a:lnRef idx="0">
+          <a:scrgbClr r="0" g="0" b="0"/>
+        </a:lnRef>
+        <a:fillRef idx="0">
+          <a:scrgbClr r="0" g="0" b="0"/>
+        </a:fillRef>
+        <a:effectRef idx="0">
+          <a:scrgbClr r="0" g="0" b="0"/>
+        </a:effectRef>
+        <a:fontRef idx="minor"/>
+      </dsp:style>
+      <dsp:txBody>
+        <a:bodyPr spcFirstLastPara="0" vert="horz" wrap="square" lIns="0" tIns="0" rIns="0" bIns="0" numCol="1" spcCol="1270" anchor="t" anchorCtr="0">
+          <a:noAutofit/>
+        </a:bodyPr>
+        <a:lstStyle/>
+        <a:p>
+          <a:pPr marL="0" lvl="0" indent="0" algn="ctr" defTabSz="889000">
+            <a:lnSpc>
+              <a:spcPct val="90000"/>
+            </a:lnSpc>
+            <a:spcBef>
+              <a:spcPct val="0"/>
+            </a:spcBef>
+            <a:spcAft>
+              <a:spcPct val="35000"/>
+            </a:spcAft>
+            <a:buNone/>
+          </a:pPr>
+          <a:r>
+            <a:rPr lang="en-US" sz="2000" kern="1200" dirty="0"/>
+            <a:t>Use flash dumpers, SPI readers, or UART/JTAG tools to extract firmware.</a:t>
+          </a:r>
+        </a:p>
+      </dsp:txBody>
+      <dsp:txXfrm>
+        <a:off x="190191" y="2430673"/>
+        <a:ext cx="3311600" cy="1100786"/>
+      </dsp:txXfrm>
+    </dsp:sp>
+    <dsp:sp modelId="{ADAA40C1-E776-455B-93ED-790379DFD923}">
+      <dsp:nvSpPr>
+        <dsp:cNvPr id="0" name=""/>
+        <dsp:cNvSpPr/>
+      </dsp:nvSpPr>
+      <dsp:spPr>
+        <a:xfrm>
+          <a:off x="4992012" y="483163"/>
+          <a:ext cx="1490220" cy="1490220"/>
+        </a:xfrm>
+        <a:prstGeom prst="rect">
+          <a:avLst/>
+        </a:prstGeom>
+        <a:blipFill>
+          <a:blip xmlns:r="http://schemas.openxmlformats.org/officeDocument/2006/relationships" r:embed="rId3">
+            <a:extLst>
+              <a:ext uri="{96DAC541-7B7A-43D3-8B79-37D633B846F1}">
+                <asvg:svgBlip xmlns:asvg="http://schemas.microsoft.com/office/drawing/2016/SVG/main" r:embed="rId4"/>
+              </a:ext>
+            </a:extLst>
+          </a:blip>
+          <a:srcRect/>
+          <a:stretch>
+            <a:fillRect/>
+          </a:stretch>
+        </a:blipFill>
+        <a:ln w="12700" cap="flat" cmpd="sng" algn="ctr">
+          <a:noFill/>
+          <a:prstDash val="solid"/>
+          <a:miter lim="800000"/>
+        </a:ln>
+        <a:effectLst/>
+      </dsp:spPr>
+      <dsp:style>
+        <a:lnRef idx="2">
+          <a:scrgbClr r="0" g="0" b="0"/>
+        </a:lnRef>
+        <a:fillRef idx="1">
+          <a:scrgbClr r="0" g="0" b="0"/>
+        </a:fillRef>
+        <a:effectRef idx="0">
+          <a:scrgbClr r="0" g="0" b="0"/>
+        </a:effectRef>
+        <a:fontRef idx="minor">
+          <a:schemeClr val="lt1"/>
+        </a:fontRef>
+      </dsp:style>
+    </dsp:sp>
+    <dsp:sp modelId="{1EBDA8DE-08F8-4F79-9410-8D7B11B7401D}">
+      <dsp:nvSpPr>
+        <dsp:cNvPr id="0" name=""/>
+        <dsp:cNvSpPr/>
+      </dsp:nvSpPr>
+      <dsp:spPr>
+        <a:xfrm>
+          <a:off x="4081322" y="2430673"/>
+          <a:ext cx="3311600" cy="1100786"/>
+        </a:xfrm>
+        <a:prstGeom prst="rect">
+          <a:avLst/>
+        </a:prstGeom>
+        <a:noFill/>
+        <a:ln>
+          <a:noFill/>
+        </a:ln>
+        <a:effectLst/>
+      </dsp:spPr>
+      <dsp:style>
+        <a:lnRef idx="0">
+          <a:scrgbClr r="0" g="0" b="0"/>
+        </a:lnRef>
+        <a:fillRef idx="0">
+          <a:scrgbClr r="0" g="0" b="0"/>
+        </a:fillRef>
+        <a:effectRef idx="0">
+          <a:scrgbClr r="0" g="0" b="0"/>
+        </a:effectRef>
+        <a:fontRef idx="minor"/>
+      </dsp:style>
+      <dsp:txBody>
+        <a:bodyPr spcFirstLastPara="0" vert="horz" wrap="square" lIns="0" tIns="0" rIns="0" bIns="0" numCol="1" spcCol="1270" anchor="t" anchorCtr="0">
+          <a:noAutofit/>
+        </a:bodyPr>
+        <a:lstStyle/>
+        <a:p>
+          <a:pPr marL="0" lvl="0" indent="0" algn="ctr" defTabSz="889000">
+            <a:lnSpc>
+              <a:spcPct val="90000"/>
+            </a:lnSpc>
+            <a:spcBef>
+              <a:spcPct val="0"/>
+            </a:spcBef>
+            <a:spcAft>
+              <a:spcPct val="35000"/>
+            </a:spcAft>
+            <a:buNone/>
+          </a:pPr>
+          <a:r>
+            <a:rPr lang="en-US" sz="2000" kern="1200" dirty="0"/>
+            <a:t>Analyze firmware using static tools (</a:t>
+          </a:r>
+          <a:r>
+            <a:rPr lang="en-US" sz="2000" kern="1200" dirty="0" err="1"/>
+            <a:t>Ghidra</a:t>
+          </a:r>
+          <a:r>
+            <a:rPr lang="en-US" sz="2000" kern="1200" dirty="0"/>
+            <a:t>, </a:t>
+          </a:r>
+          <a:r>
+            <a:rPr lang="en-US" sz="2000" kern="1200" dirty="0" err="1"/>
+            <a:t>binwalk</a:t>
+          </a:r>
+          <a:r>
+            <a:rPr lang="en-US" sz="2000" kern="1200" dirty="0"/>
+            <a:t>) and dynamic testing environments.</a:t>
+          </a:r>
+        </a:p>
+      </dsp:txBody>
+      <dsp:txXfrm>
+        <a:off x="4081322" y="2430673"/>
+        <a:ext cx="3311600" cy="1100786"/>
+      </dsp:txXfrm>
+    </dsp:sp>
+    <dsp:sp modelId="{4474E323-F21A-4718-A73B-E3E777828D1E}">
+      <dsp:nvSpPr>
+        <dsp:cNvPr id="0" name=""/>
+        <dsp:cNvSpPr/>
+      </dsp:nvSpPr>
+      <dsp:spPr>
+        <a:xfrm>
+          <a:off x="8883143" y="483163"/>
+          <a:ext cx="1490220" cy="1490220"/>
+        </a:xfrm>
+        <a:prstGeom prst="rect">
+          <a:avLst/>
+        </a:prstGeom>
+        <a:blipFill>
+          <a:blip xmlns:r="http://schemas.openxmlformats.org/officeDocument/2006/relationships" r:embed="rId5">
+            <a:extLst>
+              <a:ext uri="{96DAC541-7B7A-43D3-8B79-37D633B846F1}">
+                <asvg:svgBlip xmlns:asvg="http://schemas.microsoft.com/office/drawing/2016/SVG/main" r:embed="rId6"/>
+              </a:ext>
+            </a:extLst>
+          </a:blip>
+          <a:srcRect/>
+          <a:stretch>
+            <a:fillRect/>
+          </a:stretch>
+        </a:blipFill>
+        <a:ln w="12700" cap="flat" cmpd="sng" algn="ctr">
+          <a:noFill/>
+          <a:prstDash val="solid"/>
+          <a:miter lim="800000"/>
+        </a:ln>
+        <a:effectLst/>
+      </dsp:spPr>
+      <dsp:style>
+        <a:lnRef idx="2">
+          <a:scrgbClr r="0" g="0" b="0"/>
+        </a:lnRef>
+        <a:fillRef idx="1">
+          <a:scrgbClr r="0" g="0" b="0"/>
+        </a:fillRef>
+        <a:effectRef idx="0">
+          <a:scrgbClr r="0" g="0" b="0"/>
+        </a:effectRef>
+        <a:fontRef idx="minor">
+          <a:schemeClr val="lt1"/>
+        </a:fontRef>
+      </dsp:style>
+    </dsp:sp>
+    <dsp:sp modelId="{83835D6E-B7E3-4BC6-AB9E-57F2E14661F6}">
+      <dsp:nvSpPr>
+        <dsp:cNvPr id="0" name=""/>
+        <dsp:cNvSpPr/>
+      </dsp:nvSpPr>
+      <dsp:spPr>
+        <a:xfrm>
+          <a:off x="7972453" y="2430673"/>
+          <a:ext cx="3311600" cy="1100786"/>
+        </a:xfrm>
+        <a:prstGeom prst="rect">
+          <a:avLst/>
+        </a:prstGeom>
+        <a:noFill/>
+        <a:ln>
+          <a:noFill/>
+        </a:ln>
+        <a:effectLst/>
+      </dsp:spPr>
+      <dsp:style>
+        <a:lnRef idx="0">
+          <a:scrgbClr r="0" g="0" b="0"/>
+        </a:lnRef>
+        <a:fillRef idx="0">
+          <a:scrgbClr r="0" g="0" b="0"/>
+        </a:fillRef>
+        <a:effectRef idx="0">
+          <a:scrgbClr r="0" g="0" b="0"/>
+        </a:effectRef>
+        <a:fontRef idx="minor"/>
+      </dsp:style>
+      <dsp:txBody>
+        <a:bodyPr spcFirstLastPara="0" vert="horz" wrap="square" lIns="0" tIns="0" rIns="0" bIns="0" numCol="1" spcCol="1270" anchor="t" anchorCtr="0">
+          <a:noAutofit/>
+        </a:bodyPr>
+        <a:lstStyle/>
+        <a:p>
+          <a:pPr marL="0" lvl="0" indent="0" algn="ctr" defTabSz="889000">
+            <a:lnSpc>
+              <a:spcPct val="90000"/>
+            </a:lnSpc>
+            <a:spcBef>
+              <a:spcPct val="0"/>
+            </a:spcBef>
+            <a:spcAft>
+              <a:spcPct val="35000"/>
+            </a:spcAft>
+            <a:buNone/>
+          </a:pPr>
+          <a:r>
+            <a:rPr lang="en-US" sz="2000" kern="1200" dirty="0"/>
+            <a:t>Understand the system behavior and security posture from the firmware content.</a:t>
+          </a:r>
+        </a:p>
+      </dsp:txBody>
+      <dsp:txXfrm>
+        <a:off x="7972453" y="2430673"/>
+        <a:ext cx="3311600" cy="1100786"/>
+      </dsp:txXfrm>
+    </dsp:sp>
+  </dsp:spTree>
+</dsp:drawing>
+</file>
+
 <file path=ppt/diagrams/layout1.xml><?xml version="1.0" encoding="utf-8"?>
 <dgm:layoutDef xmlns:dgm="http://schemas.openxmlformats.org/drawingml/2006/diagram" xmlns:a="http://schemas.openxmlformats.org/drawingml/2006/main" uniqueId="urn:microsoft.com/office/officeart/2018/2/layout/IconVerticalSolidList">
   <dgm:title val="Icon Vertical Solid List"/>
@@ -1992,7 +3411,1231 @@
 </dgm:layoutDef>
 </file>
 
+<file path=ppt/diagrams/layout2.xml><?xml version="1.0" encoding="utf-8"?>
+<dgm:layoutDef xmlns:dgm="http://schemas.openxmlformats.org/drawingml/2006/diagram" xmlns:a="http://schemas.openxmlformats.org/drawingml/2006/main" uniqueId="urn:microsoft.com/office/officeart/2018/2/layout/IconLabelList">
+  <dgm:title val="Icon Label List"/>
+  <dgm:desc val="Use to show non-sequential or grouped chunks of information accompanied by a related visuals. Works best with icons or small pictures with short text captions."/>
+  <dgm:catLst>
+    <dgm:cat type="icon" pri="500"/>
+  </dgm:catLst>
+  <dgm:sampData useDef="1">
+    <dgm:dataModel>
+      <dgm:ptLst/>
+      <dgm:bg/>
+      <dgm:whole/>
+    </dgm:dataModel>
+  </dgm:sampData>
+  <dgm:styleData useDef="1">
+    <dgm:dataModel>
+      <dgm:ptLst/>
+      <dgm:bg/>
+      <dgm:whole/>
+    </dgm:dataModel>
+  </dgm:styleData>
+  <dgm:clrData useDef="1">
+    <dgm:dataModel>
+      <dgm:ptLst/>
+      <dgm:bg/>
+      <dgm:whole/>
+    </dgm:dataModel>
+  </dgm:clrData>
+  <dgm:layoutNode name="root">
+    <dgm:varLst>
+      <dgm:dir/>
+      <dgm:resizeHandles val="exact"/>
+    </dgm:varLst>
+    <dgm:choose name="Name0">
+      <dgm:if name="Name1" axis="self" func="var" arg="dir" op="equ" val="norm">
+        <dgm:alg type="snake">
+          <dgm:param type="grDir" val="tL"/>
+          <dgm:param type="flowDir" val="row"/>
+          <dgm:param type="contDir" val="sameDir"/>
+          <dgm:param type="off" val="ctr"/>
+          <dgm:param type="vertAlign" val="mid"/>
+          <dgm:param type="horzAlign" val="ctr"/>
+        </dgm:alg>
+      </dgm:if>
+      <dgm:else name="Name2">
+        <dgm:alg type="snake">
+          <dgm:param type="grDir" val="tR"/>
+          <dgm:param type="flowDir" val="row"/>
+          <dgm:param type="contDir" val="sameDir"/>
+          <dgm:param type="off" val="ctr"/>
+          <dgm:param type="vertAlign" val="mid"/>
+          <dgm:param type="horzAlign" val="ctr"/>
+        </dgm:alg>
+      </dgm:else>
+    </dgm:choose>
+    <dgm:shape xmlns:r="http://schemas.openxmlformats.org/officeDocument/2006/relationships" r:blip="">
+      <dgm:adjLst/>
+    </dgm:shape>
+    <dgm:presOf/>
+    <dgm:choose name="Name3">
+      <dgm:if name="Name4" axis="ch" ptType="node" func="cnt" op="lte" val="2">
+        <dgm:constrLst>
+          <dgm:constr type="h" for="ch" forName="compNode" refType="h" fact="0.4"/>
+          <dgm:constr type="w" for="ch" forName="compNode" val="120"/>
+          <dgm:constr type="w" for="ch" forName="sibTrans" refType="w" refFor="ch" refForName="compNode" fact="0.175"/>
+          <dgm:constr type="sp" refType="w" refFor="ch" refForName="compNode" op="equ" fact="0.25"/>
+          <dgm:constr type="primFontSz" for="des" ptType="node" op="equ" val="50"/>
+          <dgm:constr type="h" for="des" forName="compNode" op="equ"/>
+          <dgm:constr type="h" for="des" forName="textRect" op="equ"/>
+        </dgm:constrLst>
+      </dgm:if>
+      <dgm:if name="Name5" axis="ch" ptType="node" func="cnt" op="lte" val="4">
+        <dgm:constrLst>
+          <dgm:constr type="h" for="ch" forName="compNode" refType="h" fact="0.4"/>
+          <dgm:constr type="w" for="ch" forName="compNode" refType="w"/>
+          <dgm:constr type="w" for="ch" forName="sibTrans" refType="w" refFor="ch" refForName="compNode" fact="0.175"/>
+          <dgm:constr type="sp" refType="w" refFor="ch" refForName="compNode" op="equ" fact="0.25"/>
+          <dgm:constr type="primFontSz" for="des" ptType="node" op="equ" val="36"/>
+          <dgm:constr type="h" for="des" forName="compNode" op="equ"/>
+          <dgm:constr type="h" for="des" forName="textRect" op="equ"/>
+        </dgm:constrLst>
+      </dgm:if>
+      <dgm:else name="Name6">
+        <dgm:constrLst>
+          <dgm:constr type="h" for="ch" forName="compNode" refType="h" fact="0.4"/>
+          <dgm:constr type="w" for="ch" forName="compNode" refType="w"/>
+          <dgm:constr type="w" for="ch" forName="sibTrans" refType="w" refFor="ch" refForName="compNode" fact="0.175"/>
+          <dgm:constr type="sp" refType="w" refFor="ch" refForName="compNode" op="equ" fact="0.25"/>
+          <dgm:constr type="primFontSz" for="des" ptType="node" op="equ" val="24"/>
+          <dgm:constr type="h" for="des" forName="compNode" op="equ"/>
+          <dgm:constr type="h" for="des" forName="textRect" op="equ"/>
+        </dgm:constrLst>
+      </dgm:else>
+    </dgm:choose>
+    <dgm:ruleLst>
+      <dgm:rule type="w" for="ch" forName="compNode" val="50" fact="NaN" max="NaN"/>
+    </dgm:ruleLst>
+    <dgm:forEach name="Name7" axis="ch" ptType="node">
+      <dgm:layoutNode name="compNode">
+        <dgm:alg type="composite"/>
+        <dgm:shape xmlns:r="http://schemas.openxmlformats.org/officeDocument/2006/relationships" r:blip="">
+          <dgm:adjLst/>
+        </dgm:shape>
+        <dgm:presOf axis="self"/>
+        <dgm:constrLst>
+          <dgm:constr type="w" for="ch" forName="iconRect" refType="w" fact="0.45"/>
+          <dgm:constr type="h" for="ch" forName="iconRect" refType="w" refFor="ch" refForName="iconRect"/>
+          <dgm:constr type="ctrX" for="ch" forName="iconRect" refType="w" fact="0.5"/>
+          <dgm:constr type="t" for="ch" forName="iconRect"/>
+          <dgm:constr type="h" for="ch" forName="spaceRect" refType="h" fact="0.15"/>
+          <dgm:constr type="w" for="ch" forName="spaceRect" refType="w"/>
+          <dgm:constr type="l" for="ch" forName="spaceRect"/>
+          <dgm:constr type="t" for="ch" forName="spaceRect" refType="b" refFor="ch" refForName="iconRect"/>
+          <dgm:constr type="h" for="ch" forName="textRect" val="20"/>
+          <dgm:constr type="w" for="ch" forName="textRect" refType="w"/>
+          <dgm:constr type="l" for="ch" forName="textRect"/>
+          <dgm:constr type="t" for="ch" forName="textRect" refType="b" refFor="ch" refForName="spaceRect"/>
+        </dgm:constrLst>
+        <dgm:ruleLst>
+          <dgm:rule type="h" val="INF" fact="NaN" max="NaN"/>
+        </dgm:ruleLst>
+        <dgm:layoutNode name="iconRect" styleLbl="node1">
+          <dgm:alg type="sp"/>
+          <dgm:shape xmlns:r="http://schemas.openxmlformats.org/officeDocument/2006/relationships" type="rect" r:blip="" blipPhldr="1">
+            <dgm:adjLst/>
+          </dgm:shape>
+          <dgm:presOf/>
+          <dgm:constrLst/>
+          <dgm:ruleLst/>
+        </dgm:layoutNode>
+        <dgm:layoutNode name="spaceRect">
+          <dgm:alg type="sp"/>
+          <dgm:shape xmlns:r="http://schemas.openxmlformats.org/officeDocument/2006/relationships" r:blip="">
+            <dgm:adjLst/>
+          </dgm:shape>
+          <dgm:presOf/>
+          <dgm:constrLst/>
+          <dgm:ruleLst/>
+        </dgm:layoutNode>
+        <dgm:layoutNode name="textRect" styleLbl="revTx">
+          <dgm:varLst>
+            <dgm:chMax val="1"/>
+            <dgm:chPref val="1"/>
+          </dgm:varLst>
+          <dgm:alg type="tx">
+            <dgm:param type="txAnchorVert" val="t"/>
+          </dgm:alg>
+          <dgm:shape xmlns:r="http://schemas.openxmlformats.org/officeDocument/2006/relationships" type="rect" r:blip="">
+            <dgm:adjLst/>
+          </dgm:shape>
+          <dgm:presOf axis="self" ptType="node"/>
+          <dgm:constrLst>
+            <dgm:constr type="lMarg"/>
+            <dgm:constr type="rMarg"/>
+            <dgm:constr type="tMarg"/>
+            <dgm:constr type="bMarg"/>
+          </dgm:constrLst>
+          <dgm:ruleLst>
+            <dgm:rule type="primFontSz" val="11" fact="NaN" max="NaN"/>
+            <dgm:rule type="h" val="INF" fact="NaN" max="NaN"/>
+          </dgm:ruleLst>
+        </dgm:layoutNode>
+      </dgm:layoutNode>
+      <dgm:forEach name="Name8" axis="followSib" ptType="sibTrans" cnt="1">
+        <dgm:layoutNode name="sibTrans">
+          <dgm:alg type="sp"/>
+          <dgm:shape xmlns:r="http://schemas.openxmlformats.org/officeDocument/2006/relationships" r:blip="">
+            <dgm:adjLst/>
+          </dgm:shape>
+          <dgm:presOf axis="self"/>
+          <dgm:constrLst/>
+          <dgm:ruleLst/>
+        </dgm:layoutNode>
+      </dgm:forEach>
+    </dgm:forEach>
+  </dgm:layoutNode>
+  <dgm:extLst>
+    <a:ext uri="{68A01E43-0DF5-4B5B-8FA6-DAF915123BFB}">
+      <dgm1612:lstStyle xmlns:dgm1612="http://schemas.microsoft.com/office/drawing/2016/12/diagram">
+        <a:lvl1pPr>
+          <a:lnSpc>
+            <a:spcPct val="100000"/>
+          </a:lnSpc>
+        </a:lvl1pPr>
+      </dgm1612:lstStyle>
+    </a:ext>
+  </dgm:extLst>
+</dgm:layoutDef>
+</file>
+
 <file path=ppt/diagrams/quickStyle1.xml><?xml version="1.0" encoding="utf-8"?>
+<dgm:styleDef xmlns:dgm="http://schemas.openxmlformats.org/drawingml/2006/diagram" xmlns:a="http://schemas.openxmlformats.org/drawingml/2006/main" uniqueId="urn:microsoft.com/office/officeart/2005/8/quickstyle/simple1">
+  <dgm:title val=""/>
+  <dgm:desc val=""/>
+  <dgm:catLst>
+    <dgm:cat type="simple" pri="10100"/>
+  </dgm:catLst>
+  <dgm:scene3d>
+    <a:camera prst="orthographicFront"/>
+    <a:lightRig rig="threePt" dir="t"/>
+  </dgm:scene3d>
+  <dgm:styleLbl name="node0">
+    <dgm:scene3d>
+      <a:camera prst="orthographicFront"/>
+      <a:lightRig rig="threePt" dir="t"/>
+    </dgm:scene3d>
+    <dgm:sp3d/>
+    <dgm:txPr/>
+    <dgm:style>
+      <a:lnRef idx="2">
+        <a:scrgbClr r="0" g="0" b="0"/>
+      </a:lnRef>
+      <a:fillRef idx="1">
+        <a:scrgbClr r="0" g="0" b="0"/>
+      </a:fillRef>
+      <a:effectRef idx="0">
+        <a:scrgbClr r="0" g="0" b="0"/>
+      </a:effectRef>
+      <a:fontRef idx="minor">
+        <a:schemeClr val="lt1"/>
+      </a:fontRef>
+    </dgm:style>
+  </dgm:styleLbl>
+  <dgm:styleLbl name="lnNode1">
+    <dgm:scene3d>
+      <a:camera prst="orthographicFront"/>
+      <a:lightRig rig="threePt" dir="t"/>
+    </dgm:scene3d>
+    <dgm:sp3d/>
+    <dgm:txPr/>
+    <dgm:style>
+      <a:lnRef idx="2">
+        <a:scrgbClr r="0" g="0" b="0"/>
+      </a:lnRef>
+      <a:fillRef idx="1">
+        <a:scrgbClr r="0" g="0" b="0"/>
+      </a:fillRef>
+      <a:effectRef idx="0">
+        <a:scrgbClr r="0" g="0" b="0"/>
+      </a:effectRef>
+      <a:fontRef idx="minor">
+        <a:schemeClr val="lt1"/>
+      </a:fontRef>
+    </dgm:style>
+  </dgm:styleLbl>
+  <dgm:styleLbl name="vennNode1">
+    <dgm:scene3d>
+      <a:camera prst="orthographicFront"/>
+      <a:lightRig rig="threePt" dir="t"/>
+    </dgm:scene3d>
+    <dgm:sp3d/>
+    <dgm:txPr/>
+    <dgm:style>
+      <a:lnRef idx="2">
+        <a:scrgbClr r="0" g="0" b="0"/>
+      </a:lnRef>
+      <a:fillRef idx="1">
+        <a:scrgbClr r="0" g="0" b="0"/>
+      </a:fillRef>
+      <a:effectRef idx="0">
+        <a:scrgbClr r="0" g="0" b="0"/>
+      </a:effectRef>
+      <a:fontRef idx="minor">
+        <a:schemeClr val="tx1"/>
+      </a:fontRef>
+    </dgm:style>
+  </dgm:styleLbl>
+  <dgm:styleLbl name="alignNode1">
+    <dgm:scene3d>
+      <a:camera prst="orthographicFront"/>
+      <a:lightRig rig="threePt" dir="t"/>
+    </dgm:scene3d>
+    <dgm:sp3d/>
+    <dgm:txPr/>
+    <dgm:style>
+      <a:lnRef idx="2">
+        <a:scrgbClr r="0" g="0" b="0"/>
+      </a:lnRef>
+      <a:fillRef idx="1">
+        <a:scrgbClr r="0" g="0" b="0"/>
+      </a:fillRef>
+      <a:effectRef idx="0">
+        <a:scrgbClr r="0" g="0" b="0"/>
+      </a:effectRef>
+      <a:fontRef idx="minor">
+        <a:schemeClr val="lt1"/>
+      </a:fontRef>
+    </dgm:style>
+  </dgm:styleLbl>
+  <dgm:styleLbl name="node1">
+    <dgm:scene3d>
+      <a:camera prst="orthographicFront"/>
+      <a:lightRig rig="threePt" dir="t"/>
+    </dgm:scene3d>
+    <dgm:sp3d/>
+    <dgm:txPr/>
+    <dgm:style>
+      <a:lnRef idx="2">
+        <a:scrgbClr r="0" g="0" b="0"/>
+      </a:lnRef>
+      <a:fillRef idx="1">
+        <a:scrgbClr r="0" g="0" b="0"/>
+      </a:fillRef>
+      <a:effectRef idx="0">
+        <a:scrgbClr r="0" g="0" b="0"/>
+      </a:effectRef>
+      <a:fontRef idx="minor">
+        <a:schemeClr val="lt1"/>
+      </a:fontRef>
+    </dgm:style>
+  </dgm:styleLbl>
+  <dgm:styleLbl name="node2">
+    <dgm:scene3d>
+      <a:camera prst="orthographicFront"/>
+      <a:lightRig rig="threePt" dir="t"/>
+    </dgm:scene3d>
+    <dgm:sp3d/>
+    <dgm:txPr/>
+    <dgm:style>
+      <a:lnRef idx="2">
+        <a:scrgbClr r="0" g="0" b="0"/>
+      </a:lnRef>
+      <a:fillRef idx="1">
+        <a:scrgbClr r="0" g="0" b="0"/>
+      </a:fillRef>
+      <a:effectRef idx="0">
+        <a:scrgbClr r="0" g="0" b="0"/>
+      </a:effectRef>
+      <a:fontRef idx="minor">
+        <a:schemeClr val="lt1"/>
+      </a:fontRef>
+    </dgm:style>
+  </dgm:styleLbl>
+  <dgm:styleLbl name="node3">
+    <dgm:scene3d>
+      <a:camera prst="orthographicFront"/>
+      <a:lightRig rig="threePt" dir="t"/>
+    </dgm:scene3d>
+    <dgm:sp3d/>
+    <dgm:txPr/>
+    <dgm:style>
+      <a:lnRef idx="2">
+        <a:scrgbClr r="0" g="0" b="0"/>
+      </a:lnRef>
+      <a:fillRef idx="1">
+        <a:scrgbClr r="0" g="0" b="0"/>
+      </a:fillRef>
+      <a:effectRef idx="0">
+        <a:scrgbClr r="0" g="0" b="0"/>
+      </a:effectRef>
+      <a:fontRef idx="minor">
+        <a:schemeClr val="lt1"/>
+      </a:fontRef>
+    </dgm:style>
+  </dgm:styleLbl>
+  <dgm:styleLbl name="node4">
+    <dgm:scene3d>
+      <a:camera prst="orthographicFront"/>
+      <a:lightRig rig="threePt" dir="t"/>
+    </dgm:scene3d>
+    <dgm:sp3d/>
+    <dgm:txPr/>
+    <dgm:style>
+      <a:lnRef idx="2">
+        <a:scrgbClr r="0" g="0" b="0"/>
+      </a:lnRef>
+      <a:fillRef idx="1">
+        <a:scrgbClr r="0" g="0" b="0"/>
+      </a:fillRef>
+      <a:effectRef idx="0">
+        <a:scrgbClr r="0" g="0" b="0"/>
+      </a:effectRef>
+      <a:fontRef idx="minor">
+        <a:schemeClr val="lt1"/>
+      </a:fontRef>
+    </dgm:style>
+  </dgm:styleLbl>
+  <dgm:styleLbl name="fgImgPlace1">
+    <dgm:scene3d>
+      <a:camera prst="orthographicFront"/>
+      <a:lightRig rig="threePt" dir="t"/>
+    </dgm:scene3d>
+    <dgm:sp3d/>
+    <dgm:txPr/>
+    <dgm:style>
+      <a:lnRef idx="2">
+        <a:scrgbClr r="0" g="0" b="0"/>
+      </a:lnRef>
+      <a:fillRef idx="1">
+        <a:scrgbClr r="0" g="0" b="0"/>
+      </a:fillRef>
+      <a:effectRef idx="0">
+        <a:scrgbClr r="0" g="0" b="0"/>
+      </a:effectRef>
+      <a:fontRef idx="minor"/>
+    </dgm:style>
+  </dgm:styleLbl>
+  <dgm:styleLbl name="alignImgPlace1">
+    <dgm:scene3d>
+      <a:camera prst="orthographicFront"/>
+      <a:lightRig rig="threePt" dir="t"/>
+    </dgm:scene3d>
+    <dgm:sp3d/>
+    <dgm:txPr/>
+    <dgm:style>
+      <a:lnRef idx="2">
+        <a:scrgbClr r="0" g="0" b="0"/>
+      </a:lnRef>
+      <a:fillRef idx="1">
+        <a:scrgbClr r="0" g="0" b="0"/>
+      </a:fillRef>
+      <a:effectRef idx="0">
+        <a:scrgbClr r="0" g="0" b="0"/>
+      </a:effectRef>
+      <a:fontRef idx="minor"/>
+    </dgm:style>
+  </dgm:styleLbl>
+  <dgm:styleLbl name="bgImgPlace1">
+    <dgm:scene3d>
+      <a:camera prst="orthographicFront"/>
+      <a:lightRig rig="threePt" dir="t"/>
+    </dgm:scene3d>
+    <dgm:sp3d/>
+    <dgm:txPr/>
+    <dgm:style>
+      <a:lnRef idx="2">
+        <a:scrgbClr r="0" g="0" b="0"/>
+      </a:lnRef>
+      <a:fillRef idx="1">
+        <a:scrgbClr r="0" g="0" b="0"/>
+      </a:fillRef>
+      <a:effectRef idx="0">
+        <a:scrgbClr r="0" g="0" b="0"/>
+      </a:effectRef>
+      <a:fontRef idx="minor"/>
+    </dgm:style>
+  </dgm:styleLbl>
+  <dgm:styleLbl name="sibTrans2D1">
+    <dgm:scene3d>
+      <a:camera prst="orthographicFront"/>
+      <a:lightRig rig="threePt" dir="t"/>
+    </dgm:scene3d>
+    <dgm:sp3d/>
+    <dgm:txPr/>
+    <dgm:style>
+      <a:lnRef idx="0">
+        <a:scrgbClr r="0" g="0" b="0"/>
+      </a:lnRef>
+      <a:fillRef idx="1">
+        <a:scrgbClr r="0" g="0" b="0"/>
+      </a:fillRef>
+      <a:effectRef idx="0">
+        <a:scrgbClr r="0" g="0" b="0"/>
+      </a:effectRef>
+      <a:fontRef idx="minor">
+        <a:schemeClr val="lt1"/>
+      </a:fontRef>
+    </dgm:style>
+  </dgm:styleLbl>
+  <dgm:styleLbl name="fgSibTrans2D1">
+    <dgm:scene3d>
+      <a:camera prst="orthographicFront"/>
+      <a:lightRig rig="threePt" dir="t"/>
+    </dgm:scene3d>
+    <dgm:sp3d/>
+    <dgm:txPr/>
+    <dgm:style>
+      <a:lnRef idx="0">
+        <a:scrgbClr r="0" g="0" b="0"/>
+      </a:lnRef>
+      <a:fillRef idx="1">
+        <a:scrgbClr r="0" g="0" b="0"/>
+      </a:fillRef>
+      <a:effectRef idx="0">
+        <a:scrgbClr r="0" g="0" b="0"/>
+      </a:effectRef>
+      <a:fontRef idx="minor">
+        <a:schemeClr val="lt1"/>
+      </a:fontRef>
+    </dgm:style>
+  </dgm:styleLbl>
+  <dgm:styleLbl name="bgSibTrans2D1">
+    <dgm:scene3d>
+      <a:camera prst="orthographicFront"/>
+      <a:lightRig rig="threePt" dir="t"/>
+    </dgm:scene3d>
+    <dgm:sp3d/>
+    <dgm:txPr/>
+    <dgm:style>
+      <a:lnRef idx="0">
+        <a:scrgbClr r="0" g="0" b="0"/>
+      </a:lnRef>
+      <a:fillRef idx="1">
+        <a:scrgbClr r="0" g="0" b="0"/>
+      </a:fillRef>
+      <a:effectRef idx="0">
+        <a:scrgbClr r="0" g="0" b="0"/>
+      </a:effectRef>
+      <a:fontRef idx="minor">
+        <a:schemeClr val="lt1"/>
+      </a:fontRef>
+    </dgm:style>
+  </dgm:styleLbl>
+  <dgm:styleLbl name="sibTrans1D1">
+    <dgm:scene3d>
+      <a:camera prst="orthographicFront"/>
+      <a:lightRig rig="threePt" dir="t"/>
+    </dgm:scene3d>
+    <dgm:sp3d/>
+    <dgm:txPr/>
+    <dgm:style>
+      <a:lnRef idx="1">
+        <a:scrgbClr r="0" g="0" b="0"/>
+      </a:lnRef>
+      <a:fillRef idx="0">
+        <a:scrgbClr r="0" g="0" b="0"/>
+      </a:fillRef>
+      <a:effectRef idx="0">
+        <a:scrgbClr r="0" g="0" b="0"/>
+      </a:effectRef>
+      <a:fontRef idx="minor"/>
+    </dgm:style>
+  </dgm:styleLbl>
+  <dgm:styleLbl name="callout">
+    <dgm:scene3d>
+      <a:camera prst="orthographicFront"/>
+      <a:lightRig rig="threePt" dir="t"/>
+    </dgm:scene3d>
+    <dgm:sp3d/>
+    <dgm:txPr/>
+    <dgm:style>
+      <a:lnRef idx="2">
+        <a:scrgbClr r="0" g="0" b="0"/>
+      </a:lnRef>
+      <a:fillRef idx="1">
+        <a:scrgbClr r="0" g="0" b="0"/>
+      </a:fillRef>
+      <a:effectRef idx="0">
+        <a:scrgbClr r="0" g="0" b="0"/>
+      </a:effectRef>
+      <a:fontRef idx="minor"/>
+    </dgm:style>
+  </dgm:styleLbl>
+  <dgm:styleLbl name="asst0">
+    <dgm:scene3d>
+      <a:camera prst="orthographicFront"/>
+      <a:lightRig rig="threePt" dir="t"/>
+    </dgm:scene3d>
+    <dgm:sp3d/>
+    <dgm:txPr/>
+    <dgm:style>
+      <a:lnRef idx="2">
+        <a:scrgbClr r="0" g="0" b="0"/>
+      </a:lnRef>
+      <a:fillRef idx="1">
+        <a:scrgbClr r="0" g="0" b="0"/>
+      </a:fillRef>
+      <a:effectRef idx="0">
+        <a:scrgbClr r="0" g="0" b="0"/>
+      </a:effectRef>
+      <a:fontRef idx="minor">
+        <a:schemeClr val="lt1"/>
+      </a:fontRef>
+    </dgm:style>
+  </dgm:styleLbl>
+  <dgm:styleLbl name="asst1">
+    <dgm:scene3d>
+      <a:camera prst="orthographicFront"/>
+      <a:lightRig rig="threePt" dir="t"/>
+    </dgm:scene3d>
+    <dgm:sp3d/>
+    <dgm:txPr/>
+    <dgm:style>
+      <a:lnRef idx="2">
+        <a:scrgbClr r="0" g="0" b="0"/>
+      </a:lnRef>
+      <a:fillRef idx="1">
+        <a:scrgbClr r="0" g="0" b="0"/>
+      </a:fillRef>
+      <a:effectRef idx="0">
+        <a:scrgbClr r="0" g="0" b="0"/>
+      </a:effectRef>
+      <a:fontRef idx="minor">
+        <a:schemeClr val="lt1"/>
+      </a:fontRef>
+    </dgm:style>
+  </dgm:styleLbl>
+  <dgm:styleLbl name="asst2">
+    <dgm:scene3d>
+      <a:camera prst="orthographicFront"/>
+      <a:lightRig rig="threePt" dir="t"/>
+    </dgm:scene3d>
+    <dgm:sp3d/>
+    <dgm:txPr/>
+    <dgm:style>
+      <a:lnRef idx="2">
+        <a:scrgbClr r="0" g="0" b="0"/>
+      </a:lnRef>
+      <a:fillRef idx="1">
+        <a:scrgbClr r="0" g="0" b="0"/>
+      </a:fillRef>
+      <a:effectRef idx="0">
+        <a:scrgbClr r="0" g="0" b="0"/>
+      </a:effectRef>
+      <a:fontRef idx="minor">
+        <a:schemeClr val="lt1"/>
+      </a:fontRef>
+    </dgm:style>
+  </dgm:styleLbl>
+  <dgm:styleLbl name="asst3">
+    <dgm:scene3d>
+      <a:camera prst="orthographicFront"/>
+      <a:lightRig rig="threePt" dir="t"/>
+    </dgm:scene3d>
+    <dgm:sp3d/>
+    <dgm:txPr/>
+    <dgm:style>
+      <a:lnRef idx="2">
+        <a:scrgbClr r="0" g="0" b="0"/>
+      </a:lnRef>
+      <a:fillRef idx="1">
+        <a:scrgbClr r="0" g="0" b="0"/>
+      </a:fillRef>
+      <a:effectRef idx="0">
+        <a:scrgbClr r="0" g="0" b="0"/>
+      </a:effectRef>
+      <a:fontRef idx="minor">
+        <a:schemeClr val="lt1"/>
+      </a:fontRef>
+    </dgm:style>
+  </dgm:styleLbl>
+  <dgm:styleLbl name="asst4">
+    <dgm:scene3d>
+      <a:camera prst="orthographicFront"/>
+      <a:lightRig rig="threePt" dir="t"/>
+    </dgm:scene3d>
+    <dgm:sp3d/>
+    <dgm:txPr/>
+    <dgm:style>
+      <a:lnRef idx="2">
+        <a:scrgbClr r="0" g="0" b="0"/>
+      </a:lnRef>
+      <a:fillRef idx="1">
+        <a:scrgbClr r="0" g="0" b="0"/>
+      </a:fillRef>
+      <a:effectRef idx="0">
+        <a:scrgbClr r="0" g="0" b="0"/>
+      </a:effectRef>
+      <a:fontRef idx="minor">
+        <a:schemeClr val="lt1"/>
+      </a:fontRef>
+    </dgm:style>
+  </dgm:styleLbl>
+  <dgm:styleLbl name="parChTrans2D1">
+    <dgm:scene3d>
+      <a:camera prst="orthographicFront"/>
+      <a:lightRig rig="threePt" dir="t"/>
+    </dgm:scene3d>
+    <dgm:sp3d/>
+    <dgm:txPr/>
+    <dgm:style>
+      <a:lnRef idx="2">
+        <a:scrgbClr r="0" g="0" b="0"/>
+      </a:lnRef>
+      <a:fillRef idx="1">
+        <a:scrgbClr r="0" g="0" b="0"/>
+      </a:fillRef>
+      <a:effectRef idx="0">
+        <a:scrgbClr r="0" g="0" b="0"/>
+      </a:effectRef>
+      <a:fontRef idx="minor">
+        <a:schemeClr val="lt1"/>
+      </a:fontRef>
+    </dgm:style>
+  </dgm:styleLbl>
+  <dgm:styleLbl name="parChTrans2D2">
+    <dgm:scene3d>
+      <a:camera prst="orthographicFront"/>
+      <a:lightRig rig="threePt" dir="t"/>
+    </dgm:scene3d>
+    <dgm:sp3d/>
+    <dgm:txPr/>
+    <dgm:style>
+      <a:lnRef idx="2">
+        <a:scrgbClr r="0" g="0" b="0"/>
+      </a:lnRef>
+      <a:fillRef idx="1">
+        <a:scrgbClr r="0" g="0" b="0"/>
+      </a:fillRef>
+      <a:effectRef idx="0">
+        <a:scrgbClr r="0" g="0" b="0"/>
+      </a:effectRef>
+      <a:fontRef idx="minor">
+        <a:schemeClr val="lt1"/>
+      </a:fontRef>
+    </dgm:style>
+  </dgm:styleLbl>
+  <dgm:styleLbl name="parChTrans2D3">
+    <dgm:scene3d>
+      <a:camera prst="orthographicFront"/>
+      <a:lightRig rig="threePt" dir="t"/>
+    </dgm:scene3d>
+    <dgm:sp3d/>
+    <dgm:txPr/>
+    <dgm:style>
+      <a:lnRef idx="2">
+        <a:scrgbClr r="0" g="0" b="0"/>
+      </a:lnRef>
+      <a:fillRef idx="1">
+        <a:scrgbClr r="0" g="0" b="0"/>
+      </a:fillRef>
+      <a:effectRef idx="0">
+        <a:scrgbClr r="0" g="0" b="0"/>
+      </a:effectRef>
+      <a:fontRef idx="minor">
+        <a:schemeClr val="lt1"/>
+      </a:fontRef>
+    </dgm:style>
+  </dgm:styleLbl>
+  <dgm:styleLbl name="parChTrans2D4">
+    <dgm:scene3d>
+      <a:camera prst="orthographicFront"/>
+      <a:lightRig rig="threePt" dir="t"/>
+    </dgm:scene3d>
+    <dgm:sp3d/>
+    <dgm:txPr/>
+    <dgm:style>
+      <a:lnRef idx="2">
+        <a:scrgbClr r="0" g="0" b="0"/>
+      </a:lnRef>
+      <a:fillRef idx="1">
+        <a:scrgbClr r="0" g="0" b="0"/>
+      </a:fillRef>
+      <a:effectRef idx="0">
+        <a:scrgbClr r="0" g="0" b="0"/>
+      </a:effectRef>
+      <a:fontRef idx="minor">
+        <a:schemeClr val="lt1"/>
+      </a:fontRef>
+    </dgm:style>
+  </dgm:styleLbl>
+  <dgm:styleLbl name="parChTrans1D1">
+    <dgm:scene3d>
+      <a:camera prst="orthographicFront"/>
+      <a:lightRig rig="threePt" dir="t"/>
+    </dgm:scene3d>
+    <dgm:sp3d/>
+    <dgm:txPr/>
+    <dgm:style>
+      <a:lnRef idx="2">
+        <a:scrgbClr r="0" g="0" b="0"/>
+      </a:lnRef>
+      <a:fillRef idx="0">
+        <a:scrgbClr r="0" g="0" b="0"/>
+      </a:fillRef>
+      <a:effectRef idx="0">
+        <a:scrgbClr r="0" g="0" b="0"/>
+      </a:effectRef>
+      <a:fontRef idx="minor"/>
+    </dgm:style>
+  </dgm:styleLbl>
+  <dgm:styleLbl name="parChTrans1D2">
+    <dgm:scene3d>
+      <a:camera prst="orthographicFront"/>
+      <a:lightRig rig="threePt" dir="t"/>
+    </dgm:scene3d>
+    <dgm:sp3d/>
+    <dgm:txPr/>
+    <dgm:style>
+      <a:lnRef idx="2">
+        <a:scrgbClr r="0" g="0" b="0"/>
+      </a:lnRef>
+      <a:fillRef idx="0">
+        <a:scrgbClr r="0" g="0" b="0"/>
+      </a:fillRef>
+      <a:effectRef idx="0">
+        <a:scrgbClr r="0" g="0" b="0"/>
+      </a:effectRef>
+      <a:fontRef idx="minor"/>
+    </dgm:style>
+  </dgm:styleLbl>
+  <dgm:styleLbl name="parChTrans1D3">
+    <dgm:scene3d>
+      <a:camera prst="orthographicFront"/>
+      <a:lightRig rig="threePt" dir="t"/>
+    </dgm:scene3d>
+    <dgm:sp3d/>
+    <dgm:txPr/>
+    <dgm:style>
+      <a:lnRef idx="2">
+        <a:scrgbClr r="0" g="0" b="0"/>
+      </a:lnRef>
+      <a:fillRef idx="0">
+        <a:scrgbClr r="0" g="0" b="0"/>
+      </a:fillRef>
+      <a:effectRef idx="0">
+        <a:scrgbClr r="0" g="0" b="0"/>
+      </a:effectRef>
+      <a:fontRef idx="minor"/>
+    </dgm:style>
+  </dgm:styleLbl>
+  <dgm:styleLbl name="parChTrans1D4">
+    <dgm:scene3d>
+      <a:camera prst="orthographicFront"/>
+      <a:lightRig rig="threePt" dir="t"/>
+    </dgm:scene3d>
+    <dgm:sp3d/>
+    <dgm:txPr/>
+    <dgm:style>
+      <a:lnRef idx="2">
+        <a:scrgbClr r="0" g="0" b="0"/>
+      </a:lnRef>
+      <a:fillRef idx="0">
+        <a:scrgbClr r="0" g="0" b="0"/>
+      </a:fillRef>
+      <a:effectRef idx="0">
+        <a:scrgbClr r="0" g="0" b="0"/>
+      </a:effectRef>
+      <a:fontRef idx="minor"/>
+    </dgm:style>
+  </dgm:styleLbl>
+  <dgm:styleLbl name="fgAcc1">
+    <dgm:scene3d>
+      <a:camera prst="orthographicFront"/>
+      <a:lightRig rig="threePt" dir="t"/>
+    </dgm:scene3d>
+    <dgm:sp3d/>
+    <dgm:txPr/>
+    <dgm:style>
+      <a:lnRef idx="2">
+        <a:scrgbClr r="0" g="0" b="0"/>
+      </a:lnRef>
+      <a:fillRef idx="1">
+        <a:scrgbClr r="0" g="0" b="0"/>
+      </a:fillRef>
+      <a:effectRef idx="0">
+        <a:scrgbClr r="0" g="0" b="0"/>
+      </a:effectRef>
+      <a:fontRef idx="minor"/>
+    </dgm:style>
+  </dgm:styleLbl>
+  <dgm:styleLbl name="conFgAcc1">
+    <dgm:scene3d>
+      <a:camera prst="orthographicFront"/>
+      <a:lightRig rig="threePt" dir="t"/>
+    </dgm:scene3d>
+    <dgm:sp3d/>
+    <dgm:txPr/>
+    <dgm:style>
+      <a:lnRef idx="2">
+        <a:scrgbClr r="0" g="0" b="0"/>
+      </a:lnRef>
+      <a:fillRef idx="1">
+        <a:scrgbClr r="0" g="0" b="0"/>
+      </a:fillRef>
+      <a:effectRef idx="0">
+        <a:scrgbClr r="0" g="0" b="0"/>
+      </a:effectRef>
+      <a:fontRef idx="minor"/>
+    </dgm:style>
+  </dgm:styleLbl>
+  <dgm:styleLbl name="alignAcc1">
+    <dgm:scene3d>
+      <a:camera prst="orthographicFront"/>
+      <a:lightRig rig="threePt" dir="t"/>
+    </dgm:scene3d>
+    <dgm:sp3d/>
+    <dgm:txPr/>
+    <dgm:style>
+      <a:lnRef idx="2">
+        <a:scrgbClr r="0" g="0" b="0"/>
+      </a:lnRef>
+      <a:fillRef idx="1">
+        <a:scrgbClr r="0" g="0" b="0"/>
+      </a:fillRef>
+      <a:effectRef idx="0">
+        <a:scrgbClr r="0" g="0" b="0"/>
+      </a:effectRef>
+      <a:fontRef idx="minor"/>
+    </dgm:style>
+  </dgm:styleLbl>
+  <dgm:styleLbl name="trAlignAcc1">
+    <dgm:scene3d>
+      <a:camera prst="orthographicFront"/>
+      <a:lightRig rig="threePt" dir="t"/>
+    </dgm:scene3d>
+    <dgm:sp3d/>
+    <dgm:txPr/>
+    <dgm:style>
+      <a:lnRef idx="1">
+        <a:scrgbClr r="0" g="0" b="0"/>
+      </a:lnRef>
+      <a:fillRef idx="1">
+        <a:scrgbClr r="0" g="0" b="0"/>
+      </a:fillRef>
+      <a:effectRef idx="0">
+        <a:scrgbClr r="0" g="0" b="0"/>
+      </a:effectRef>
+      <a:fontRef idx="minor"/>
+    </dgm:style>
+  </dgm:styleLbl>
+  <dgm:styleLbl name="bgAcc1">
+    <dgm:scene3d>
+      <a:camera prst="orthographicFront"/>
+      <a:lightRig rig="threePt" dir="t"/>
+    </dgm:scene3d>
+    <dgm:sp3d/>
+    <dgm:txPr/>
+    <dgm:style>
+      <a:lnRef idx="2">
+        <a:scrgbClr r="0" g="0" b="0"/>
+      </a:lnRef>
+      <a:fillRef idx="1">
+        <a:scrgbClr r="0" g="0" b="0"/>
+      </a:fillRef>
+      <a:effectRef idx="0">
+        <a:scrgbClr r="0" g="0" b="0"/>
+      </a:effectRef>
+      <a:fontRef idx="minor"/>
+    </dgm:style>
+  </dgm:styleLbl>
+  <dgm:styleLbl name="solidFgAcc1">
+    <dgm:scene3d>
+      <a:camera prst="orthographicFront"/>
+      <a:lightRig rig="threePt" dir="t"/>
+    </dgm:scene3d>
+    <dgm:sp3d/>
+    <dgm:txPr/>
+    <dgm:style>
+      <a:lnRef idx="2">
+        <a:scrgbClr r="0" g="0" b="0"/>
+      </a:lnRef>
+      <a:fillRef idx="1">
+        <a:scrgbClr r="0" g="0" b="0"/>
+      </a:fillRef>
+      <a:effectRef idx="0">
+        <a:scrgbClr r="0" g="0" b="0"/>
+      </a:effectRef>
+      <a:fontRef idx="minor"/>
+    </dgm:style>
+  </dgm:styleLbl>
+  <dgm:styleLbl name="solidAlignAcc1">
+    <dgm:scene3d>
+      <a:camera prst="orthographicFront"/>
+      <a:lightRig rig="threePt" dir="t"/>
+    </dgm:scene3d>
+    <dgm:sp3d/>
+    <dgm:txPr/>
+    <dgm:style>
+      <a:lnRef idx="2">
+        <a:scrgbClr r="0" g="0" b="0"/>
+      </a:lnRef>
+      <a:fillRef idx="1">
+        <a:scrgbClr r="0" g="0" b="0"/>
+      </a:fillRef>
+      <a:effectRef idx="0">
+        <a:scrgbClr r="0" g="0" b="0"/>
+      </a:effectRef>
+      <a:fontRef idx="minor"/>
+    </dgm:style>
+  </dgm:styleLbl>
+  <dgm:styleLbl name="solidBgAcc1">
+    <dgm:scene3d>
+      <a:camera prst="orthographicFront"/>
+      <a:lightRig rig="threePt" dir="t"/>
+    </dgm:scene3d>
+    <dgm:sp3d/>
+    <dgm:txPr/>
+    <dgm:style>
+      <a:lnRef idx="2">
+        <a:scrgbClr r="0" g="0" b="0"/>
+      </a:lnRef>
+      <a:fillRef idx="1">
+        <a:scrgbClr r="0" g="0" b="0"/>
+      </a:fillRef>
+      <a:effectRef idx="0">
+        <a:scrgbClr r="0" g="0" b="0"/>
+      </a:effectRef>
+      <a:fontRef idx="minor"/>
+    </dgm:style>
+  </dgm:styleLbl>
+  <dgm:styleLbl name="fgAccFollowNode1">
+    <dgm:scene3d>
+      <a:camera prst="orthographicFront"/>
+      <a:lightRig rig="threePt" dir="t"/>
+    </dgm:scene3d>
+    <dgm:sp3d/>
+    <dgm:txPr/>
+    <dgm:style>
+      <a:lnRef idx="2">
+        <a:scrgbClr r="0" g="0" b="0"/>
+      </a:lnRef>
+      <a:fillRef idx="1">
+        <a:scrgbClr r="0" g="0" b="0"/>
+      </a:fillRef>
+      <a:effectRef idx="0">
+        <a:scrgbClr r="0" g="0" b="0"/>
+      </a:effectRef>
+      <a:fontRef idx="minor"/>
+    </dgm:style>
+  </dgm:styleLbl>
+  <dgm:styleLbl name="alignAccFollowNode1">
+    <dgm:scene3d>
+      <a:camera prst="orthographicFront"/>
+      <a:lightRig rig="threePt" dir="t"/>
+    </dgm:scene3d>
+    <dgm:sp3d/>
+    <dgm:txPr/>
+    <dgm:style>
+      <a:lnRef idx="2">
+        <a:scrgbClr r="0" g="0" b="0"/>
+      </a:lnRef>
+      <a:fillRef idx="1">
+        <a:scrgbClr r="0" g="0" b="0"/>
+      </a:fillRef>
+      <a:effectRef idx="0">
+        <a:scrgbClr r="0" g="0" b="0"/>
+      </a:effectRef>
+      <a:fontRef idx="minor"/>
+    </dgm:style>
+  </dgm:styleLbl>
+  <dgm:styleLbl name="bgAccFollowNode1">
+    <dgm:scene3d>
+      <a:camera prst="orthographicFront"/>
+      <a:lightRig rig="threePt" dir="t"/>
+    </dgm:scene3d>
+    <dgm:sp3d/>
+    <dgm:txPr/>
+    <dgm:style>
+      <a:lnRef idx="2">
+        <a:scrgbClr r="0" g="0" b="0"/>
+      </a:lnRef>
+      <a:fillRef idx="1">
+        <a:scrgbClr r="0" g="0" b="0"/>
+      </a:fillRef>
+      <a:effectRef idx="0">
+        <a:scrgbClr r="0" g="0" b="0"/>
+      </a:effectRef>
+      <a:fontRef idx="minor"/>
+    </dgm:style>
+  </dgm:styleLbl>
+  <dgm:styleLbl name="fgAcc0">
+    <dgm:scene3d>
+      <a:camera prst="orthographicFront"/>
+      <a:lightRig rig="threePt" dir="t"/>
+    </dgm:scene3d>
+    <dgm:sp3d/>
+    <dgm:txPr/>
+    <dgm:style>
+      <a:lnRef idx="2">
+        <a:scrgbClr r="0" g="0" b="0"/>
+      </a:lnRef>
+      <a:fillRef idx="1">
+        <a:scrgbClr r="0" g="0" b="0"/>
+      </a:fillRef>
+      <a:effectRef idx="0">
+        <a:scrgbClr r="0" g="0" b="0"/>
+      </a:effectRef>
+      <a:fontRef idx="minor"/>
+    </dgm:style>
+  </dgm:styleLbl>
+  <dgm:styleLbl name="fgAcc2">
+    <dgm:scene3d>
+      <a:camera prst="orthographicFront"/>
+      <a:lightRig rig="threePt" dir="t"/>
+    </dgm:scene3d>
+    <dgm:sp3d/>
+    <dgm:txPr/>
+    <dgm:style>
+      <a:lnRef idx="2">
+        <a:scrgbClr r="0" g="0" b="0"/>
+      </a:lnRef>
+      <a:fillRef idx="1">
+        <a:scrgbClr r="0" g="0" b="0"/>
+      </a:fillRef>
+      <a:effectRef idx="0">
+        <a:scrgbClr r="0" g="0" b="0"/>
+      </a:effectRef>
+      <a:fontRef idx="minor"/>
+    </dgm:style>
+  </dgm:styleLbl>
+  <dgm:styleLbl name="fgAcc3">
+    <dgm:scene3d>
+      <a:camera prst="orthographicFront"/>
+      <a:lightRig rig="threePt" dir="t"/>
+    </dgm:scene3d>
+    <dgm:sp3d/>
+    <dgm:txPr/>
+    <dgm:style>
+      <a:lnRef idx="2">
+        <a:scrgbClr r="0" g="0" b="0"/>
+      </a:lnRef>
+      <a:fillRef idx="1">
+        <a:scrgbClr r="0" g="0" b="0"/>
+      </a:fillRef>
+      <a:effectRef idx="0">
+        <a:scrgbClr r="0" g="0" b="0"/>
+      </a:effectRef>
+      <a:fontRef idx="minor"/>
+    </dgm:style>
+  </dgm:styleLbl>
+  <dgm:styleLbl name="fgAcc4">
+    <dgm:scene3d>
+      <a:camera prst="orthographicFront"/>
+      <a:lightRig rig="threePt" dir="t"/>
+    </dgm:scene3d>
+    <dgm:sp3d/>
+    <dgm:txPr/>
+    <dgm:style>
+      <a:lnRef idx="2">
+        <a:scrgbClr r="0" g="0" b="0"/>
+      </a:lnRef>
+      <a:fillRef idx="1">
+        <a:scrgbClr r="0" g="0" b="0"/>
+      </a:fillRef>
+      <a:effectRef idx="0">
+        <a:scrgbClr r="0" g="0" b="0"/>
+      </a:effectRef>
+      <a:fontRef idx="minor"/>
+    </dgm:style>
+  </dgm:styleLbl>
+  <dgm:styleLbl name="bgShp">
+    <dgm:scene3d>
+      <a:camera prst="orthographicFront"/>
+      <a:lightRig rig="threePt" dir="t"/>
+    </dgm:scene3d>
+    <dgm:sp3d/>
+    <dgm:txPr/>
+    <dgm:style>
+      <a:lnRef idx="0">
+        <a:scrgbClr r="0" g="0" b="0"/>
+      </a:lnRef>
+      <a:fillRef idx="1">
+        <a:scrgbClr r="0" g="0" b="0"/>
+      </a:fillRef>
+      <a:effectRef idx="0">
+        <a:scrgbClr r="0" g="0" b="0"/>
+      </a:effectRef>
+      <a:fontRef idx="minor"/>
+    </dgm:style>
+  </dgm:styleLbl>
+  <dgm:styleLbl name="dkBgShp">
+    <dgm:scene3d>
+      <a:camera prst="orthographicFront"/>
+      <a:lightRig rig="threePt" dir="t"/>
+    </dgm:scene3d>
+    <dgm:sp3d/>
+    <dgm:txPr/>
+    <dgm:style>
+      <a:lnRef idx="0">
+        <a:scrgbClr r="0" g="0" b="0"/>
+      </a:lnRef>
+      <a:fillRef idx="1">
+        <a:scrgbClr r="0" g="0" b="0"/>
+      </a:fillRef>
+      <a:effectRef idx="0">
+        <a:scrgbClr r="0" g="0" b="0"/>
+      </a:effectRef>
+      <a:fontRef idx="minor"/>
+    </dgm:style>
+  </dgm:styleLbl>
+  <dgm:styleLbl name="trBgShp">
+    <dgm:scene3d>
+      <a:camera prst="orthographicFront"/>
+      <a:lightRig rig="threePt" dir="t"/>
+    </dgm:scene3d>
+    <dgm:sp3d/>
+    <dgm:txPr/>
+    <dgm:style>
+      <a:lnRef idx="0">
+        <a:scrgbClr r="0" g="0" b="0"/>
+      </a:lnRef>
+      <a:fillRef idx="1">
+        <a:scrgbClr r="0" g="0" b="0"/>
+      </a:fillRef>
+      <a:effectRef idx="0">
+        <a:scrgbClr r="0" g="0" b="0"/>
+      </a:effectRef>
+      <a:fontRef idx="minor"/>
+    </dgm:style>
+  </dgm:styleLbl>
+  <dgm:styleLbl name="fgShp">
+    <dgm:scene3d>
+      <a:camera prst="orthographicFront"/>
+      <a:lightRig rig="threePt" dir="t"/>
+    </dgm:scene3d>
+    <dgm:sp3d/>
+    <dgm:txPr/>
+    <dgm:style>
+      <a:lnRef idx="2">
+        <a:scrgbClr r="0" g="0" b="0"/>
+      </a:lnRef>
+      <a:fillRef idx="1">
+        <a:scrgbClr r="0" g="0" b="0"/>
+      </a:fillRef>
+      <a:effectRef idx="0">
+        <a:scrgbClr r="0" g="0" b="0"/>
+      </a:effectRef>
+      <a:fontRef idx="minor"/>
+    </dgm:style>
+  </dgm:styleLbl>
+  <dgm:styleLbl name="revTx">
+    <dgm:scene3d>
+      <a:camera prst="orthographicFront"/>
+      <a:lightRig rig="threePt" dir="t"/>
+    </dgm:scene3d>
+    <dgm:sp3d/>
+    <dgm:txPr/>
+    <dgm:style>
+      <a:lnRef idx="0">
+        <a:scrgbClr r="0" g="0" b="0"/>
+      </a:lnRef>
+      <a:fillRef idx="0">
+        <a:scrgbClr r="0" g="0" b="0"/>
+      </a:fillRef>
+      <a:effectRef idx="0">
+        <a:scrgbClr r="0" g="0" b="0"/>
+      </a:effectRef>
+      <a:fontRef idx="minor"/>
+    </dgm:style>
+  </dgm:styleLbl>
+</dgm:styleDef>
+</file>
+
+<file path=ppt/diagrams/quickStyle2.xml><?xml version="1.0" encoding="utf-8"?>
 <dgm:styleDef xmlns:dgm="http://schemas.openxmlformats.org/drawingml/2006/diagram" xmlns:a="http://schemas.openxmlformats.org/drawingml/2006/main" uniqueId="urn:microsoft.com/office/officeart/2005/8/quickstyle/simple1">
   <dgm:title val=""/>
   <dgm:desc val=""/>
@@ -3120,7 +5763,7 @@
           <a:p>
             <a:fld id="{9D8190EA-5EEC-4300-B6AE-D9734C6C648E}" type="datetimeFigureOut">
               <a:rPr lang="en-US" smtClean="0"/>
-              <a:t>7/14/2025</a:t>
+              <a:t>7/16/2025</a:t>
             </a:fld>
             <a:endParaRPr lang="en-US" dirty="0"/>
           </a:p>
@@ -3297,7 +5940,7 @@
           <a:p>
             <a:fld id="{7487ADD9-2083-264C-A652-8D52D02F7E72}" type="datetimeFigureOut">
               <a:rPr lang="en-US" smtClean="0"/>
-              <a:t>7/14/2025</a:t>
+              <a:t>7/16/2025</a:t>
             </a:fld>
             <a:endParaRPr lang="en-US" dirty="0"/>
           </a:p>
@@ -3648,6 +6291,1033 @@
 </p:notes>
 </file>
 
+<file path=ppt/notesSlides/notesSlide10.xml><?xml version="1.0" encoding="utf-8"?>
+<p:notes xmlns:a="http://schemas.openxmlformats.org/drawingml/2006/main" xmlns:r="http://schemas.openxmlformats.org/officeDocument/2006/relationships" xmlns:p="http://schemas.openxmlformats.org/presentationml/2006/main">
+  <p:cSld>
+    <p:spTree>
+      <p:nvGrpSpPr>
+        <p:cNvPr id="1" name=""/>
+        <p:cNvGrpSpPr/>
+        <p:nvPr/>
+      </p:nvGrpSpPr>
+      <p:grpSpPr>
+        <a:xfrm>
+          <a:off x="0" y="0"/>
+          <a:ext cx="0" cy="0"/>
+          <a:chOff x="0" y="0"/>
+          <a:chExt cx="0" cy="0"/>
+        </a:xfrm>
+      </p:grpSpPr>
+      <p:sp>
+        <p:nvSpPr>
+          <p:cNvPr id="2" name="Slide Image Placeholder 1"/>
+          <p:cNvSpPr>
+            <a:spLocks noGrp="1" noRot="1" noChangeAspect="1"/>
+          </p:cNvSpPr>
+          <p:nvPr>
+            <p:ph type="sldImg"/>
+          </p:nvPr>
+        </p:nvSpPr>
+        <p:spPr/>
+      </p:sp>
+      <p:sp>
+        <p:nvSpPr>
+          <p:cNvPr id="3" name="Notes Placeholder 2"/>
+          <p:cNvSpPr>
+            <a:spLocks noGrp="1"/>
+          </p:cNvSpPr>
+          <p:nvPr>
+            <p:ph type="body" idx="1"/>
+          </p:nvPr>
+        </p:nvSpPr>
+        <p:spPr/>
+        <p:txBody>
+          <a:bodyPr/>
+          <a:lstStyle/>
+          <a:p>
+            <a:endParaRPr lang="en-US" dirty="0"/>
+          </a:p>
+        </p:txBody>
+      </p:sp>
+      <p:sp>
+        <p:nvSpPr>
+          <p:cNvPr id="4" name="Slide Number Placeholder 3"/>
+          <p:cNvSpPr>
+            <a:spLocks noGrp="1"/>
+          </p:cNvSpPr>
+          <p:nvPr>
+            <p:ph type="sldNum" sz="quarter" idx="5"/>
+          </p:nvPr>
+        </p:nvSpPr>
+        <p:spPr/>
+        <p:txBody>
+          <a:bodyPr/>
+          <a:lstStyle/>
+          <a:p>
+            <a:fld id="{F97DC217-DF71-1A49-B3EA-559F1F43B0FF}" type="slidenum">
+              <a:rPr lang="en-US" smtClean="0"/>
+              <a:t>12</a:t>
+            </a:fld>
+            <a:endParaRPr lang="en-US" dirty="0"/>
+          </a:p>
+        </p:txBody>
+      </p:sp>
+    </p:spTree>
+    <p:extLst>
+      <p:ext uri="{BB962C8B-B14F-4D97-AF65-F5344CB8AC3E}">
+        <p14:creationId xmlns:p14="http://schemas.microsoft.com/office/powerpoint/2010/main" val="2384980738"/>
+      </p:ext>
+    </p:extLst>
+  </p:cSld>
+  <p:clrMapOvr>
+    <a:masterClrMapping/>
+  </p:clrMapOvr>
+</p:notes>
+</file>
+
+<file path=ppt/notesSlides/notesSlide11.xml><?xml version="1.0" encoding="utf-8"?>
+<p:notes xmlns:a="http://schemas.openxmlformats.org/drawingml/2006/main" xmlns:r="http://schemas.openxmlformats.org/officeDocument/2006/relationships" xmlns:p="http://schemas.openxmlformats.org/presentationml/2006/main">
+  <p:cSld>
+    <p:spTree>
+      <p:nvGrpSpPr>
+        <p:cNvPr id="1" name=""/>
+        <p:cNvGrpSpPr/>
+        <p:nvPr/>
+      </p:nvGrpSpPr>
+      <p:grpSpPr>
+        <a:xfrm>
+          <a:off x="0" y="0"/>
+          <a:ext cx="0" cy="0"/>
+          <a:chOff x="0" y="0"/>
+          <a:chExt cx="0" cy="0"/>
+        </a:xfrm>
+      </p:grpSpPr>
+      <p:sp>
+        <p:nvSpPr>
+          <p:cNvPr id="2" name="Slide Image Placeholder 1"/>
+          <p:cNvSpPr>
+            <a:spLocks noGrp="1" noRot="1" noChangeAspect="1"/>
+          </p:cNvSpPr>
+          <p:nvPr>
+            <p:ph type="sldImg"/>
+          </p:nvPr>
+        </p:nvSpPr>
+        <p:spPr/>
+      </p:sp>
+      <p:sp>
+        <p:nvSpPr>
+          <p:cNvPr id="3" name="Notes Placeholder 2"/>
+          <p:cNvSpPr>
+            <a:spLocks noGrp="1"/>
+          </p:cNvSpPr>
+          <p:nvPr>
+            <p:ph type="body" idx="1"/>
+          </p:nvPr>
+        </p:nvSpPr>
+        <p:spPr/>
+        <p:txBody>
+          <a:bodyPr/>
+          <a:lstStyle/>
+          <a:p>
+            <a:r>
+              <a:rPr lang="en-US" dirty="0"/>
+              <a:t>Flip the board to see soldered traces.</a:t>
+            </a:r>
+          </a:p>
+          <a:p>
+            <a:r>
+              <a:rPr lang="en-US" dirty="0"/>
+              <a:t>Pick one trace and test both ends with a multimeter.</a:t>
+            </a:r>
+          </a:p>
+          <a:p>
+            <a:r>
+              <a:rPr lang="en-US" dirty="0"/>
+              <a:t>A beep confirms continuity—useful for debugging or mapping circuits.</a:t>
+            </a:r>
+          </a:p>
+          <a:p>
+            <a:endParaRPr lang="en-US" dirty="0"/>
+          </a:p>
+        </p:txBody>
+      </p:sp>
+      <p:sp>
+        <p:nvSpPr>
+          <p:cNvPr id="4" name="Slide Number Placeholder 3"/>
+          <p:cNvSpPr>
+            <a:spLocks noGrp="1"/>
+          </p:cNvSpPr>
+          <p:nvPr>
+            <p:ph type="sldNum" sz="quarter" idx="5"/>
+          </p:nvPr>
+        </p:nvSpPr>
+        <p:spPr/>
+        <p:txBody>
+          <a:bodyPr/>
+          <a:lstStyle/>
+          <a:p>
+            <a:fld id="{F97DC217-DF71-1A49-B3EA-559F1F43B0FF}" type="slidenum">
+              <a:rPr lang="en-US" smtClean="0"/>
+              <a:t>13</a:t>
+            </a:fld>
+            <a:endParaRPr lang="en-US" dirty="0"/>
+          </a:p>
+        </p:txBody>
+      </p:sp>
+    </p:spTree>
+    <p:extLst>
+      <p:ext uri="{BB962C8B-B14F-4D97-AF65-F5344CB8AC3E}">
+        <p14:creationId xmlns:p14="http://schemas.microsoft.com/office/powerpoint/2010/main" val="1784799768"/>
+      </p:ext>
+    </p:extLst>
+  </p:cSld>
+  <p:clrMapOvr>
+    <a:masterClrMapping/>
+  </p:clrMapOvr>
+</p:notes>
+</file>
+
+<file path=ppt/notesSlides/notesSlide12.xml><?xml version="1.0" encoding="utf-8"?>
+<p:notes xmlns:a="http://schemas.openxmlformats.org/drawingml/2006/main" xmlns:r="http://schemas.openxmlformats.org/officeDocument/2006/relationships" xmlns:p="http://schemas.openxmlformats.org/presentationml/2006/main">
+  <p:cSld>
+    <p:spTree>
+      <p:nvGrpSpPr>
+        <p:cNvPr id="1" name=""/>
+        <p:cNvGrpSpPr/>
+        <p:nvPr/>
+      </p:nvGrpSpPr>
+      <p:grpSpPr>
+        <a:xfrm>
+          <a:off x="0" y="0"/>
+          <a:ext cx="0" cy="0"/>
+          <a:chOff x="0" y="0"/>
+          <a:chExt cx="0" cy="0"/>
+        </a:xfrm>
+      </p:grpSpPr>
+      <p:sp>
+        <p:nvSpPr>
+          <p:cNvPr id="2" name="Slide Image Placeholder 1"/>
+          <p:cNvSpPr>
+            <a:spLocks noGrp="1" noRot="1" noChangeAspect="1"/>
+          </p:cNvSpPr>
+          <p:nvPr>
+            <p:ph type="sldImg"/>
+          </p:nvPr>
+        </p:nvSpPr>
+        <p:spPr/>
+      </p:sp>
+      <p:sp>
+        <p:nvSpPr>
+          <p:cNvPr id="3" name="Notes Placeholder 2"/>
+          <p:cNvSpPr>
+            <a:spLocks noGrp="1"/>
+          </p:cNvSpPr>
+          <p:nvPr>
+            <p:ph type="body" idx="1"/>
+          </p:nvPr>
+        </p:nvSpPr>
+        <p:spPr/>
+        <p:txBody>
+          <a:bodyPr/>
+          <a:lstStyle/>
+          <a:p>
+            <a:pPr rtl="0"/>
+            <a:r>
+              <a:rPr lang="en-US" b="0" dirty="0" err="1"/>
+              <a:t>sudo</a:t>
+            </a:r>
+            <a:r>
+              <a:rPr lang="en-US" b="0" dirty="0"/>
+              <a:t> </a:t>
+            </a:r>
+            <a:r>
+              <a:rPr lang="en-US" b="0" dirty="0" err="1"/>
+              <a:t>flashrom</a:t>
+            </a:r>
+            <a:r>
+              <a:rPr lang="en-US" b="0" dirty="0"/>
+              <a:t> -p </a:t>
+            </a:r>
+            <a:r>
+              <a:rPr lang="en-US" b="0" dirty="0" err="1"/>
+              <a:t>linux_spi:dev</a:t>
+            </a:r>
+            <a:r>
+              <a:rPr lang="en-US" b="0" dirty="0"/>
+              <a:t>=/dev/spidev0.0 -r </a:t>
+            </a:r>
+            <a:r>
+              <a:rPr lang="en-US" b="0" dirty="0" err="1"/>
+              <a:t>firmware_dump.bin</a:t>
+            </a:r>
+            <a:r>
+              <a:rPr lang="en-US" b="0" dirty="0"/>
+              <a:t> </a:t>
+            </a:r>
+          </a:p>
+          <a:p>
+            <a:r>
+              <a:rPr lang="en-US" b="0" dirty="0" err="1"/>
+              <a:t>sudo</a:t>
+            </a:r>
+            <a:r>
+              <a:rPr lang="en-US" b="0" dirty="0"/>
+              <a:t>: Run as superuser (required for hardware access).</a:t>
+            </a:r>
+          </a:p>
+          <a:p>
+            <a:r>
+              <a:rPr lang="en-US" b="0" dirty="0" err="1"/>
+              <a:t>flashrom</a:t>
+            </a:r>
+            <a:r>
+              <a:rPr lang="en-US" b="0" dirty="0"/>
+              <a:t>: The tool used for reading/writing flash memory.</a:t>
+            </a:r>
+          </a:p>
+          <a:p>
+            <a:r>
+              <a:rPr lang="en-US" b="0" dirty="0"/>
+              <a:t>-p </a:t>
+            </a:r>
+            <a:r>
+              <a:rPr lang="en-US" b="0" dirty="0" err="1"/>
+              <a:t>linux_spi:dev</a:t>
+            </a:r>
+            <a:r>
+              <a:rPr lang="en-US" b="0" dirty="0"/>
+              <a:t>=/dev/spidev0.0: Specifies the programmer type (</a:t>
+            </a:r>
+            <a:r>
+              <a:rPr lang="en-US" b="0" dirty="0" err="1"/>
+              <a:t>linux_spi</a:t>
+            </a:r>
+            <a:r>
+              <a:rPr lang="en-US" b="0" dirty="0"/>
+              <a:t>) and the SPI device to use (/dev/spidev0.0).</a:t>
+            </a:r>
+          </a:p>
+          <a:p>
+            <a:r>
+              <a:rPr lang="en-US" b="0" dirty="0"/>
+              <a:t>-r </a:t>
+            </a:r>
+            <a:r>
+              <a:rPr lang="en-US" b="0" dirty="0" err="1"/>
+              <a:t>firmware_dump.bin</a:t>
+            </a:r>
+            <a:r>
+              <a:rPr lang="en-US" b="0" dirty="0"/>
+              <a:t>: Tells </a:t>
+            </a:r>
+            <a:r>
+              <a:rPr lang="en-US" b="0" dirty="0" err="1"/>
+              <a:t>flashrom</a:t>
+            </a:r>
+            <a:r>
+              <a:rPr lang="en-US" b="0" dirty="0"/>
+              <a:t> to read from the chip and save the contents to </a:t>
+            </a:r>
+            <a:r>
+              <a:rPr lang="en-US" b="0" dirty="0" err="1"/>
+              <a:t>firmware_dump.bin</a:t>
+            </a:r>
+            <a:r>
+              <a:rPr lang="en-US" b="0" dirty="0"/>
+              <a:t>.</a:t>
+            </a:r>
+          </a:p>
+          <a:p>
+            <a:endParaRPr lang="en-US" b="0" dirty="0"/>
+          </a:p>
+          <a:p>
+            <a:r>
+              <a:rPr lang="en-US" b="0" dirty="0" err="1"/>
+              <a:t>flashrom</a:t>
+            </a:r>
+            <a:r>
+              <a:rPr lang="en-US" b="0" dirty="0"/>
+              <a:t> was used on Linux kernel running on a Raspberry Pi</a:t>
+            </a:r>
+          </a:p>
+          <a:p>
+            <a:r>
+              <a:rPr lang="en-US" b="0" dirty="0"/>
+              <a:t>Flash memory was successfully read and saved into a binary file named </a:t>
+            </a:r>
+            <a:r>
+              <a:rPr lang="en-US" b="0" dirty="0" err="1"/>
+              <a:t>firmware_dump.bin</a:t>
+            </a:r>
+            <a:r>
+              <a:rPr lang="en-US" b="0" dirty="0"/>
+              <a:t>.</a:t>
+            </a:r>
+          </a:p>
+          <a:p>
+            <a:endParaRPr lang="en-US" b="0" dirty="0"/>
+          </a:p>
+          <a:p>
+            <a:r>
+              <a:rPr lang="en-US" b="0" dirty="0"/>
+              <a:t>Analyze the dump with tools like </a:t>
+            </a:r>
+            <a:r>
+              <a:rPr lang="en-US" b="0" dirty="0" err="1"/>
+              <a:t>binwalk</a:t>
+            </a:r>
+            <a:endParaRPr lang="en-US" b="0" dirty="0"/>
+          </a:p>
+        </p:txBody>
+      </p:sp>
+      <p:sp>
+        <p:nvSpPr>
+          <p:cNvPr id="4" name="Slide Number Placeholder 3"/>
+          <p:cNvSpPr>
+            <a:spLocks noGrp="1"/>
+          </p:cNvSpPr>
+          <p:nvPr>
+            <p:ph type="sldNum" sz="quarter" idx="5"/>
+          </p:nvPr>
+        </p:nvSpPr>
+        <p:spPr/>
+        <p:txBody>
+          <a:bodyPr/>
+          <a:lstStyle/>
+          <a:p>
+            <a:fld id="{F97DC217-DF71-1A49-B3EA-559F1F43B0FF}" type="slidenum">
+              <a:rPr lang="en-US" smtClean="0"/>
+              <a:t>14</a:t>
+            </a:fld>
+            <a:endParaRPr lang="en-US" dirty="0"/>
+          </a:p>
+        </p:txBody>
+      </p:sp>
+    </p:spTree>
+    <p:extLst>
+      <p:ext uri="{BB962C8B-B14F-4D97-AF65-F5344CB8AC3E}">
+        <p14:creationId xmlns:p14="http://schemas.microsoft.com/office/powerpoint/2010/main" val="3036351086"/>
+      </p:ext>
+    </p:extLst>
+  </p:cSld>
+  <p:clrMapOvr>
+    <a:masterClrMapping/>
+  </p:clrMapOvr>
+</p:notes>
+</file>
+
+<file path=ppt/notesSlides/notesSlide13.xml><?xml version="1.0" encoding="utf-8"?>
+<p:notes xmlns:a="http://schemas.openxmlformats.org/drawingml/2006/main" xmlns:r="http://schemas.openxmlformats.org/officeDocument/2006/relationships" xmlns:p="http://schemas.openxmlformats.org/presentationml/2006/main">
+  <p:cSld>
+    <p:spTree>
+      <p:nvGrpSpPr>
+        <p:cNvPr id="1" name=""/>
+        <p:cNvGrpSpPr/>
+        <p:nvPr/>
+      </p:nvGrpSpPr>
+      <p:grpSpPr>
+        <a:xfrm>
+          <a:off x="0" y="0"/>
+          <a:ext cx="0" cy="0"/>
+          <a:chOff x="0" y="0"/>
+          <a:chExt cx="0" cy="0"/>
+        </a:xfrm>
+      </p:grpSpPr>
+      <p:sp>
+        <p:nvSpPr>
+          <p:cNvPr id="2" name="Slide Image Placeholder 1"/>
+          <p:cNvSpPr>
+            <a:spLocks noGrp="1" noRot="1" noChangeAspect="1"/>
+          </p:cNvSpPr>
+          <p:nvPr>
+            <p:ph type="sldImg"/>
+          </p:nvPr>
+        </p:nvSpPr>
+        <p:spPr/>
+      </p:sp>
+      <p:sp>
+        <p:nvSpPr>
+          <p:cNvPr id="3" name="Notes Placeholder 2"/>
+          <p:cNvSpPr>
+            <a:spLocks noGrp="1"/>
+          </p:cNvSpPr>
+          <p:nvPr>
+            <p:ph type="body" idx="1"/>
+          </p:nvPr>
+        </p:nvSpPr>
+        <p:spPr/>
+        <p:txBody>
+          <a:bodyPr/>
+          <a:lstStyle/>
+          <a:p>
+            <a:endParaRPr lang="en-US" dirty="0"/>
+          </a:p>
+        </p:txBody>
+      </p:sp>
+      <p:sp>
+        <p:nvSpPr>
+          <p:cNvPr id="4" name="Slide Number Placeholder 3"/>
+          <p:cNvSpPr>
+            <a:spLocks noGrp="1"/>
+          </p:cNvSpPr>
+          <p:nvPr>
+            <p:ph type="sldNum" sz="quarter" idx="5"/>
+          </p:nvPr>
+        </p:nvSpPr>
+        <p:spPr/>
+        <p:txBody>
+          <a:bodyPr/>
+          <a:lstStyle/>
+          <a:p>
+            <a:fld id="{F97DC217-DF71-1A49-B3EA-559F1F43B0FF}" type="slidenum">
+              <a:rPr lang="en-US" smtClean="0"/>
+              <a:t>15</a:t>
+            </a:fld>
+            <a:endParaRPr lang="en-US" dirty="0"/>
+          </a:p>
+        </p:txBody>
+      </p:sp>
+    </p:spTree>
+    <p:extLst>
+      <p:ext uri="{BB962C8B-B14F-4D97-AF65-F5344CB8AC3E}">
+        <p14:creationId xmlns:p14="http://schemas.microsoft.com/office/powerpoint/2010/main" val="556528464"/>
+      </p:ext>
+    </p:extLst>
+  </p:cSld>
+  <p:clrMapOvr>
+    <a:masterClrMapping/>
+  </p:clrMapOvr>
+</p:notes>
+</file>
+
+<file path=ppt/notesSlides/notesSlide14.xml><?xml version="1.0" encoding="utf-8"?>
+<p:notes xmlns:a="http://schemas.openxmlformats.org/drawingml/2006/main" xmlns:r="http://schemas.openxmlformats.org/officeDocument/2006/relationships" xmlns:p="http://schemas.openxmlformats.org/presentationml/2006/main">
+  <p:cSld>
+    <p:spTree>
+      <p:nvGrpSpPr>
+        <p:cNvPr id="1" name=""/>
+        <p:cNvGrpSpPr/>
+        <p:nvPr/>
+      </p:nvGrpSpPr>
+      <p:grpSpPr>
+        <a:xfrm>
+          <a:off x="0" y="0"/>
+          <a:ext cx="0" cy="0"/>
+          <a:chOff x="0" y="0"/>
+          <a:chExt cx="0" cy="0"/>
+        </a:xfrm>
+      </p:grpSpPr>
+      <p:sp>
+        <p:nvSpPr>
+          <p:cNvPr id="2" name="Slide Image Placeholder 1"/>
+          <p:cNvSpPr>
+            <a:spLocks noGrp="1" noRot="1" noChangeAspect="1"/>
+          </p:cNvSpPr>
+          <p:nvPr>
+            <p:ph type="sldImg"/>
+          </p:nvPr>
+        </p:nvSpPr>
+        <p:spPr/>
+      </p:sp>
+      <p:sp>
+        <p:nvSpPr>
+          <p:cNvPr id="3" name="Notes Placeholder 2"/>
+          <p:cNvSpPr>
+            <a:spLocks noGrp="1"/>
+          </p:cNvSpPr>
+          <p:nvPr>
+            <p:ph type="body" idx="1"/>
+          </p:nvPr>
+        </p:nvSpPr>
+        <p:spPr/>
+        <p:txBody>
+          <a:bodyPr/>
+          <a:lstStyle/>
+          <a:p>
+            <a:endParaRPr lang="en-US" dirty="0"/>
+          </a:p>
+        </p:txBody>
+      </p:sp>
+      <p:sp>
+        <p:nvSpPr>
+          <p:cNvPr id="4" name="Slide Number Placeholder 3"/>
+          <p:cNvSpPr>
+            <a:spLocks noGrp="1"/>
+          </p:cNvSpPr>
+          <p:nvPr>
+            <p:ph type="sldNum" sz="quarter" idx="5"/>
+          </p:nvPr>
+        </p:nvSpPr>
+        <p:spPr/>
+        <p:txBody>
+          <a:bodyPr/>
+          <a:lstStyle/>
+          <a:p>
+            <a:fld id="{F97DC217-DF71-1A49-B3EA-559F1F43B0FF}" type="slidenum">
+              <a:rPr lang="en-US" smtClean="0"/>
+              <a:t>16</a:t>
+            </a:fld>
+            <a:endParaRPr lang="en-US" dirty="0"/>
+          </a:p>
+        </p:txBody>
+      </p:sp>
+    </p:spTree>
+    <p:extLst>
+      <p:ext uri="{BB962C8B-B14F-4D97-AF65-F5344CB8AC3E}">
+        <p14:creationId xmlns:p14="http://schemas.microsoft.com/office/powerpoint/2010/main" val="1586320594"/>
+      </p:ext>
+    </p:extLst>
+  </p:cSld>
+  <p:clrMapOvr>
+    <a:masterClrMapping/>
+  </p:clrMapOvr>
+</p:notes>
+</file>
+
+<file path=ppt/notesSlides/notesSlide15.xml><?xml version="1.0" encoding="utf-8"?>
+<p:notes xmlns:a="http://schemas.openxmlformats.org/drawingml/2006/main" xmlns:r="http://schemas.openxmlformats.org/officeDocument/2006/relationships" xmlns:p="http://schemas.openxmlformats.org/presentationml/2006/main">
+  <p:cSld>
+    <p:spTree>
+      <p:nvGrpSpPr>
+        <p:cNvPr id="1" name=""/>
+        <p:cNvGrpSpPr/>
+        <p:nvPr/>
+      </p:nvGrpSpPr>
+      <p:grpSpPr>
+        <a:xfrm>
+          <a:off x="0" y="0"/>
+          <a:ext cx="0" cy="0"/>
+          <a:chOff x="0" y="0"/>
+          <a:chExt cx="0" cy="0"/>
+        </a:xfrm>
+      </p:grpSpPr>
+      <p:sp>
+        <p:nvSpPr>
+          <p:cNvPr id="2" name="Slide Image Placeholder 1"/>
+          <p:cNvSpPr>
+            <a:spLocks noGrp="1" noRot="1" noChangeAspect="1"/>
+          </p:cNvSpPr>
+          <p:nvPr>
+            <p:ph type="sldImg"/>
+          </p:nvPr>
+        </p:nvSpPr>
+        <p:spPr/>
+      </p:sp>
+      <p:sp>
+        <p:nvSpPr>
+          <p:cNvPr id="3" name="Notes Placeholder 2"/>
+          <p:cNvSpPr>
+            <a:spLocks noGrp="1"/>
+          </p:cNvSpPr>
+          <p:nvPr>
+            <p:ph type="body" idx="1"/>
+          </p:nvPr>
+        </p:nvSpPr>
+        <p:spPr/>
+        <p:txBody>
+          <a:bodyPr/>
+          <a:lstStyle/>
+          <a:p>
+            <a:r>
+              <a:rPr lang="en-US" dirty="0"/>
+              <a:t>Software RE is about understanding binaries without source code.</a:t>
+            </a:r>
+          </a:p>
+          <a:p>
+            <a:r>
+              <a:rPr lang="en-US" dirty="0"/>
+              <a:t>This helps uncover vulnerabilities, undocumented features, or logic errors.</a:t>
+            </a:r>
+          </a:p>
+        </p:txBody>
+      </p:sp>
+      <p:sp>
+        <p:nvSpPr>
+          <p:cNvPr id="4" name="Slide Number Placeholder 3"/>
+          <p:cNvSpPr>
+            <a:spLocks noGrp="1"/>
+          </p:cNvSpPr>
+          <p:nvPr>
+            <p:ph type="sldNum" sz="quarter" idx="5"/>
+          </p:nvPr>
+        </p:nvSpPr>
+        <p:spPr/>
+        <p:txBody>
+          <a:bodyPr/>
+          <a:lstStyle/>
+          <a:p>
+            <a:fld id="{F97DC217-DF71-1A49-B3EA-559F1F43B0FF}" type="slidenum">
+              <a:rPr lang="en-US" smtClean="0"/>
+              <a:t>17</a:t>
+            </a:fld>
+            <a:endParaRPr lang="en-US" dirty="0"/>
+          </a:p>
+        </p:txBody>
+      </p:sp>
+    </p:spTree>
+    <p:extLst>
+      <p:ext uri="{BB962C8B-B14F-4D97-AF65-F5344CB8AC3E}">
+        <p14:creationId xmlns:p14="http://schemas.microsoft.com/office/powerpoint/2010/main" val="171089780"/>
+      </p:ext>
+    </p:extLst>
+  </p:cSld>
+  <p:clrMapOvr>
+    <a:masterClrMapping/>
+  </p:clrMapOvr>
+</p:notes>
+</file>
+
+<file path=ppt/notesSlides/notesSlide16.xml><?xml version="1.0" encoding="utf-8"?>
+<p:notes xmlns:a="http://schemas.openxmlformats.org/drawingml/2006/main" xmlns:r="http://schemas.openxmlformats.org/officeDocument/2006/relationships" xmlns:p="http://schemas.openxmlformats.org/presentationml/2006/main">
+  <p:cSld>
+    <p:spTree>
+      <p:nvGrpSpPr>
+        <p:cNvPr id="1" name=""/>
+        <p:cNvGrpSpPr/>
+        <p:nvPr/>
+      </p:nvGrpSpPr>
+      <p:grpSpPr>
+        <a:xfrm>
+          <a:off x="0" y="0"/>
+          <a:ext cx="0" cy="0"/>
+          <a:chOff x="0" y="0"/>
+          <a:chExt cx="0" cy="0"/>
+        </a:xfrm>
+      </p:grpSpPr>
+      <p:sp>
+        <p:nvSpPr>
+          <p:cNvPr id="2" name="Slide Image Placeholder 1"/>
+          <p:cNvSpPr>
+            <a:spLocks noGrp="1" noRot="1" noChangeAspect="1"/>
+          </p:cNvSpPr>
+          <p:nvPr>
+            <p:ph type="sldImg"/>
+          </p:nvPr>
+        </p:nvSpPr>
+        <p:spPr/>
+      </p:sp>
+      <p:sp>
+        <p:nvSpPr>
+          <p:cNvPr id="3" name="Notes Placeholder 2"/>
+          <p:cNvSpPr>
+            <a:spLocks noGrp="1"/>
+          </p:cNvSpPr>
+          <p:nvPr>
+            <p:ph type="body" idx="1"/>
+          </p:nvPr>
+        </p:nvSpPr>
+        <p:spPr/>
+        <p:txBody>
+          <a:bodyPr/>
+          <a:lstStyle/>
+          <a:p>
+            <a:r>
+              <a:rPr lang="en-US" dirty="0"/>
+              <a:t>First, collect everything you can: binaries, logs, firmware, config files.</a:t>
+            </a:r>
+          </a:p>
+          <a:p>
+            <a:r>
+              <a:rPr lang="en-US" dirty="0"/>
+              <a:t>The more data you have, the better the analysis will be.</a:t>
+            </a:r>
+          </a:p>
+          <a:p>
+            <a:endParaRPr lang="en-US" dirty="0"/>
+          </a:p>
+        </p:txBody>
+      </p:sp>
+      <p:sp>
+        <p:nvSpPr>
+          <p:cNvPr id="4" name="Slide Number Placeholder 3"/>
+          <p:cNvSpPr>
+            <a:spLocks noGrp="1"/>
+          </p:cNvSpPr>
+          <p:nvPr>
+            <p:ph type="sldNum" sz="quarter" idx="5"/>
+          </p:nvPr>
+        </p:nvSpPr>
+        <p:spPr/>
+        <p:txBody>
+          <a:bodyPr/>
+          <a:lstStyle/>
+          <a:p>
+            <a:fld id="{F97DC217-DF71-1A49-B3EA-559F1F43B0FF}" type="slidenum">
+              <a:rPr lang="en-US" smtClean="0"/>
+              <a:t>18</a:t>
+            </a:fld>
+            <a:endParaRPr lang="en-US" dirty="0"/>
+          </a:p>
+        </p:txBody>
+      </p:sp>
+    </p:spTree>
+    <p:extLst>
+      <p:ext uri="{BB962C8B-B14F-4D97-AF65-F5344CB8AC3E}">
+        <p14:creationId xmlns:p14="http://schemas.microsoft.com/office/powerpoint/2010/main" val="2500130604"/>
+      </p:ext>
+    </p:extLst>
+  </p:cSld>
+  <p:clrMapOvr>
+    <a:masterClrMapping/>
+  </p:clrMapOvr>
+</p:notes>
+</file>
+
+<file path=ppt/notesSlides/notesSlide17.xml><?xml version="1.0" encoding="utf-8"?>
+<p:notes xmlns:a="http://schemas.openxmlformats.org/drawingml/2006/main" xmlns:r="http://schemas.openxmlformats.org/officeDocument/2006/relationships" xmlns:p="http://schemas.openxmlformats.org/presentationml/2006/main">
+  <p:cSld>
+    <p:spTree>
+      <p:nvGrpSpPr>
+        <p:cNvPr id="1" name=""/>
+        <p:cNvGrpSpPr/>
+        <p:nvPr/>
+      </p:nvGrpSpPr>
+      <p:grpSpPr>
+        <a:xfrm>
+          <a:off x="0" y="0"/>
+          <a:ext cx="0" cy="0"/>
+          <a:chOff x="0" y="0"/>
+          <a:chExt cx="0" cy="0"/>
+        </a:xfrm>
+      </p:grpSpPr>
+      <p:sp>
+        <p:nvSpPr>
+          <p:cNvPr id="2" name="Slide Image Placeholder 1"/>
+          <p:cNvSpPr>
+            <a:spLocks noGrp="1" noRot="1" noChangeAspect="1"/>
+          </p:cNvSpPr>
+          <p:nvPr>
+            <p:ph type="sldImg"/>
+          </p:nvPr>
+        </p:nvSpPr>
+        <p:spPr/>
+      </p:sp>
+      <p:sp>
+        <p:nvSpPr>
+          <p:cNvPr id="3" name="Notes Placeholder 2"/>
+          <p:cNvSpPr>
+            <a:spLocks noGrp="1"/>
+          </p:cNvSpPr>
+          <p:nvPr>
+            <p:ph type="body" idx="1"/>
+          </p:nvPr>
+        </p:nvSpPr>
+        <p:spPr/>
+        <p:txBody>
+          <a:bodyPr/>
+          <a:lstStyle/>
+          <a:p>
+            <a:endParaRPr lang="en-US" dirty="0"/>
+          </a:p>
+        </p:txBody>
+      </p:sp>
+      <p:sp>
+        <p:nvSpPr>
+          <p:cNvPr id="4" name="Slide Number Placeholder 3"/>
+          <p:cNvSpPr>
+            <a:spLocks noGrp="1"/>
+          </p:cNvSpPr>
+          <p:nvPr>
+            <p:ph type="sldNum" sz="quarter" idx="5"/>
+          </p:nvPr>
+        </p:nvSpPr>
+        <p:spPr/>
+        <p:txBody>
+          <a:bodyPr/>
+          <a:lstStyle/>
+          <a:p>
+            <a:fld id="{F97DC217-DF71-1A49-B3EA-559F1F43B0FF}" type="slidenum">
+              <a:rPr lang="en-US" smtClean="0"/>
+              <a:t>19</a:t>
+            </a:fld>
+            <a:endParaRPr lang="en-US" dirty="0"/>
+          </a:p>
+        </p:txBody>
+      </p:sp>
+    </p:spTree>
+    <p:extLst>
+      <p:ext uri="{BB962C8B-B14F-4D97-AF65-F5344CB8AC3E}">
+        <p14:creationId xmlns:p14="http://schemas.microsoft.com/office/powerpoint/2010/main" val="3393214071"/>
+      </p:ext>
+    </p:extLst>
+  </p:cSld>
+  <p:clrMapOvr>
+    <a:masterClrMapping/>
+  </p:clrMapOvr>
+</p:notes>
+</file>
+
+<file path=ppt/notesSlides/notesSlide18.xml><?xml version="1.0" encoding="utf-8"?>
+<p:notes xmlns:a="http://schemas.openxmlformats.org/drawingml/2006/main" xmlns:r="http://schemas.openxmlformats.org/officeDocument/2006/relationships" xmlns:p="http://schemas.openxmlformats.org/presentationml/2006/main">
+  <p:cSld>
+    <p:spTree>
+      <p:nvGrpSpPr>
+        <p:cNvPr id="1" name=""/>
+        <p:cNvGrpSpPr/>
+        <p:nvPr/>
+      </p:nvGrpSpPr>
+      <p:grpSpPr>
+        <a:xfrm>
+          <a:off x="0" y="0"/>
+          <a:ext cx="0" cy="0"/>
+          <a:chOff x="0" y="0"/>
+          <a:chExt cx="0" cy="0"/>
+        </a:xfrm>
+      </p:grpSpPr>
+      <p:sp>
+        <p:nvSpPr>
+          <p:cNvPr id="2" name="Slide Image Placeholder 1"/>
+          <p:cNvSpPr>
+            <a:spLocks noGrp="1" noRot="1" noChangeAspect="1"/>
+          </p:cNvSpPr>
+          <p:nvPr>
+            <p:ph type="sldImg"/>
+          </p:nvPr>
+        </p:nvSpPr>
+        <p:spPr/>
+      </p:sp>
+      <p:sp>
+        <p:nvSpPr>
+          <p:cNvPr id="3" name="Notes Placeholder 2"/>
+          <p:cNvSpPr>
+            <a:spLocks noGrp="1"/>
+          </p:cNvSpPr>
+          <p:nvPr>
+            <p:ph type="body" idx="1"/>
+          </p:nvPr>
+        </p:nvSpPr>
+        <p:spPr/>
+        <p:txBody>
+          <a:bodyPr/>
+          <a:lstStyle/>
+          <a:p>
+            <a:r>
+              <a:rPr lang="en-US" dirty="0"/>
+              <a:t>These patterns help you reverse the program’s purpose.</a:t>
+            </a:r>
+          </a:p>
+        </p:txBody>
+      </p:sp>
+      <p:sp>
+        <p:nvSpPr>
+          <p:cNvPr id="4" name="Slide Number Placeholder 3"/>
+          <p:cNvSpPr>
+            <a:spLocks noGrp="1"/>
+          </p:cNvSpPr>
+          <p:nvPr>
+            <p:ph type="sldNum" sz="quarter" idx="5"/>
+          </p:nvPr>
+        </p:nvSpPr>
+        <p:spPr/>
+        <p:txBody>
+          <a:bodyPr/>
+          <a:lstStyle/>
+          <a:p>
+            <a:fld id="{F97DC217-DF71-1A49-B3EA-559F1F43B0FF}" type="slidenum">
+              <a:rPr lang="en-US" smtClean="0"/>
+              <a:t>21</a:t>
+            </a:fld>
+            <a:endParaRPr lang="en-US" dirty="0"/>
+          </a:p>
+        </p:txBody>
+      </p:sp>
+    </p:spTree>
+    <p:extLst>
+      <p:ext uri="{BB962C8B-B14F-4D97-AF65-F5344CB8AC3E}">
+        <p14:creationId xmlns:p14="http://schemas.microsoft.com/office/powerpoint/2010/main" val="3030929494"/>
+      </p:ext>
+    </p:extLst>
+  </p:cSld>
+  <p:clrMapOvr>
+    <a:masterClrMapping/>
+  </p:clrMapOvr>
+</p:notes>
+</file>
+
+<file path=ppt/notesSlides/notesSlide19.xml><?xml version="1.0" encoding="utf-8"?>
+<p:notes xmlns:a="http://schemas.openxmlformats.org/drawingml/2006/main" xmlns:r="http://schemas.openxmlformats.org/officeDocument/2006/relationships" xmlns:p="http://schemas.openxmlformats.org/presentationml/2006/main">
+  <p:cSld>
+    <p:spTree>
+      <p:nvGrpSpPr>
+        <p:cNvPr id="1" name=""/>
+        <p:cNvGrpSpPr/>
+        <p:nvPr/>
+      </p:nvGrpSpPr>
+      <p:grpSpPr>
+        <a:xfrm>
+          <a:off x="0" y="0"/>
+          <a:ext cx="0" cy="0"/>
+          <a:chOff x="0" y="0"/>
+          <a:chExt cx="0" cy="0"/>
+        </a:xfrm>
+      </p:grpSpPr>
+      <p:sp>
+        <p:nvSpPr>
+          <p:cNvPr id="2" name="Slide Image Placeholder 1"/>
+          <p:cNvSpPr>
+            <a:spLocks noGrp="1" noRot="1" noChangeAspect="1"/>
+          </p:cNvSpPr>
+          <p:nvPr>
+            <p:ph type="sldImg"/>
+          </p:nvPr>
+        </p:nvSpPr>
+        <p:spPr/>
+      </p:sp>
+      <p:sp>
+        <p:nvSpPr>
+          <p:cNvPr id="3" name="Notes Placeholder 2"/>
+          <p:cNvSpPr>
+            <a:spLocks noGrp="1"/>
+          </p:cNvSpPr>
+          <p:nvPr>
+            <p:ph type="body" idx="1"/>
+          </p:nvPr>
+        </p:nvSpPr>
+        <p:spPr/>
+        <p:txBody>
+          <a:bodyPr/>
+          <a:lstStyle/>
+          <a:p>
+            <a:endParaRPr lang="en-US" dirty="0"/>
+          </a:p>
+        </p:txBody>
+      </p:sp>
+      <p:sp>
+        <p:nvSpPr>
+          <p:cNvPr id="4" name="Slide Number Placeholder 3"/>
+          <p:cNvSpPr>
+            <a:spLocks noGrp="1"/>
+          </p:cNvSpPr>
+          <p:nvPr>
+            <p:ph type="sldNum" sz="quarter" idx="5"/>
+          </p:nvPr>
+        </p:nvSpPr>
+        <p:spPr/>
+        <p:txBody>
+          <a:bodyPr/>
+          <a:lstStyle/>
+          <a:p>
+            <a:fld id="{F97DC217-DF71-1A49-B3EA-559F1F43B0FF}" type="slidenum">
+              <a:rPr lang="en-US" smtClean="0"/>
+              <a:t>23</a:t>
+            </a:fld>
+            <a:endParaRPr lang="en-US" dirty="0"/>
+          </a:p>
+        </p:txBody>
+      </p:sp>
+    </p:spTree>
+    <p:extLst>
+      <p:ext uri="{BB962C8B-B14F-4D97-AF65-F5344CB8AC3E}">
+        <p14:creationId xmlns:p14="http://schemas.microsoft.com/office/powerpoint/2010/main" val="841519007"/>
+      </p:ext>
+    </p:extLst>
+  </p:cSld>
+  <p:clrMapOvr>
+    <a:masterClrMapping/>
+  </p:clrMapOvr>
+</p:notes>
+</file>
+
 <file path=ppt/notesSlides/notesSlide2.xml><?xml version="1.0" encoding="utf-8"?>
 <p:notes xmlns:a="http://schemas.openxmlformats.org/drawingml/2006/main" xmlns:r="http://schemas.openxmlformats.org/officeDocument/2006/relationships" xmlns:p="http://schemas.openxmlformats.org/presentationml/2006/main">
   <p:cSld>
@@ -3756,6 +7426,596 @@
 </p:notes>
 </file>
 
+<file path=ppt/notesSlides/notesSlide20.xml><?xml version="1.0" encoding="utf-8"?>
+<p:notes xmlns:a="http://schemas.openxmlformats.org/drawingml/2006/main" xmlns:r="http://schemas.openxmlformats.org/officeDocument/2006/relationships" xmlns:p="http://schemas.openxmlformats.org/presentationml/2006/main">
+  <p:cSld>
+    <p:spTree>
+      <p:nvGrpSpPr>
+        <p:cNvPr id="1" name=""/>
+        <p:cNvGrpSpPr/>
+        <p:nvPr/>
+      </p:nvGrpSpPr>
+      <p:grpSpPr>
+        <a:xfrm>
+          <a:off x="0" y="0"/>
+          <a:ext cx="0" cy="0"/>
+          <a:chOff x="0" y="0"/>
+          <a:chExt cx="0" cy="0"/>
+        </a:xfrm>
+      </p:grpSpPr>
+      <p:sp>
+        <p:nvSpPr>
+          <p:cNvPr id="2" name="Slide Image Placeholder 1"/>
+          <p:cNvSpPr>
+            <a:spLocks noGrp="1" noRot="1" noChangeAspect="1"/>
+          </p:cNvSpPr>
+          <p:nvPr>
+            <p:ph type="sldImg"/>
+          </p:nvPr>
+        </p:nvSpPr>
+        <p:spPr/>
+      </p:sp>
+      <p:sp>
+        <p:nvSpPr>
+          <p:cNvPr id="3" name="Notes Placeholder 2"/>
+          <p:cNvSpPr>
+            <a:spLocks noGrp="1"/>
+          </p:cNvSpPr>
+          <p:nvPr>
+            <p:ph type="body" idx="1"/>
+          </p:nvPr>
+        </p:nvSpPr>
+        <p:spPr/>
+        <p:txBody>
+          <a:bodyPr/>
+          <a:lstStyle/>
+          <a:p>
+            <a:endParaRPr lang="en-US" dirty="0"/>
+          </a:p>
+        </p:txBody>
+      </p:sp>
+      <p:sp>
+        <p:nvSpPr>
+          <p:cNvPr id="4" name="Slide Number Placeholder 3"/>
+          <p:cNvSpPr>
+            <a:spLocks noGrp="1"/>
+          </p:cNvSpPr>
+          <p:nvPr>
+            <p:ph type="sldNum" sz="quarter" idx="5"/>
+          </p:nvPr>
+        </p:nvSpPr>
+        <p:spPr/>
+        <p:txBody>
+          <a:bodyPr/>
+          <a:lstStyle/>
+          <a:p>
+            <a:fld id="{F97DC217-DF71-1A49-B3EA-559F1F43B0FF}" type="slidenum">
+              <a:rPr lang="en-US" smtClean="0"/>
+              <a:t>24</a:t>
+            </a:fld>
+            <a:endParaRPr lang="en-US" dirty="0"/>
+          </a:p>
+        </p:txBody>
+      </p:sp>
+    </p:spTree>
+    <p:extLst>
+      <p:ext uri="{BB962C8B-B14F-4D97-AF65-F5344CB8AC3E}">
+        <p14:creationId xmlns:p14="http://schemas.microsoft.com/office/powerpoint/2010/main" val="2727223398"/>
+      </p:ext>
+    </p:extLst>
+  </p:cSld>
+  <p:clrMapOvr>
+    <a:masterClrMapping/>
+  </p:clrMapOvr>
+</p:notes>
+</file>
+
+<file path=ppt/notesSlides/notesSlide21.xml><?xml version="1.0" encoding="utf-8"?>
+<p:notes xmlns:a="http://schemas.openxmlformats.org/drawingml/2006/main" xmlns:r="http://schemas.openxmlformats.org/officeDocument/2006/relationships" xmlns:p="http://schemas.openxmlformats.org/presentationml/2006/main">
+  <p:cSld>
+    <p:spTree>
+      <p:nvGrpSpPr>
+        <p:cNvPr id="1" name=""/>
+        <p:cNvGrpSpPr/>
+        <p:nvPr/>
+      </p:nvGrpSpPr>
+      <p:grpSpPr>
+        <a:xfrm>
+          <a:off x="0" y="0"/>
+          <a:ext cx="0" cy="0"/>
+          <a:chOff x="0" y="0"/>
+          <a:chExt cx="0" cy="0"/>
+        </a:xfrm>
+      </p:grpSpPr>
+      <p:sp>
+        <p:nvSpPr>
+          <p:cNvPr id="2" name="Slide Image Placeholder 1"/>
+          <p:cNvSpPr>
+            <a:spLocks noGrp="1" noRot="1" noChangeAspect="1"/>
+          </p:cNvSpPr>
+          <p:nvPr>
+            <p:ph type="sldImg"/>
+          </p:nvPr>
+        </p:nvSpPr>
+        <p:spPr/>
+      </p:sp>
+      <p:sp>
+        <p:nvSpPr>
+          <p:cNvPr id="3" name="Notes Placeholder 2"/>
+          <p:cNvSpPr>
+            <a:spLocks noGrp="1"/>
+          </p:cNvSpPr>
+          <p:nvPr>
+            <p:ph type="body" idx="1"/>
+          </p:nvPr>
+        </p:nvSpPr>
+        <p:spPr/>
+        <p:txBody>
+          <a:bodyPr/>
+          <a:lstStyle/>
+          <a:p>
+            <a:r>
+              <a:rPr lang="en-US" dirty="0"/>
+              <a:t>Learn how </a:t>
+            </a:r>
+            <a:r>
+              <a:rPr lang="en-US" dirty="0" err="1"/>
+              <a:t>Ghidra</a:t>
+            </a:r>
+            <a:r>
+              <a:rPr lang="en-US" dirty="0"/>
+              <a:t> represents basic C logic in assembly and memory.</a:t>
+            </a:r>
+          </a:p>
+          <a:p>
+            <a:endParaRPr lang="en-US" dirty="0"/>
+          </a:p>
+          <a:p>
+            <a:r>
+              <a:rPr lang="en-US" dirty="0"/>
+              <a:t>Load the compiled firmware into </a:t>
+            </a:r>
+            <a:r>
+              <a:rPr lang="en-US" dirty="0" err="1"/>
+              <a:t>Ghidra</a:t>
+            </a:r>
+            <a:r>
+              <a:rPr lang="en-US" dirty="0"/>
+              <a:t>.</a:t>
+            </a:r>
+          </a:p>
+          <a:p>
+            <a:r>
+              <a:rPr lang="en-US" dirty="0"/>
+              <a:t>Find main() and look for key patterns:</a:t>
+            </a:r>
+            <a:br>
+              <a:rPr lang="en-US" dirty="0"/>
+            </a:br>
+            <a:r>
+              <a:rPr lang="en-US" dirty="0"/>
+              <a:t> - Integer operations</a:t>
+            </a:r>
+            <a:br>
+              <a:rPr lang="en-US" dirty="0"/>
+            </a:br>
+            <a:r>
+              <a:rPr lang="en-US" dirty="0"/>
+              <a:t> - LED toggling with </a:t>
+            </a:r>
+            <a:r>
+              <a:rPr lang="en-US" dirty="0" err="1"/>
+              <a:t>digitalWrite</a:t>
+            </a:r>
+            <a:r>
+              <a:rPr lang="en-US" dirty="0"/>
+              <a:t>()</a:t>
+            </a:r>
+            <a:br>
+              <a:rPr lang="en-US" dirty="0"/>
+            </a:br>
+            <a:r>
+              <a:rPr lang="en-US" dirty="0"/>
+              <a:t> - Delays and hex math</a:t>
+            </a:r>
+          </a:p>
+          <a:p>
+            <a:r>
+              <a:rPr lang="en-US" dirty="0" err="1"/>
+              <a:t>Ghidra</a:t>
+            </a:r>
+            <a:r>
+              <a:rPr lang="en-US" dirty="0"/>
+              <a:t> lets us trace how C translates into low-level operations.</a:t>
+            </a:r>
+          </a:p>
+          <a:p>
+            <a:endParaRPr lang="en-US" dirty="0"/>
+          </a:p>
+        </p:txBody>
+      </p:sp>
+      <p:sp>
+        <p:nvSpPr>
+          <p:cNvPr id="4" name="Slide Number Placeholder 3"/>
+          <p:cNvSpPr>
+            <a:spLocks noGrp="1"/>
+          </p:cNvSpPr>
+          <p:nvPr>
+            <p:ph type="sldNum" sz="quarter" idx="5"/>
+          </p:nvPr>
+        </p:nvSpPr>
+        <p:spPr/>
+        <p:txBody>
+          <a:bodyPr/>
+          <a:lstStyle/>
+          <a:p>
+            <a:fld id="{F97DC217-DF71-1A49-B3EA-559F1F43B0FF}" type="slidenum">
+              <a:rPr lang="en-US" smtClean="0"/>
+              <a:t>25</a:t>
+            </a:fld>
+            <a:endParaRPr lang="en-US" dirty="0"/>
+          </a:p>
+        </p:txBody>
+      </p:sp>
+    </p:spTree>
+    <p:extLst>
+      <p:ext uri="{BB962C8B-B14F-4D97-AF65-F5344CB8AC3E}">
+        <p14:creationId xmlns:p14="http://schemas.microsoft.com/office/powerpoint/2010/main" val="3713348320"/>
+      </p:ext>
+    </p:extLst>
+  </p:cSld>
+  <p:clrMapOvr>
+    <a:masterClrMapping/>
+  </p:clrMapOvr>
+</p:notes>
+</file>
+
+<file path=ppt/notesSlides/notesSlide22.xml><?xml version="1.0" encoding="utf-8"?>
+<p:notes xmlns:a="http://schemas.openxmlformats.org/drawingml/2006/main" xmlns:r="http://schemas.openxmlformats.org/officeDocument/2006/relationships" xmlns:p="http://schemas.openxmlformats.org/presentationml/2006/main">
+  <p:cSld>
+    <p:spTree>
+      <p:nvGrpSpPr>
+        <p:cNvPr id="1" name=""/>
+        <p:cNvGrpSpPr/>
+        <p:nvPr/>
+      </p:nvGrpSpPr>
+      <p:grpSpPr>
+        <a:xfrm>
+          <a:off x="0" y="0"/>
+          <a:ext cx="0" cy="0"/>
+          <a:chOff x="0" y="0"/>
+          <a:chExt cx="0" cy="0"/>
+        </a:xfrm>
+      </p:grpSpPr>
+      <p:sp>
+        <p:nvSpPr>
+          <p:cNvPr id="2" name="Slide Image Placeholder 1"/>
+          <p:cNvSpPr>
+            <a:spLocks noGrp="1" noRot="1" noChangeAspect="1"/>
+          </p:cNvSpPr>
+          <p:nvPr>
+            <p:ph type="sldImg"/>
+          </p:nvPr>
+        </p:nvSpPr>
+        <p:spPr/>
+      </p:sp>
+      <p:sp>
+        <p:nvSpPr>
+          <p:cNvPr id="3" name="Notes Placeholder 2"/>
+          <p:cNvSpPr>
+            <a:spLocks noGrp="1"/>
+          </p:cNvSpPr>
+          <p:nvPr>
+            <p:ph type="body" idx="1"/>
+          </p:nvPr>
+        </p:nvSpPr>
+        <p:spPr/>
+        <p:txBody>
+          <a:bodyPr/>
+          <a:lstStyle/>
+          <a:p>
+            <a:pPr marL="514350" indent="-514350">
+              <a:buAutoNum type="arabicPeriod"/>
+            </a:pPr>
+            <a:r>
+              <a:rPr lang="en-US" dirty="0"/>
+              <a:t>Learn a few popular tools—</a:t>
+            </a:r>
+            <a:r>
+              <a:rPr lang="en-US" dirty="0" err="1"/>
+              <a:t>Ghidra</a:t>
+            </a:r>
+            <a:r>
+              <a:rPr lang="en-US" dirty="0"/>
+              <a:t>, </a:t>
+            </a:r>
+            <a:r>
+              <a:rPr lang="en-US" dirty="0" err="1"/>
+              <a:t>Binwalk</a:t>
+            </a:r>
+            <a:r>
+              <a:rPr lang="en-US" dirty="0"/>
+              <a:t>, QEMU, and GDB—which help bridge the gap between machine code and human-readable code. Most come preinstalled on Kali Linux and make excellent resume builders.</a:t>
+            </a:r>
+          </a:p>
+          <a:p>
+            <a:pPr marL="514350" indent="-514350">
+              <a:buAutoNum type="arabicPeriod"/>
+            </a:pPr>
+            <a:r>
+              <a:rPr lang="en-US" dirty="0"/>
+              <a:t>You don’t need to be an expert — if you can write simple C, you can start reversing it and doing independent projects.</a:t>
+            </a:r>
+          </a:p>
+          <a:p>
+            <a:pPr marL="514350" indent="-514350">
+              <a:buAutoNum type="arabicPeriod"/>
+            </a:pPr>
+            <a:r>
+              <a:rPr lang="en-US" dirty="0"/>
+              <a:t>Always document your reverse engineering process. Notes, screenshots, and code comments make it easier to replicate, explain, and improve your work.</a:t>
+            </a:r>
+          </a:p>
+          <a:p>
+            <a:pPr marL="514350" indent="-514350">
+              <a:buAutoNum type="arabicPeriod"/>
+            </a:pPr>
+            <a:r>
+              <a:rPr lang="en-US" dirty="0"/>
+              <a:t>Practice makes patterns — the more you reverse, the more familiar code and circuit behaviors will become.</a:t>
+            </a:r>
+          </a:p>
+          <a:p>
+            <a:endParaRPr lang="en-US" dirty="0"/>
+          </a:p>
+        </p:txBody>
+      </p:sp>
+      <p:sp>
+        <p:nvSpPr>
+          <p:cNvPr id="4" name="Slide Number Placeholder 3"/>
+          <p:cNvSpPr>
+            <a:spLocks noGrp="1"/>
+          </p:cNvSpPr>
+          <p:nvPr>
+            <p:ph type="sldNum" sz="quarter" idx="5"/>
+          </p:nvPr>
+        </p:nvSpPr>
+        <p:spPr/>
+        <p:txBody>
+          <a:bodyPr/>
+          <a:lstStyle/>
+          <a:p>
+            <a:fld id="{F97DC217-DF71-1A49-B3EA-559F1F43B0FF}" type="slidenum">
+              <a:rPr lang="en-US" smtClean="0"/>
+              <a:t>26</a:t>
+            </a:fld>
+            <a:endParaRPr lang="en-US" dirty="0"/>
+          </a:p>
+        </p:txBody>
+      </p:sp>
+    </p:spTree>
+    <p:extLst>
+      <p:ext uri="{BB962C8B-B14F-4D97-AF65-F5344CB8AC3E}">
+        <p14:creationId xmlns:p14="http://schemas.microsoft.com/office/powerpoint/2010/main" val="1457026247"/>
+      </p:ext>
+    </p:extLst>
+  </p:cSld>
+  <p:clrMapOvr>
+    <a:masterClrMapping/>
+  </p:clrMapOvr>
+</p:notes>
+</file>
+
+<file path=ppt/notesSlides/notesSlide23.xml><?xml version="1.0" encoding="utf-8"?>
+<p:notes xmlns:a="http://schemas.openxmlformats.org/drawingml/2006/main" xmlns:r="http://schemas.openxmlformats.org/officeDocument/2006/relationships" xmlns:p="http://schemas.openxmlformats.org/presentationml/2006/main">
+  <p:cSld>
+    <p:spTree>
+      <p:nvGrpSpPr>
+        <p:cNvPr id="1" name="">
+          <a:extLst>
+            <a:ext uri="{FF2B5EF4-FFF2-40B4-BE49-F238E27FC236}">
+              <a16:creationId xmlns:a16="http://schemas.microsoft.com/office/drawing/2014/main" id="{D003B370-BD55-821A-07A9-04BBACF4E2A4}"/>
+            </a:ext>
+          </a:extLst>
+        </p:cNvPr>
+        <p:cNvGrpSpPr/>
+        <p:nvPr/>
+      </p:nvGrpSpPr>
+      <p:grpSpPr>
+        <a:xfrm>
+          <a:off x="0" y="0"/>
+          <a:ext cx="0" cy="0"/>
+          <a:chOff x="0" y="0"/>
+          <a:chExt cx="0" cy="0"/>
+        </a:xfrm>
+      </p:grpSpPr>
+      <p:sp>
+        <p:nvSpPr>
+          <p:cNvPr id="2" name="Slide Image Placeholder 1">
+            <a:extLst>
+              <a:ext uri="{FF2B5EF4-FFF2-40B4-BE49-F238E27FC236}">
+                <a16:creationId xmlns:a16="http://schemas.microsoft.com/office/drawing/2014/main" id="{25855B9D-2235-D9B2-1189-9BFA4D6C3257}"/>
+              </a:ext>
+            </a:extLst>
+          </p:cNvPr>
+          <p:cNvSpPr>
+            <a:spLocks noGrp="1" noRot="1" noChangeAspect="1"/>
+          </p:cNvSpPr>
+          <p:nvPr>
+            <p:ph type="sldImg"/>
+          </p:nvPr>
+        </p:nvSpPr>
+        <p:spPr/>
+      </p:sp>
+      <p:sp>
+        <p:nvSpPr>
+          <p:cNvPr id="3" name="Notes Placeholder 2">
+            <a:extLst>
+              <a:ext uri="{FF2B5EF4-FFF2-40B4-BE49-F238E27FC236}">
+                <a16:creationId xmlns:a16="http://schemas.microsoft.com/office/drawing/2014/main" id="{61305CEA-983B-888A-584B-7741CF978C6F}"/>
+              </a:ext>
+            </a:extLst>
+          </p:cNvPr>
+          <p:cNvSpPr>
+            <a:spLocks noGrp="1"/>
+          </p:cNvSpPr>
+          <p:nvPr>
+            <p:ph type="body" idx="1"/>
+          </p:nvPr>
+        </p:nvSpPr>
+        <p:spPr/>
+        <p:txBody>
+          <a:bodyPr/>
+          <a:lstStyle/>
+          <a:p>
+            <a:endParaRPr lang="en-US" dirty="0"/>
+          </a:p>
+        </p:txBody>
+      </p:sp>
+      <p:sp>
+        <p:nvSpPr>
+          <p:cNvPr id="4" name="Slide Number Placeholder 3">
+            <a:extLst>
+              <a:ext uri="{FF2B5EF4-FFF2-40B4-BE49-F238E27FC236}">
+                <a16:creationId xmlns:a16="http://schemas.microsoft.com/office/drawing/2014/main" id="{3C423E46-DBE8-5973-84CB-6CEC9C8DBD82}"/>
+              </a:ext>
+            </a:extLst>
+          </p:cNvPr>
+          <p:cNvSpPr>
+            <a:spLocks noGrp="1"/>
+          </p:cNvSpPr>
+          <p:nvPr>
+            <p:ph type="sldNum" sz="quarter" idx="5"/>
+          </p:nvPr>
+        </p:nvSpPr>
+        <p:spPr/>
+        <p:txBody>
+          <a:bodyPr/>
+          <a:lstStyle/>
+          <a:p>
+            <a:fld id="{F97DC217-DF71-1A49-B3EA-559F1F43B0FF}" type="slidenum">
+              <a:rPr lang="en-US" smtClean="0"/>
+              <a:t>27</a:t>
+            </a:fld>
+            <a:endParaRPr lang="en-US" dirty="0"/>
+          </a:p>
+        </p:txBody>
+      </p:sp>
+    </p:spTree>
+    <p:extLst>
+      <p:ext uri="{BB962C8B-B14F-4D97-AF65-F5344CB8AC3E}">
+        <p14:creationId xmlns:p14="http://schemas.microsoft.com/office/powerpoint/2010/main" val="1487874018"/>
+      </p:ext>
+    </p:extLst>
+  </p:cSld>
+  <p:clrMapOvr>
+    <a:masterClrMapping/>
+  </p:clrMapOvr>
+</p:notes>
+</file>
+
+<file path=ppt/notesSlides/notesSlide24.xml><?xml version="1.0" encoding="utf-8"?>
+<p:notes xmlns:a="http://schemas.openxmlformats.org/drawingml/2006/main" xmlns:r="http://schemas.openxmlformats.org/officeDocument/2006/relationships" xmlns:p="http://schemas.openxmlformats.org/presentationml/2006/main">
+  <p:cSld>
+    <p:spTree>
+      <p:nvGrpSpPr>
+        <p:cNvPr id="1" name=""/>
+        <p:cNvGrpSpPr/>
+        <p:nvPr/>
+      </p:nvGrpSpPr>
+      <p:grpSpPr>
+        <a:xfrm>
+          <a:off x="0" y="0"/>
+          <a:ext cx="0" cy="0"/>
+          <a:chOff x="0" y="0"/>
+          <a:chExt cx="0" cy="0"/>
+        </a:xfrm>
+      </p:grpSpPr>
+      <p:sp>
+        <p:nvSpPr>
+          <p:cNvPr id="2" name="Slide Image Placeholder 1"/>
+          <p:cNvSpPr>
+            <a:spLocks noGrp="1" noRot="1" noChangeAspect="1"/>
+          </p:cNvSpPr>
+          <p:nvPr>
+            <p:ph type="sldImg"/>
+          </p:nvPr>
+        </p:nvSpPr>
+        <p:spPr/>
+      </p:sp>
+      <p:sp>
+        <p:nvSpPr>
+          <p:cNvPr id="3" name="Notes Placeholder 2"/>
+          <p:cNvSpPr>
+            <a:spLocks noGrp="1"/>
+          </p:cNvSpPr>
+          <p:nvPr>
+            <p:ph type="body" idx="1"/>
+          </p:nvPr>
+        </p:nvSpPr>
+        <p:spPr/>
+        <p:txBody>
+          <a:bodyPr/>
+          <a:lstStyle/>
+          <a:p>
+            <a:r>
+              <a:rPr lang="en-US" dirty="0"/>
+              <a:t>Thanks for attending!</a:t>
+            </a:r>
+          </a:p>
+          <a:p>
+            <a:r>
+              <a:rPr lang="en-US" dirty="0"/>
+              <a:t>Connect with me on LinkedIn or explore my repo for hands-on practice.</a:t>
+            </a:r>
+          </a:p>
+          <a:p>
+            <a:r>
+              <a:rPr lang="en-US" dirty="0"/>
+              <a:t>Feel free to reach out if you're curious about learning RE or getting involved in security research.</a:t>
+            </a:r>
+          </a:p>
+          <a:p>
+            <a:endParaRPr lang="en-US" dirty="0"/>
+          </a:p>
+        </p:txBody>
+      </p:sp>
+      <p:sp>
+        <p:nvSpPr>
+          <p:cNvPr id="4" name="Slide Number Placeholder 3"/>
+          <p:cNvSpPr>
+            <a:spLocks noGrp="1"/>
+          </p:cNvSpPr>
+          <p:nvPr>
+            <p:ph type="sldNum" sz="quarter" idx="5"/>
+          </p:nvPr>
+        </p:nvSpPr>
+        <p:spPr/>
+        <p:txBody>
+          <a:bodyPr/>
+          <a:lstStyle/>
+          <a:p>
+            <a:fld id="{F97DC217-DF71-1A49-B3EA-559F1F43B0FF}" type="slidenum">
+              <a:rPr lang="en-US" smtClean="0"/>
+              <a:t>28</a:t>
+            </a:fld>
+            <a:endParaRPr lang="en-US" dirty="0"/>
+          </a:p>
+        </p:txBody>
+      </p:sp>
+    </p:spTree>
+    <p:extLst>
+      <p:ext uri="{BB962C8B-B14F-4D97-AF65-F5344CB8AC3E}">
+        <p14:creationId xmlns:p14="http://schemas.microsoft.com/office/powerpoint/2010/main" val="399008669"/>
+      </p:ext>
+    </p:extLst>
+  </p:cSld>
+  <p:clrMapOvr>
+    <a:masterClrMapping/>
+  </p:clrMapOvr>
+</p:notes>
+</file>
+
 <file path=ppt/notesSlides/notesSlide3.xml><?xml version="1.0" encoding="utf-8"?>
 <p:notes xmlns:a="http://schemas.openxmlformats.org/drawingml/2006/main" xmlns:r="http://schemas.openxmlformats.org/officeDocument/2006/relationships" xmlns:p="http://schemas.openxmlformats.org/presentationml/2006/main">
   <p:cSld>
@@ -3799,6 +8059,38 @@
         <p:txBody>
           <a:bodyPr/>
           <a:lstStyle/>
+          <a:p>
+            <a:r>
+              <a:rPr lang="en-US" dirty="0"/>
+              <a:t>We’ll start with an overview of reverse engineering.</a:t>
+            </a:r>
+          </a:p>
+          <a:p>
+            <a:r>
+              <a:rPr lang="en-US" dirty="0"/>
+              <a:t>Then, we’ll dive into hands-on hardware RE using the Arduino Uno.</a:t>
+            </a:r>
+          </a:p>
+          <a:p>
+            <a:r>
+              <a:rPr lang="en-US" dirty="0"/>
+              <a:t>After that, we’ll explore software RE: flashing firmware and analyzing it in </a:t>
+            </a:r>
+            <a:r>
+              <a:rPr lang="en-US" dirty="0" err="1"/>
+              <a:t>Ghidra</a:t>
+            </a:r>
+            <a:r>
+              <a:rPr lang="en-US" dirty="0"/>
+              <a:t>.</a:t>
+            </a:r>
+          </a:p>
+          <a:p>
+            <a:r>
+              <a:rPr lang="en-US" dirty="0"/>
+              <a:t>Finally, I’ll leave you with tools, takeaways, and resources to continue learning</a:t>
+            </a:r>
+          </a:p>
           <a:p>
             <a:endParaRPr lang="en-US" dirty="0"/>
           </a:p>
@@ -3884,6 +8176,24 @@
           <a:bodyPr/>
           <a:lstStyle/>
           <a:p>
+            <a:r>
+              <a:rPr lang="en-US" dirty="0"/>
+              <a:t>Reverse engineering means taking something apart to understand how it works.</a:t>
+            </a:r>
+          </a:p>
+          <a:p>
+            <a:r>
+              <a:rPr lang="en-US" dirty="0"/>
+              <a:t>The goal isn’t just replication—it’s also understanding structure, security, and logic.</a:t>
+            </a:r>
+          </a:p>
+          <a:p>
+            <a:r>
+              <a:rPr lang="en-US" dirty="0"/>
+              <a:t>It can apply to hardware &amp; software,</a:t>
+            </a:r>
+          </a:p>
+          <a:p>
             <a:endParaRPr lang="en-US" dirty="0"/>
           </a:p>
         </p:txBody>
@@ -3905,7 +8215,7 @@
           <a:p>
             <a:fld id="{F97DC217-DF71-1A49-B3EA-559F1F43B0FF}" type="slidenum">
               <a:rPr lang="en-US" smtClean="0"/>
-              <a:t>5</a:t>
+              <a:t>4</a:t>
             </a:fld>
             <a:endParaRPr lang="en-US" dirty="0"/>
           </a:p>
@@ -3914,7 +8224,7 @@
     </p:spTree>
     <p:extLst>
       <p:ext uri="{BB962C8B-B14F-4D97-AF65-F5344CB8AC3E}">
-        <p14:creationId xmlns:p14="http://schemas.microsoft.com/office/powerpoint/2010/main" val="3970128763"/>
+        <p14:creationId xmlns:p14="http://schemas.microsoft.com/office/powerpoint/2010/main" val="3882488392"/>
       </p:ext>
     </p:extLst>
   </p:cSld>
@@ -3968,6 +8278,24 @@
           <a:bodyPr/>
           <a:lstStyle/>
           <a:p>
+            <a:r>
+              <a:rPr lang="en-US" dirty="0"/>
+              <a:t>“This is useful for security audits, system replication, or legacy system maintenance.”</a:t>
+            </a:r>
+          </a:p>
+          <a:p>
+            <a:r>
+              <a:rPr lang="en-US" dirty="0"/>
+              <a:t>Hardware RE focuses on physical components—chips, ports, connections.</a:t>
+            </a:r>
+          </a:p>
+          <a:p>
+            <a:r>
+              <a:rPr lang="en-US" dirty="0"/>
+              <a:t>We start by examining devices externally, then dig into internal circuitry.</a:t>
+            </a:r>
+          </a:p>
+          <a:p>
             <a:endParaRPr lang="en-US" dirty="0"/>
           </a:p>
         </p:txBody>
@@ -3989,7 +8317,7 @@
           <a:p>
             <a:fld id="{F97DC217-DF71-1A49-B3EA-559F1F43B0FF}" type="slidenum">
               <a:rPr lang="en-US" smtClean="0"/>
-              <a:t>23</a:t>
+              <a:t>5</a:t>
             </a:fld>
             <a:endParaRPr lang="en-US" dirty="0"/>
           </a:p>
@@ -3998,7 +8326,7 @@
     </p:spTree>
     <p:extLst>
       <p:ext uri="{BB962C8B-B14F-4D97-AF65-F5344CB8AC3E}">
-        <p14:creationId xmlns:p14="http://schemas.microsoft.com/office/powerpoint/2010/main" val="841519007"/>
+        <p14:creationId xmlns:p14="http://schemas.microsoft.com/office/powerpoint/2010/main" val="3970128763"/>
       </p:ext>
     </p:extLst>
   </p:cSld>
@@ -4052,7 +8380,10 @@
           <a:bodyPr/>
           <a:lstStyle/>
           <a:p>
-            <a:endParaRPr lang="en-US" dirty="0"/>
+            <a:r>
+              <a:rPr lang="en-US" dirty="0"/>
+              <a:t>Carefully open the device using appropriate tools and record each step for reference. Keep things you take apart in some order so that when you rebuild you can easily undo what you did.</a:t>
+            </a:r>
           </a:p>
         </p:txBody>
       </p:sp>
@@ -4073,7 +8404,7 @@
           <a:p>
             <a:fld id="{F97DC217-DF71-1A49-B3EA-559F1F43B0FF}" type="slidenum">
               <a:rPr lang="en-US" smtClean="0"/>
-              <a:t>24</a:t>
+              <a:t>6</a:t>
             </a:fld>
             <a:endParaRPr lang="en-US" dirty="0"/>
           </a:p>
@@ -4082,7 +8413,7 @@
     </p:spTree>
     <p:extLst>
       <p:ext uri="{BB962C8B-B14F-4D97-AF65-F5344CB8AC3E}">
-        <p14:creationId xmlns:p14="http://schemas.microsoft.com/office/powerpoint/2010/main" val="2727223398"/>
+        <p14:creationId xmlns:p14="http://schemas.microsoft.com/office/powerpoint/2010/main" val="1511337860"/>
       </p:ext>
     </p:extLst>
   </p:cSld>
@@ -4136,6 +8467,24 @@
           <a:bodyPr/>
           <a:lstStyle/>
           <a:p>
+            <a:r>
+              <a:rPr lang="en-US" dirty="0"/>
+              <a:t>Once open, identify each chip or module.</a:t>
+            </a:r>
+          </a:p>
+          <a:p>
+            <a:r>
+              <a:rPr lang="en-US" dirty="0"/>
+              <a:t>Read the labels or part numbers—they reveal what each part does.</a:t>
+            </a:r>
+          </a:p>
+          <a:p>
+            <a:r>
+              <a:rPr lang="en-US" dirty="0"/>
+              <a:t>This step often leads to datasheets, which are key to understanding functionality.</a:t>
+            </a:r>
+          </a:p>
+          <a:p>
             <a:endParaRPr lang="en-US" dirty="0"/>
           </a:p>
         </p:txBody>
@@ -4157,7 +8506,7 @@
           <a:p>
             <a:fld id="{F97DC217-DF71-1A49-B3EA-559F1F43B0FF}" type="slidenum">
               <a:rPr lang="en-US" smtClean="0"/>
-              <a:t>25</a:t>
+              <a:t>7</a:t>
             </a:fld>
             <a:endParaRPr lang="en-US" dirty="0"/>
           </a:p>
@@ -4166,7 +8515,7 @@
     </p:spTree>
     <p:extLst>
       <p:ext uri="{BB962C8B-B14F-4D97-AF65-F5344CB8AC3E}">
-        <p14:creationId xmlns:p14="http://schemas.microsoft.com/office/powerpoint/2010/main" val="3713348320"/>
+        <p14:creationId xmlns:p14="http://schemas.microsoft.com/office/powerpoint/2010/main" val="875356343"/>
       </p:ext>
     </p:extLst>
   </p:cSld>
@@ -4220,55 +8569,21 @@
           <a:bodyPr/>
           <a:lstStyle/>
           <a:p>
-            <a:pPr marL="514350" indent="-514350">
-              <a:buAutoNum type="arabicPeriod"/>
-            </a:pPr>
             <a:r>
               <a:rPr lang="en-US" dirty="0"/>
-              <a:t>Learn a few popular tools—</a:t>
-            </a:r>
-            <a:r>
-              <a:rPr lang="en-US" dirty="0" err="1"/>
-              <a:t>Ghidra</a:t>
-            </a:r>
+              <a:t>Choose a chip, write down the part number, and look up its datasheet.</a:t>
+            </a:r>
+          </a:p>
+          <a:p>
             <a:r>
               <a:rPr lang="en-US" dirty="0"/>
-              <a:t>, </a:t>
-            </a:r>
-            <a:r>
-              <a:rPr lang="en-US" dirty="0" err="1"/>
-              <a:t>Binwalk</a:t>
-            </a:r>
+              <a:t>Identify its function, number of pins, and protocols.</a:t>
+            </a:r>
+          </a:p>
+          <a:p>
             <a:r>
               <a:rPr lang="en-US" dirty="0"/>
-              <a:t>, QEMU, and GDB—which help bridge the gap between machine code and human-readable code. Most come preinstalled on Kali Linux and make excellent resume builders.</a:t>
-            </a:r>
-          </a:p>
-          <a:p>
-            <a:pPr marL="514350" indent="-514350">
-              <a:buAutoNum type="arabicPeriod"/>
-            </a:pPr>
-            <a:r>
-              <a:rPr lang="en-US" dirty="0"/>
-              <a:t>You don’t need to be an expert — if you can write simple C, you can start reversing it and doing independent projects.</a:t>
-            </a:r>
-          </a:p>
-          <a:p>
-            <a:pPr marL="514350" indent="-514350">
-              <a:buAutoNum type="arabicPeriod"/>
-            </a:pPr>
-            <a:r>
-              <a:rPr lang="en-US" dirty="0"/>
-              <a:t>Always document your reverse engineering process. Notes, screenshots, and code comments make it easier to replicate, explain, and improve your work.</a:t>
-            </a:r>
-          </a:p>
-          <a:p>
-            <a:pPr marL="514350" indent="-514350">
-              <a:buAutoNum type="arabicPeriod"/>
-            </a:pPr>
-            <a:r>
-              <a:rPr lang="en-US" dirty="0"/>
-              <a:t>Practice makes patterns — the more you reverse, the more familiar code and circuit behaviors will become.</a:t>
+              <a:t>This teaches you to read PCBs and interpret component roles.</a:t>
             </a:r>
           </a:p>
           <a:p>
@@ -4293,7 +8608,7 @@
           <a:p>
             <a:fld id="{F97DC217-DF71-1A49-B3EA-559F1F43B0FF}" type="slidenum">
               <a:rPr lang="en-US" smtClean="0"/>
-              <a:t>27</a:t>
+              <a:t>8</a:t>
             </a:fld>
             <a:endParaRPr lang="en-US" dirty="0"/>
           </a:p>
@@ -4302,7 +8617,7 @@
     </p:spTree>
     <p:extLst>
       <p:ext uri="{BB962C8B-B14F-4D97-AF65-F5344CB8AC3E}">
-        <p14:creationId xmlns:p14="http://schemas.microsoft.com/office/powerpoint/2010/main" val="1457026247"/>
+        <p14:creationId xmlns:p14="http://schemas.microsoft.com/office/powerpoint/2010/main" val="98466935"/>
       </p:ext>
     </p:extLst>
   </p:cSld>
@@ -4377,7 +8692,7 @@
           <a:p>
             <a:fld id="{F97DC217-DF71-1A49-B3EA-559F1F43B0FF}" type="slidenum">
               <a:rPr lang="en-US" smtClean="0"/>
-              <a:t>28</a:t>
+              <a:t>11</a:t>
             </a:fld>
             <a:endParaRPr lang="en-US" dirty="0"/>
           </a:p>
@@ -4386,7 +8701,7 @@
     </p:spTree>
     <p:extLst>
       <p:ext uri="{BB962C8B-B14F-4D97-AF65-F5344CB8AC3E}">
-        <p14:creationId xmlns:p14="http://schemas.microsoft.com/office/powerpoint/2010/main" val="399008669"/>
+        <p14:creationId xmlns:p14="http://schemas.microsoft.com/office/powerpoint/2010/main" val="1986283842"/>
       </p:ext>
     </p:extLst>
   </p:cSld>
@@ -11578,14 +15893,19 @@
         </p:spPr>
         <p:txBody>
           <a:bodyPr anchor="b">
-            <a:normAutofit/>
+            <a:normAutofit fontScale="90000"/>
           </a:bodyPr>
           <a:lstStyle/>
           <a:p>
             <a:r>
               <a:rPr lang="en-US" sz="5600" dirty="0"/>
-              <a:t>RE for the Rest of Us: An Introduction to Reverse Engineering</a:t>
-            </a:r>
+              <a:t>RE for the Rest of Us: </a:t>
+            </a:r>
+            <a:r>
+              <a:rPr lang="en-US" sz="5400" dirty="0"/>
+              <a:t>A Hands-On Introduction to Hardware and Software RE</a:t>
+            </a:r>
+            <a:endParaRPr lang="en-US" sz="5600" dirty="0"/>
           </a:p>
         </p:txBody>
       </p:sp>
@@ -11636,1103 +15956,6 @@
 </file>
 
 <file path=ppt/slides/slide10.xml><?xml version="1.0" encoding="utf-8"?>
-<p:sld xmlns:a="http://schemas.openxmlformats.org/drawingml/2006/main" xmlns:r="http://schemas.openxmlformats.org/officeDocument/2006/relationships" xmlns:p="http://schemas.openxmlformats.org/presentationml/2006/main">
-  <p:cSld>
-    <p:spTree>
-      <p:nvGrpSpPr>
-        <p:cNvPr id="1" name="">
-          <a:extLst>
-            <a:ext uri="{FF2B5EF4-FFF2-40B4-BE49-F238E27FC236}">
-              <a16:creationId xmlns:a16="http://schemas.microsoft.com/office/drawing/2014/main" id="{9EF00FD5-188C-80DF-41A1-16A240F772E0}"/>
-            </a:ext>
-          </a:extLst>
-        </p:cNvPr>
-        <p:cNvGrpSpPr/>
-        <p:nvPr/>
-      </p:nvGrpSpPr>
-      <p:grpSpPr>
-        <a:xfrm>
-          <a:off x="0" y="0"/>
-          <a:ext cx="0" cy="0"/>
-          <a:chOff x="0" y="0"/>
-          <a:chExt cx="0" cy="0"/>
-        </a:xfrm>
-      </p:grpSpPr>
-      <p:sp>
-        <p:nvSpPr>
-          <p:cNvPr id="2" name="Title 1">
-            <a:extLst>
-              <a:ext uri="{FF2B5EF4-FFF2-40B4-BE49-F238E27FC236}">
-                <a16:creationId xmlns:a16="http://schemas.microsoft.com/office/drawing/2014/main" id="{F573B453-F2A9-4FE5-54F1-8459886F1650}"/>
-              </a:ext>
-            </a:extLst>
-          </p:cNvPr>
-          <p:cNvSpPr>
-            <a:spLocks noGrp="1"/>
-          </p:cNvSpPr>
-          <p:nvPr>
-            <p:ph type="title"/>
-          </p:nvPr>
-        </p:nvSpPr>
-        <p:spPr/>
-        <p:txBody>
-          <a:bodyPr/>
-          <a:lstStyle/>
-          <a:p>
-            <a:r>
-              <a:rPr lang="en-US" dirty="0"/>
-              <a:t>Step 3: Flash Dumping Prep</a:t>
-            </a:r>
-          </a:p>
-        </p:txBody>
-      </p:sp>
-      <p:sp>
-        <p:nvSpPr>
-          <p:cNvPr id="3" name="Content Placeholder 2">
-            <a:extLst>
-              <a:ext uri="{FF2B5EF4-FFF2-40B4-BE49-F238E27FC236}">
-                <a16:creationId xmlns:a16="http://schemas.microsoft.com/office/drawing/2014/main" id="{C15DAEBF-E1CD-BD13-6355-4CF6D60AB358}"/>
-              </a:ext>
-            </a:extLst>
-          </p:cNvPr>
-          <p:cNvSpPr>
-            <a:spLocks noGrp="1"/>
-          </p:cNvSpPr>
-          <p:nvPr>
-            <p:ph idx="1"/>
-          </p:nvPr>
-        </p:nvSpPr>
-        <p:spPr/>
-        <p:txBody>
-          <a:bodyPr>
-            <a:normAutofit/>
-          </a:bodyPr>
-          <a:lstStyle/>
-          <a:p>
-            <a:pPr marL="285750" indent="-285750">
-              <a:buFont typeface="Arial" panose="020B0604020202020204" pitchFamily="34" charset="0"/>
-              <a:buChar char="•"/>
-            </a:pPr>
-            <a:r>
-              <a:rPr lang="en-US" dirty="0"/>
-              <a:t>Identify memory chips or microcontrollers.</a:t>
-            </a:r>
-          </a:p>
-          <a:p>
-            <a:pPr marL="285750" indent="-285750">
-              <a:buFont typeface="Arial" panose="020B0604020202020204" pitchFamily="34" charset="0"/>
-              <a:buChar char="•"/>
-            </a:pPr>
-            <a:r>
-              <a:rPr lang="en-US" dirty="0"/>
-              <a:t>Look for connection points like test pads or headers.</a:t>
-            </a:r>
-          </a:p>
-        </p:txBody>
-      </p:sp>
-      <p:sp>
-        <p:nvSpPr>
-          <p:cNvPr id="4" name="Slide Number Placeholder 3">
-            <a:extLst>
-              <a:ext uri="{FF2B5EF4-FFF2-40B4-BE49-F238E27FC236}">
-                <a16:creationId xmlns:a16="http://schemas.microsoft.com/office/drawing/2014/main" id="{F6AC56C5-0248-D5BF-F5D4-EDDFF970488B}"/>
-              </a:ext>
-            </a:extLst>
-          </p:cNvPr>
-          <p:cNvSpPr>
-            <a:spLocks noGrp="1"/>
-          </p:cNvSpPr>
-          <p:nvPr>
-            <p:ph type="sldNum" sz="quarter" idx="4"/>
-          </p:nvPr>
-        </p:nvSpPr>
-        <p:spPr/>
-        <p:txBody>
-          <a:bodyPr/>
-          <a:lstStyle/>
-          <a:p>
-            <a:fld id="{A49DFD55-3C28-40EF-9E31-A92D2E4017FF}" type="slidenum">
-              <a:rPr lang="en-US" smtClean="0"/>
-              <a:pPr/>
-              <a:t>10</a:t>
-            </a:fld>
-            <a:endParaRPr lang="en-US" dirty="0"/>
-          </a:p>
-        </p:txBody>
-      </p:sp>
-    </p:spTree>
-    <p:extLst>
-      <p:ext uri="{BB962C8B-B14F-4D97-AF65-F5344CB8AC3E}">
-        <p14:creationId xmlns:p14="http://schemas.microsoft.com/office/powerpoint/2010/main" val="1166735682"/>
-      </p:ext>
-    </p:extLst>
-  </p:cSld>
-  <p:clrMapOvr>
-    <a:masterClrMapping/>
-  </p:clrMapOvr>
-</p:sld>
-</file>
-
-<file path=ppt/slides/slide11.xml><?xml version="1.0" encoding="utf-8"?>
-<p:sld xmlns:a="http://schemas.openxmlformats.org/drawingml/2006/main" xmlns:r="http://schemas.openxmlformats.org/officeDocument/2006/relationships" xmlns:p="http://schemas.openxmlformats.org/presentationml/2006/main">
-  <p:cSld>
-    <p:spTree>
-      <p:nvGrpSpPr>
-        <p:cNvPr id="1" name="">
-          <a:extLst>
-            <a:ext uri="{FF2B5EF4-FFF2-40B4-BE49-F238E27FC236}">
-              <a16:creationId xmlns:a16="http://schemas.microsoft.com/office/drawing/2014/main" id="{920FBC84-DF3B-2C7A-A8BB-B6C5DA51289B}"/>
-            </a:ext>
-          </a:extLst>
-        </p:cNvPr>
-        <p:cNvGrpSpPr/>
-        <p:nvPr/>
-      </p:nvGrpSpPr>
-      <p:grpSpPr>
-        <a:xfrm>
-          <a:off x="0" y="0"/>
-          <a:ext cx="0" cy="0"/>
-          <a:chOff x="0" y="0"/>
-          <a:chExt cx="0" cy="0"/>
-        </a:xfrm>
-      </p:grpSpPr>
-      <p:sp>
-        <p:nvSpPr>
-          <p:cNvPr id="2" name="Title 1">
-            <a:extLst>
-              <a:ext uri="{FF2B5EF4-FFF2-40B4-BE49-F238E27FC236}">
-                <a16:creationId xmlns:a16="http://schemas.microsoft.com/office/drawing/2014/main" id="{B550B1C2-04CE-FB90-053B-5F024C25F9B9}"/>
-              </a:ext>
-            </a:extLst>
-          </p:cNvPr>
-          <p:cNvSpPr>
-            <a:spLocks noGrp="1"/>
-          </p:cNvSpPr>
-          <p:nvPr>
-            <p:ph type="title"/>
-          </p:nvPr>
-        </p:nvSpPr>
-        <p:spPr/>
-        <p:txBody>
-          <a:bodyPr/>
-          <a:lstStyle/>
-          <a:p>
-            <a:r>
-              <a:rPr lang="en-US" dirty="0"/>
-              <a:t>Step 4: Locate Diagnostic Ports</a:t>
-            </a:r>
-          </a:p>
-        </p:txBody>
-      </p:sp>
-      <p:sp>
-        <p:nvSpPr>
-          <p:cNvPr id="3" name="Content Placeholder 2">
-            <a:extLst>
-              <a:ext uri="{FF2B5EF4-FFF2-40B4-BE49-F238E27FC236}">
-                <a16:creationId xmlns:a16="http://schemas.microsoft.com/office/drawing/2014/main" id="{BD7BF99B-FA39-72DA-FB0F-0FEDDCEAF432}"/>
-              </a:ext>
-            </a:extLst>
-          </p:cNvPr>
-          <p:cNvSpPr>
-            <a:spLocks noGrp="1"/>
-          </p:cNvSpPr>
-          <p:nvPr>
-            <p:ph idx="1"/>
-          </p:nvPr>
-        </p:nvSpPr>
-        <p:spPr/>
-        <p:txBody>
-          <a:bodyPr/>
-          <a:lstStyle/>
-          <a:p>
-            <a:pPr marL="285750" indent="-285750">
-              <a:buFont typeface="Arial" panose="020B0604020202020204" pitchFamily="34" charset="0"/>
-              <a:buChar char="•"/>
-            </a:pPr>
-            <a:r>
-              <a:rPr lang="en-US" dirty="0"/>
-              <a:t>Common diagnostic/debug ports: JTAG and UART</a:t>
-            </a:r>
-          </a:p>
-          <a:p>
-            <a:pPr marL="285750" indent="-285750">
-              <a:buFont typeface="Arial" panose="020B0604020202020204" pitchFamily="34" charset="0"/>
-              <a:buChar char="•"/>
-            </a:pPr>
-            <a:r>
-              <a:rPr lang="en-US" dirty="0"/>
-              <a:t>These may allow direct access to memory or system logs.</a:t>
-            </a:r>
-          </a:p>
-          <a:p>
-            <a:pPr marL="285750" indent="-285750">
-              <a:buFont typeface="Arial" panose="020B0604020202020204" pitchFamily="34" charset="0"/>
-              <a:buChar char="•"/>
-            </a:pPr>
-            <a:endParaRPr lang="en-US" dirty="0"/>
-          </a:p>
-          <a:p>
-            <a:r>
-              <a:rPr lang="en-US" b="1" dirty="0"/>
-              <a:t>USB - B Socket: </a:t>
-            </a:r>
-            <a:r>
-              <a:rPr lang="en-US" dirty="0"/>
-              <a:t>The USB socket on the UNO has two functions. One is for communication, to load the firmware into the Arduino with the help of the bootloader. The second is to power the Arduino. </a:t>
-            </a:r>
-          </a:p>
-          <a:p>
-            <a:pPr marL="285750" indent="-285750">
-              <a:buFont typeface="Arial" panose="020B0604020202020204" pitchFamily="34" charset="0"/>
-              <a:buChar char="•"/>
-            </a:pPr>
-            <a:endParaRPr lang="en-US" dirty="0"/>
-          </a:p>
-        </p:txBody>
-      </p:sp>
-      <p:sp>
-        <p:nvSpPr>
-          <p:cNvPr id="4" name="Slide Number Placeholder 3">
-            <a:extLst>
-              <a:ext uri="{FF2B5EF4-FFF2-40B4-BE49-F238E27FC236}">
-                <a16:creationId xmlns:a16="http://schemas.microsoft.com/office/drawing/2014/main" id="{BAC26474-2DE4-30D0-844F-8E9985A2A602}"/>
-              </a:ext>
-            </a:extLst>
-          </p:cNvPr>
-          <p:cNvSpPr>
-            <a:spLocks noGrp="1"/>
-          </p:cNvSpPr>
-          <p:nvPr>
-            <p:ph type="sldNum" sz="quarter" idx="4"/>
-          </p:nvPr>
-        </p:nvSpPr>
-        <p:spPr/>
-        <p:txBody>
-          <a:bodyPr/>
-          <a:lstStyle/>
-          <a:p>
-            <a:fld id="{A49DFD55-3C28-40EF-9E31-A92D2E4017FF}" type="slidenum">
-              <a:rPr lang="en-US" smtClean="0"/>
-              <a:pPr/>
-              <a:t>11</a:t>
-            </a:fld>
-            <a:endParaRPr lang="en-US" dirty="0"/>
-          </a:p>
-        </p:txBody>
-      </p:sp>
-    </p:spTree>
-    <p:extLst>
-      <p:ext uri="{BB962C8B-B14F-4D97-AF65-F5344CB8AC3E}">
-        <p14:creationId xmlns:p14="http://schemas.microsoft.com/office/powerpoint/2010/main" val="343498718"/>
-      </p:ext>
-    </p:extLst>
-  </p:cSld>
-  <p:clrMapOvr>
-    <a:masterClrMapping/>
-  </p:clrMapOvr>
-</p:sld>
-</file>
-
-<file path=ppt/slides/slide12.xml><?xml version="1.0" encoding="utf-8"?>
-<p:sld xmlns:a="http://schemas.openxmlformats.org/drawingml/2006/main" xmlns:r="http://schemas.openxmlformats.org/officeDocument/2006/relationships" xmlns:p="http://schemas.openxmlformats.org/presentationml/2006/main">
-  <p:cSld>
-    <p:spTree>
-      <p:nvGrpSpPr>
-        <p:cNvPr id="1" name="">
-          <a:extLst>
-            <a:ext uri="{FF2B5EF4-FFF2-40B4-BE49-F238E27FC236}">
-              <a16:creationId xmlns:a16="http://schemas.microsoft.com/office/drawing/2014/main" id="{08C2877B-2630-9951-D71E-94358F643738}"/>
-            </a:ext>
-          </a:extLst>
-        </p:cNvPr>
-        <p:cNvGrpSpPr/>
-        <p:nvPr/>
-      </p:nvGrpSpPr>
-      <p:grpSpPr>
-        <a:xfrm>
-          <a:off x="0" y="0"/>
-          <a:ext cx="0" cy="0"/>
-          <a:chOff x="0" y="0"/>
-          <a:chExt cx="0" cy="0"/>
-        </a:xfrm>
-      </p:grpSpPr>
-      <p:sp>
-        <p:nvSpPr>
-          <p:cNvPr id="2" name="Title 1">
-            <a:extLst>
-              <a:ext uri="{FF2B5EF4-FFF2-40B4-BE49-F238E27FC236}">
-                <a16:creationId xmlns:a16="http://schemas.microsoft.com/office/drawing/2014/main" id="{6FE9DE93-3934-8305-4323-7C6A32DACDCC}"/>
-              </a:ext>
-            </a:extLst>
-          </p:cNvPr>
-          <p:cNvSpPr>
-            <a:spLocks noGrp="1"/>
-          </p:cNvSpPr>
-          <p:nvPr>
-            <p:ph type="title"/>
-          </p:nvPr>
-        </p:nvSpPr>
-        <p:spPr/>
-        <p:txBody>
-          <a:bodyPr/>
-          <a:lstStyle/>
-          <a:p>
-            <a:r>
-              <a:rPr lang="en-US" dirty="0"/>
-              <a:t>Step 5: Dump and Analyze Flash</a:t>
-            </a:r>
-          </a:p>
-        </p:txBody>
-      </p:sp>
-      <p:sp>
-        <p:nvSpPr>
-          <p:cNvPr id="3" name="Content Placeholder 2">
-            <a:extLst>
-              <a:ext uri="{FF2B5EF4-FFF2-40B4-BE49-F238E27FC236}">
-                <a16:creationId xmlns:a16="http://schemas.microsoft.com/office/drawing/2014/main" id="{CFE6B1F8-3177-538A-3BB5-3C865ED90839}"/>
-              </a:ext>
-            </a:extLst>
-          </p:cNvPr>
-          <p:cNvSpPr>
-            <a:spLocks noGrp="1"/>
-          </p:cNvSpPr>
-          <p:nvPr>
-            <p:ph idx="1"/>
-          </p:nvPr>
-        </p:nvSpPr>
-        <p:spPr/>
-        <p:txBody>
-          <a:bodyPr/>
-          <a:lstStyle/>
-          <a:p>
-            <a:pPr marL="285750" indent="-285750">
-              <a:buFont typeface="Arial" panose="020B0604020202020204" pitchFamily="34" charset="0"/>
-              <a:buChar char="•"/>
-            </a:pPr>
-            <a:r>
-              <a:rPr lang="en-US" dirty="0"/>
-              <a:t>Use flash dumpers, SPI readers, or UART/JTAG tools to extract firmware.</a:t>
-            </a:r>
-          </a:p>
-          <a:p>
-            <a:pPr marL="285750" indent="-285750">
-              <a:buFont typeface="Arial" panose="020B0604020202020204" pitchFamily="34" charset="0"/>
-              <a:buChar char="•"/>
-            </a:pPr>
-            <a:r>
-              <a:rPr lang="en-US" dirty="0"/>
-              <a:t>Analyze firmware using static tools (</a:t>
-            </a:r>
-            <a:r>
-              <a:rPr lang="en-US" dirty="0" err="1"/>
-              <a:t>Ghidra</a:t>
-            </a:r>
-            <a:r>
-              <a:rPr lang="en-US" dirty="0"/>
-              <a:t>, </a:t>
-            </a:r>
-            <a:r>
-              <a:rPr lang="en-US" dirty="0" err="1"/>
-              <a:t>binwalk</a:t>
-            </a:r>
-            <a:r>
-              <a:rPr lang="en-US" dirty="0"/>
-              <a:t>) and dynamic testing environments.</a:t>
-            </a:r>
-          </a:p>
-          <a:p>
-            <a:pPr marL="285750" indent="-285750">
-              <a:buFont typeface="Arial" panose="020B0604020202020204" pitchFamily="34" charset="0"/>
-              <a:buChar char="•"/>
-            </a:pPr>
-            <a:r>
-              <a:rPr lang="en-US" dirty="0"/>
-              <a:t>Understand the system behavior and security posture from the firmware content.</a:t>
-            </a:r>
-          </a:p>
-        </p:txBody>
-      </p:sp>
-      <p:sp>
-        <p:nvSpPr>
-          <p:cNvPr id="4" name="Slide Number Placeholder 3">
-            <a:extLst>
-              <a:ext uri="{FF2B5EF4-FFF2-40B4-BE49-F238E27FC236}">
-                <a16:creationId xmlns:a16="http://schemas.microsoft.com/office/drawing/2014/main" id="{319BF303-199D-7199-0051-F766725CD16D}"/>
-              </a:ext>
-            </a:extLst>
-          </p:cNvPr>
-          <p:cNvSpPr>
-            <a:spLocks noGrp="1"/>
-          </p:cNvSpPr>
-          <p:nvPr>
-            <p:ph type="sldNum" sz="quarter" idx="4"/>
-          </p:nvPr>
-        </p:nvSpPr>
-        <p:spPr/>
-        <p:txBody>
-          <a:bodyPr/>
-          <a:lstStyle/>
-          <a:p>
-            <a:fld id="{A49DFD55-3C28-40EF-9E31-A92D2E4017FF}" type="slidenum">
-              <a:rPr lang="en-US" smtClean="0"/>
-              <a:pPr/>
-              <a:t>12</a:t>
-            </a:fld>
-            <a:endParaRPr lang="en-US" dirty="0"/>
-          </a:p>
-        </p:txBody>
-      </p:sp>
-    </p:spTree>
-    <p:extLst>
-      <p:ext uri="{BB962C8B-B14F-4D97-AF65-F5344CB8AC3E}">
-        <p14:creationId xmlns:p14="http://schemas.microsoft.com/office/powerpoint/2010/main" val="3802281674"/>
-      </p:ext>
-    </p:extLst>
-  </p:cSld>
-  <p:clrMapOvr>
-    <a:masterClrMapping/>
-  </p:clrMapOvr>
-</p:sld>
-</file>
-
-<file path=ppt/slides/slide13.xml><?xml version="1.0" encoding="utf-8"?>
-<p:sld xmlns:a="http://schemas.openxmlformats.org/drawingml/2006/main" xmlns:r="http://schemas.openxmlformats.org/officeDocument/2006/relationships" xmlns:p="http://schemas.openxmlformats.org/presentationml/2006/main">
-  <p:cSld>
-    <p:spTree>
-      <p:nvGrpSpPr>
-        <p:cNvPr id="1" name=""/>
-        <p:cNvGrpSpPr/>
-        <p:nvPr/>
-      </p:nvGrpSpPr>
-      <p:grpSpPr>
-        <a:xfrm>
-          <a:off x="0" y="0"/>
-          <a:ext cx="0" cy="0"/>
-          <a:chOff x="0" y="0"/>
-          <a:chExt cx="0" cy="0"/>
-        </a:xfrm>
-      </p:grpSpPr>
-      <p:sp>
-        <p:nvSpPr>
-          <p:cNvPr id="11" name="Title 1">
-            <a:extLst>
-              <a:ext uri="{FF2B5EF4-FFF2-40B4-BE49-F238E27FC236}">
-                <a16:creationId xmlns:a16="http://schemas.microsoft.com/office/drawing/2014/main" id="{7B59BD5D-8A0F-9D7F-923E-0D99CDBB4D6C}"/>
-              </a:ext>
-            </a:extLst>
-          </p:cNvPr>
-          <p:cNvSpPr>
-            <a:spLocks noGrp="1"/>
-          </p:cNvSpPr>
-          <p:nvPr>
-            <p:ph type="title"/>
-          </p:nvPr>
-        </p:nvSpPr>
-        <p:spPr>
-          <a:xfrm>
-            <a:off x="1158864" y="102021"/>
-            <a:ext cx="9779183" cy="1744415"/>
-          </a:xfrm>
-        </p:spPr>
-        <p:txBody>
-          <a:bodyPr/>
-          <a:lstStyle/>
-          <a:p>
-            <a:r>
-              <a:rPr lang="en-US" dirty="0"/>
-              <a:t>Exercise: Catalogue IC Components</a:t>
-            </a:r>
-          </a:p>
-        </p:txBody>
-      </p:sp>
-      <p:sp>
-        <p:nvSpPr>
-          <p:cNvPr id="13" name="Content Placeholder 2">
-            <a:extLst>
-              <a:ext uri="{FF2B5EF4-FFF2-40B4-BE49-F238E27FC236}">
-                <a16:creationId xmlns:a16="http://schemas.microsoft.com/office/drawing/2014/main" id="{8207F784-4103-9D68-AC86-68DF7C6AC0B3}"/>
-              </a:ext>
-            </a:extLst>
-          </p:cNvPr>
-          <p:cNvSpPr>
-            <a:spLocks noGrp="1"/>
-          </p:cNvSpPr>
-          <p:nvPr>
-            <p:ph idx="1"/>
-          </p:nvPr>
-        </p:nvSpPr>
-        <p:spPr>
-          <a:xfrm>
-            <a:off x="1158865" y="2017467"/>
-            <a:ext cx="9779182" cy="3911846"/>
-          </a:xfrm>
-        </p:spPr>
-        <p:txBody>
-          <a:bodyPr>
-            <a:normAutofit lnSpcReduction="10000"/>
-          </a:bodyPr>
-          <a:lstStyle/>
-          <a:p>
-            <a:pPr marL="514350" indent="-514350">
-              <a:buFont typeface="+mj-lt"/>
-              <a:buAutoNum type="arabicPeriod"/>
-            </a:pPr>
-            <a:r>
-              <a:rPr lang="en-US" b="1" dirty="0"/>
-              <a:t>Look at your Arduino board</a:t>
-            </a:r>
-          </a:p>
-          <a:p>
-            <a:pPr marL="514350" indent="-514350">
-              <a:buFont typeface="+mj-lt"/>
-              <a:buAutoNum type="arabicPeriod"/>
-            </a:pPr>
-            <a:r>
-              <a:rPr lang="en-US" b="1" dirty="0"/>
-              <a:t>Pick one component</a:t>
-            </a:r>
-            <a:r>
-              <a:rPr lang="en-US" dirty="0"/>
-              <a:t> (A, B, C, D)</a:t>
-            </a:r>
-          </a:p>
-          <a:p>
-            <a:pPr marL="514350" indent="-514350">
-              <a:buFont typeface="+mj-lt"/>
-              <a:buAutoNum type="arabicPeriod"/>
-            </a:pPr>
-            <a:r>
-              <a:rPr lang="en-US" b="1" dirty="0"/>
-              <a:t>Write down the part number</a:t>
-            </a:r>
-            <a:r>
-              <a:rPr lang="en-US" dirty="0"/>
-              <a:t> printed on the chip.</a:t>
-            </a:r>
-          </a:p>
-          <a:p>
-            <a:pPr marL="514350" indent="-514350">
-              <a:buFont typeface="+mj-lt"/>
-              <a:buAutoNum type="arabicPeriod"/>
-            </a:pPr>
-            <a:r>
-              <a:rPr lang="en-US" b="1" dirty="0"/>
-              <a:t>Google the part number</a:t>
-            </a:r>
-            <a:r>
-              <a:rPr lang="en-US" dirty="0"/>
-              <a:t> and </a:t>
-            </a:r>
-            <a:r>
-              <a:rPr lang="en-US" b="1" dirty="0"/>
-              <a:t>find the datasheet</a:t>
-            </a:r>
-            <a:r>
-              <a:rPr lang="en-US" dirty="0"/>
-              <a:t>.</a:t>
-            </a:r>
-          </a:p>
-          <a:p>
-            <a:pPr marL="971550" lvl="1" indent="-514350">
-              <a:buFont typeface="Courier New" panose="02070309020205020404" pitchFamily="49" charset="0"/>
-              <a:buChar char="o"/>
-            </a:pPr>
-            <a:r>
-              <a:rPr lang="en-US" dirty="0"/>
-              <a:t>You may also search on </a:t>
-            </a:r>
-            <a:r>
-              <a:rPr lang="en-US" dirty="0">
-                <a:hlinkClick r:id="rId2"/>
-              </a:rPr>
-              <a:t>https://octopart.com/</a:t>
-            </a:r>
-            <a:endParaRPr lang="en-US" dirty="0"/>
-          </a:p>
-          <a:p>
-            <a:pPr marL="514350" indent="-514350">
-              <a:buFont typeface="+mj-lt"/>
-              <a:buAutoNum type="arabicPeriod"/>
-            </a:pPr>
-            <a:r>
-              <a:rPr lang="en-US" b="1" dirty="0"/>
-              <a:t>Answer questions:</a:t>
-            </a:r>
-          </a:p>
-          <a:p>
-            <a:pPr marL="971550" lvl="1" indent="-514350">
-              <a:buFont typeface="+mj-lt"/>
-              <a:buAutoNum type="arabicPeriod"/>
-            </a:pPr>
-            <a:r>
-              <a:rPr lang="en-US" dirty="0"/>
-              <a:t>What does the chip do?</a:t>
-            </a:r>
-          </a:p>
-          <a:p>
-            <a:pPr marL="971550" lvl="1" indent="-514350">
-              <a:buFont typeface="+mj-lt"/>
-              <a:buAutoNum type="arabicPeriod"/>
-            </a:pPr>
-            <a:r>
-              <a:rPr lang="en-US" dirty="0"/>
-              <a:t>How many pins does it have?</a:t>
-            </a:r>
-          </a:p>
-          <a:p>
-            <a:pPr marL="971550" lvl="1" indent="-514350">
-              <a:buFont typeface="+mj-lt"/>
-              <a:buAutoNum type="arabicPeriod"/>
-            </a:pPr>
-            <a:r>
-              <a:rPr lang="en-US" dirty="0"/>
-              <a:t>What interfaces or protocols does it use?</a:t>
-            </a:r>
-          </a:p>
-        </p:txBody>
-      </p:sp>
-    </p:spTree>
-    <p:extLst>
-      <p:ext uri="{BB962C8B-B14F-4D97-AF65-F5344CB8AC3E}">
-        <p14:creationId xmlns:p14="http://schemas.microsoft.com/office/powerpoint/2010/main" val="2899390662"/>
-      </p:ext>
-    </p:extLst>
-  </p:cSld>
-  <p:clrMapOvr>
-    <a:masterClrMapping/>
-  </p:clrMapOvr>
-</p:sld>
-</file>
-
-<file path=ppt/slides/slide14.xml><?xml version="1.0" encoding="utf-8"?>
-<p:sld xmlns:a="http://schemas.openxmlformats.org/drawingml/2006/main" xmlns:r="http://schemas.openxmlformats.org/officeDocument/2006/relationships" xmlns:p="http://schemas.openxmlformats.org/presentationml/2006/main">
-  <p:cSld>
-    <p:spTree>
-      <p:nvGrpSpPr>
-        <p:cNvPr id="1" name=""/>
-        <p:cNvGrpSpPr/>
-        <p:nvPr/>
-      </p:nvGrpSpPr>
-      <p:grpSpPr>
-        <a:xfrm>
-          <a:off x="0" y="0"/>
-          <a:ext cx="0" cy="0"/>
-          <a:chOff x="0" y="0"/>
-          <a:chExt cx="0" cy="0"/>
-        </a:xfrm>
-      </p:grpSpPr>
-      <p:pic>
-        <p:nvPicPr>
-          <p:cNvPr id="8" name="Content Placeholder 7" descr="A blue circuit board with black and silver components&#10;&#10;AI-generated content may be incorrect.">
-            <a:extLst>
-              <a:ext uri="{FF2B5EF4-FFF2-40B4-BE49-F238E27FC236}">
-                <a16:creationId xmlns:a16="http://schemas.microsoft.com/office/drawing/2014/main" id="{0F8925CB-3E9D-6160-EF70-29FA1CA49105}"/>
-              </a:ext>
-            </a:extLst>
-          </p:cNvPr>
-          <p:cNvPicPr>
-            <a:picLocks noGrp="1" noChangeAspect="1"/>
-          </p:cNvPicPr>
-          <p:nvPr>
-            <p:ph idx="1"/>
-          </p:nvPr>
-        </p:nvPicPr>
-        <p:blipFill>
-          <a:blip r:embed="rId2"/>
-          <a:srcRect t="12494" b="16685"/>
-          <a:stretch>
-            <a:fillRect/>
-          </a:stretch>
-        </p:blipFill>
-        <p:spPr>
-          <a:xfrm>
-            <a:off x="2554941" y="366402"/>
-            <a:ext cx="7082118" cy="5015642"/>
-          </a:xfrm>
-        </p:spPr>
-      </p:pic>
-      <p:sp>
-        <p:nvSpPr>
-          <p:cNvPr id="13" name="Callout: Line 12">
-            <a:extLst>
-              <a:ext uri="{FF2B5EF4-FFF2-40B4-BE49-F238E27FC236}">
-                <a16:creationId xmlns:a16="http://schemas.microsoft.com/office/drawing/2014/main" id="{17058C7B-A788-DC4E-BCFA-EDA2B093FBFF}"/>
-              </a:ext>
-            </a:extLst>
-          </p:cNvPr>
-          <p:cNvSpPr/>
-          <p:nvPr/>
-        </p:nvSpPr>
-        <p:spPr>
-          <a:xfrm>
-            <a:off x="4508626" y="2000817"/>
-            <a:ext cx="724278" cy="543208"/>
-          </a:xfrm>
-          <a:prstGeom prst="borderCallout1">
-            <a:avLst>
-              <a:gd name="adj1" fmla="val 54982"/>
-              <a:gd name="adj2" fmla="val -593"/>
-              <a:gd name="adj3" fmla="val 129167"/>
-              <a:gd name="adj4" fmla="val -340833"/>
-            </a:avLst>
-          </a:prstGeom>
-          <a:noFill/>
-          <a:ln w="28575">
-            <a:solidFill>
-              <a:srgbClr val="FF0000"/>
-            </a:solidFill>
-          </a:ln>
-        </p:spPr>
-        <p:style>
-          <a:lnRef idx="2">
-            <a:schemeClr val="accent1">
-              <a:shade val="15000"/>
-            </a:schemeClr>
-          </a:lnRef>
-          <a:fillRef idx="1">
-            <a:schemeClr val="accent1"/>
-          </a:fillRef>
-          <a:effectRef idx="0">
-            <a:schemeClr val="accent1"/>
-          </a:effectRef>
-          <a:fontRef idx="minor">
-            <a:schemeClr val="lt1"/>
-          </a:fontRef>
-        </p:style>
-        <p:txBody>
-          <a:bodyPr rtlCol="0" anchor="ctr"/>
-          <a:lstStyle/>
-          <a:p>
-            <a:pPr algn="ctr"/>
-            <a:endParaRPr lang="en-US"/>
-          </a:p>
-        </p:txBody>
-      </p:sp>
-      <p:sp>
-        <p:nvSpPr>
-          <p:cNvPr id="14" name="Callout: Line 13">
-            <a:extLst>
-              <a:ext uri="{FF2B5EF4-FFF2-40B4-BE49-F238E27FC236}">
-                <a16:creationId xmlns:a16="http://schemas.microsoft.com/office/drawing/2014/main" id="{DFC1ABCA-B499-13D2-92E7-E0C2F69C8902}"/>
-              </a:ext>
-            </a:extLst>
-          </p:cNvPr>
-          <p:cNvSpPr/>
-          <p:nvPr/>
-        </p:nvSpPr>
-        <p:spPr>
-          <a:xfrm>
-            <a:off x="4300396" y="2705479"/>
-            <a:ext cx="1039640" cy="543208"/>
-          </a:xfrm>
-          <a:prstGeom prst="borderCallout1">
-            <a:avLst>
-              <a:gd name="adj1" fmla="val 54982"/>
-              <a:gd name="adj2" fmla="val -593"/>
-              <a:gd name="adj3" fmla="val 117500"/>
-              <a:gd name="adj4" fmla="val -212568"/>
-            </a:avLst>
-          </a:prstGeom>
-          <a:noFill/>
-          <a:ln w="28575">
-            <a:solidFill>
-              <a:srgbClr val="FF0000"/>
-            </a:solidFill>
-          </a:ln>
-        </p:spPr>
-        <p:style>
-          <a:lnRef idx="2">
-            <a:schemeClr val="accent1">
-              <a:shade val="15000"/>
-            </a:schemeClr>
-          </a:lnRef>
-          <a:fillRef idx="1">
-            <a:schemeClr val="accent1"/>
-          </a:fillRef>
-          <a:effectRef idx="0">
-            <a:schemeClr val="accent1"/>
-          </a:effectRef>
-          <a:fontRef idx="minor">
-            <a:schemeClr val="lt1"/>
-          </a:fontRef>
-        </p:style>
-        <p:txBody>
-          <a:bodyPr rtlCol="0" anchor="ctr"/>
-          <a:lstStyle/>
-          <a:p>
-            <a:pPr algn="ctr"/>
-            <a:endParaRPr lang="en-US"/>
-          </a:p>
-        </p:txBody>
-      </p:sp>
-      <p:sp>
-        <p:nvSpPr>
-          <p:cNvPr id="15" name="Callout: Line 14">
-            <a:extLst>
-              <a:ext uri="{FF2B5EF4-FFF2-40B4-BE49-F238E27FC236}">
-                <a16:creationId xmlns:a16="http://schemas.microsoft.com/office/drawing/2014/main" id="{B7A63B0C-7189-F444-DB5D-705A7A3CBE6E}"/>
-              </a:ext>
-            </a:extLst>
-          </p:cNvPr>
-          <p:cNvSpPr/>
-          <p:nvPr/>
-        </p:nvSpPr>
-        <p:spPr>
-          <a:xfrm>
-            <a:off x="5582385" y="3176259"/>
-            <a:ext cx="3238123" cy="1043412"/>
-          </a:xfrm>
-          <a:prstGeom prst="borderCallout1">
-            <a:avLst>
-              <a:gd name="adj1" fmla="val 50644"/>
-              <a:gd name="adj2" fmla="val 99780"/>
-              <a:gd name="adj3" fmla="val -28412"/>
-              <a:gd name="adj4" fmla="val 142995"/>
-            </a:avLst>
-          </a:prstGeom>
-          <a:noFill/>
-          <a:ln w="28575">
-            <a:solidFill>
-              <a:srgbClr val="FF0000"/>
-            </a:solidFill>
-          </a:ln>
-        </p:spPr>
-        <p:style>
-          <a:lnRef idx="2">
-            <a:schemeClr val="accent1">
-              <a:shade val="15000"/>
-            </a:schemeClr>
-          </a:lnRef>
-          <a:fillRef idx="1">
-            <a:schemeClr val="accent1"/>
-          </a:fillRef>
-          <a:effectRef idx="0">
-            <a:schemeClr val="accent1"/>
-          </a:effectRef>
-          <a:fontRef idx="minor">
-            <a:schemeClr val="lt1"/>
-          </a:fontRef>
-        </p:style>
-        <p:txBody>
-          <a:bodyPr rtlCol="0" anchor="ctr"/>
-          <a:lstStyle/>
-          <a:p>
-            <a:pPr algn="ctr"/>
-            <a:endParaRPr lang="en-US"/>
-          </a:p>
-        </p:txBody>
-      </p:sp>
-      <p:sp>
-        <p:nvSpPr>
-          <p:cNvPr id="17" name="Callout: Line 16">
-            <a:extLst>
-              <a:ext uri="{FF2B5EF4-FFF2-40B4-BE49-F238E27FC236}">
-                <a16:creationId xmlns:a16="http://schemas.microsoft.com/office/drawing/2014/main" id="{31F1D9F1-4F4F-E720-5530-979B232409D3}"/>
-              </a:ext>
-            </a:extLst>
-          </p:cNvPr>
-          <p:cNvSpPr/>
-          <p:nvPr/>
-        </p:nvSpPr>
-        <p:spPr>
-          <a:xfrm>
-            <a:off x="4363770" y="4037846"/>
-            <a:ext cx="1326334" cy="713595"/>
-          </a:xfrm>
-          <a:prstGeom prst="borderCallout1">
-            <a:avLst>
-              <a:gd name="adj1" fmla="val 54982"/>
-              <a:gd name="adj2" fmla="val -593"/>
-              <a:gd name="adj3" fmla="val 240233"/>
-              <a:gd name="adj4" fmla="val -57196"/>
-            </a:avLst>
-          </a:prstGeom>
-          <a:noFill/>
-          <a:ln w="28575">
-            <a:solidFill>
-              <a:srgbClr val="FF0000"/>
-            </a:solidFill>
-          </a:ln>
-        </p:spPr>
-        <p:style>
-          <a:lnRef idx="2">
-            <a:schemeClr val="accent1">
-              <a:shade val="15000"/>
-            </a:schemeClr>
-          </a:lnRef>
-          <a:fillRef idx="1">
-            <a:schemeClr val="accent1"/>
-          </a:fillRef>
-          <a:effectRef idx="0">
-            <a:schemeClr val="accent1"/>
-          </a:effectRef>
-          <a:fontRef idx="minor">
-            <a:schemeClr val="lt1"/>
-          </a:fontRef>
-        </p:style>
-        <p:txBody>
-          <a:bodyPr rtlCol="0" anchor="ctr"/>
-          <a:lstStyle/>
-          <a:p>
-            <a:pPr algn="ctr"/>
-            <a:endParaRPr lang="en-US"/>
-          </a:p>
-        </p:txBody>
-      </p:sp>
-      <p:sp>
-        <p:nvSpPr>
-          <p:cNvPr id="18" name="TextBox 17">
-            <a:extLst>
-              <a:ext uri="{FF2B5EF4-FFF2-40B4-BE49-F238E27FC236}">
-                <a16:creationId xmlns:a16="http://schemas.microsoft.com/office/drawing/2014/main" id="{454C726D-DF8D-09A8-58A7-8547025E94C6}"/>
-              </a:ext>
-            </a:extLst>
-          </p:cNvPr>
-          <p:cNvSpPr txBox="1"/>
-          <p:nvPr/>
-        </p:nvSpPr>
-        <p:spPr>
-          <a:xfrm>
-            <a:off x="1738265" y="2544025"/>
-            <a:ext cx="346570" cy="400110"/>
-          </a:xfrm>
-          <a:prstGeom prst="rect">
-            <a:avLst/>
-          </a:prstGeom>
-          <a:noFill/>
-        </p:spPr>
-        <p:txBody>
-          <a:bodyPr wrap="none" rtlCol="0">
-            <a:spAutoFit/>
-          </a:bodyPr>
-          <a:lstStyle/>
-          <a:p>
-            <a:r>
-              <a:rPr lang="en-US" sz="2000" b="1" dirty="0"/>
-              <a:t>A</a:t>
-            </a:r>
-          </a:p>
-        </p:txBody>
-      </p:sp>
-      <p:sp>
-        <p:nvSpPr>
-          <p:cNvPr id="19" name="TextBox 18">
-            <a:extLst>
-              <a:ext uri="{FF2B5EF4-FFF2-40B4-BE49-F238E27FC236}">
-                <a16:creationId xmlns:a16="http://schemas.microsoft.com/office/drawing/2014/main" id="{547BDE4B-4011-5C33-BF72-09F6F0FC1D3D}"/>
-              </a:ext>
-            </a:extLst>
-          </p:cNvPr>
-          <p:cNvSpPr txBox="1"/>
-          <p:nvPr/>
-        </p:nvSpPr>
-        <p:spPr>
-          <a:xfrm>
-            <a:off x="1738265" y="3176259"/>
-            <a:ext cx="332142" cy="400110"/>
-          </a:xfrm>
-          <a:prstGeom prst="rect">
-            <a:avLst/>
-          </a:prstGeom>
-          <a:noFill/>
-        </p:spPr>
-        <p:txBody>
-          <a:bodyPr wrap="none" rtlCol="0">
-            <a:spAutoFit/>
-          </a:bodyPr>
-          <a:lstStyle/>
-          <a:p>
-            <a:r>
-              <a:rPr lang="en-US" sz="2000" b="1" dirty="0"/>
-              <a:t>B</a:t>
-            </a:r>
-          </a:p>
-        </p:txBody>
-      </p:sp>
-      <p:sp>
-        <p:nvSpPr>
-          <p:cNvPr id="21" name="TextBox 20">
-            <a:extLst>
-              <a:ext uri="{FF2B5EF4-FFF2-40B4-BE49-F238E27FC236}">
-                <a16:creationId xmlns:a16="http://schemas.microsoft.com/office/drawing/2014/main" id="{E21DBF2C-6E8A-030A-B72E-90A12A793329}"/>
-              </a:ext>
-            </a:extLst>
-          </p:cNvPr>
-          <p:cNvSpPr txBox="1"/>
-          <p:nvPr/>
-        </p:nvSpPr>
-        <p:spPr>
-          <a:xfrm>
-            <a:off x="3386927" y="5782540"/>
-            <a:ext cx="338554" cy="400110"/>
-          </a:xfrm>
-          <a:prstGeom prst="rect">
-            <a:avLst/>
-          </a:prstGeom>
-          <a:noFill/>
-        </p:spPr>
-        <p:txBody>
-          <a:bodyPr wrap="none" rtlCol="0">
-            <a:spAutoFit/>
-          </a:bodyPr>
-          <a:lstStyle/>
-          <a:p>
-            <a:r>
-              <a:rPr lang="en-US" sz="2000" b="1" dirty="0"/>
-              <a:t>C</a:t>
-            </a:r>
-          </a:p>
-        </p:txBody>
-      </p:sp>
-      <p:sp>
-        <p:nvSpPr>
-          <p:cNvPr id="22" name="TextBox 21">
-            <a:extLst>
-              <a:ext uri="{FF2B5EF4-FFF2-40B4-BE49-F238E27FC236}">
-                <a16:creationId xmlns:a16="http://schemas.microsoft.com/office/drawing/2014/main" id="{5917BF96-9C35-1273-471B-8323ED8DE1C8}"/>
-              </a:ext>
-            </a:extLst>
-          </p:cNvPr>
-          <p:cNvSpPr txBox="1"/>
-          <p:nvPr/>
-        </p:nvSpPr>
-        <p:spPr>
-          <a:xfrm>
-            <a:off x="10209390" y="2645704"/>
-            <a:ext cx="346570" cy="400110"/>
-          </a:xfrm>
-          <a:prstGeom prst="rect">
-            <a:avLst/>
-          </a:prstGeom>
-          <a:noFill/>
-        </p:spPr>
-        <p:txBody>
-          <a:bodyPr wrap="none" rtlCol="0">
-            <a:spAutoFit/>
-          </a:bodyPr>
-          <a:lstStyle/>
-          <a:p>
-            <a:r>
-              <a:rPr lang="en-US" sz="2000" b="1" dirty="0"/>
-              <a:t>D</a:t>
-            </a:r>
-          </a:p>
-        </p:txBody>
-      </p:sp>
-    </p:spTree>
-    <p:extLst>
-      <p:ext uri="{BB962C8B-B14F-4D97-AF65-F5344CB8AC3E}">
-        <p14:creationId xmlns:p14="http://schemas.microsoft.com/office/powerpoint/2010/main" val="3396942177"/>
-      </p:ext>
-    </p:extLst>
-  </p:cSld>
-  <p:clrMapOvr>
-    <a:masterClrMapping/>
-  </p:clrMapOvr>
-</p:sld>
-</file>
-
-<file path=ppt/slides/slide15.xml><?xml version="1.0" encoding="utf-8"?>
 <p:sld xmlns:a="http://schemas.openxmlformats.org/drawingml/2006/main" xmlns:r="http://schemas.openxmlformats.org/officeDocument/2006/relationships" xmlns:p="http://schemas.openxmlformats.org/presentationml/2006/main">
   <p:cSld>
     <p:spTree>
@@ -13079,7 +16302,7 @@
 </p:sld>
 </file>
 
-<file path=ppt/slides/slide16.xml><?xml version="1.0" encoding="utf-8"?>
+<file path=ppt/slides/slide11.xml><?xml version="1.0" encoding="utf-8"?>
 <p:sld xmlns:a="http://schemas.openxmlformats.org/drawingml/2006/main" xmlns:r="http://schemas.openxmlformats.org/officeDocument/2006/relationships" xmlns:p="http://schemas.openxmlformats.org/presentationml/2006/main">
   <p:cSld>
     <p:spTree>
@@ -13483,7 +16706,7 @@
             </a:r>
             <a:r>
               <a:rPr lang="en-US" sz="2000" dirty="0">
-                <a:hlinkClick r:id="rId2"/>
+                <a:hlinkClick r:id="rId3"/>
               </a:rPr>
               <a:t>https://github.com/syd-kiwi/re-arduino-uno</a:t>
             </a:r>
@@ -13498,6 +16721,942 @@
     <p:extLst>
       <p:ext uri="{BB962C8B-B14F-4D97-AF65-F5344CB8AC3E}">
         <p14:creationId xmlns:p14="http://schemas.microsoft.com/office/powerpoint/2010/main" val="499741956"/>
+      </p:ext>
+    </p:extLst>
+  </p:cSld>
+  <p:clrMapOvr>
+    <a:masterClrMapping/>
+  </p:clrMapOvr>
+</p:sld>
+</file>
+
+<file path=ppt/slides/slide12.xml><?xml version="1.0" encoding="utf-8"?>
+<p:sld xmlns:a="http://schemas.openxmlformats.org/drawingml/2006/main" xmlns:r="http://schemas.openxmlformats.org/officeDocument/2006/relationships" xmlns:p="http://schemas.openxmlformats.org/presentationml/2006/main">
+  <p:cSld>
+    <p:spTree>
+      <p:nvGrpSpPr>
+        <p:cNvPr id="1" name="">
+          <a:extLst>
+            <a:ext uri="{FF2B5EF4-FFF2-40B4-BE49-F238E27FC236}">
+              <a16:creationId xmlns:a16="http://schemas.microsoft.com/office/drawing/2014/main" id="{AF2BD2C8-44B3-2FBD-FF40-756342AF62A0}"/>
+            </a:ext>
+          </a:extLst>
+        </p:cNvPr>
+        <p:cNvGrpSpPr/>
+        <p:nvPr/>
+      </p:nvGrpSpPr>
+      <p:grpSpPr>
+        <a:xfrm>
+          <a:off x="0" y="0"/>
+          <a:ext cx="0" cy="0"/>
+          <a:chOff x="0" y="0"/>
+          <a:chExt cx="0" cy="0"/>
+        </a:xfrm>
+      </p:grpSpPr>
+      <p:sp>
+        <p:nvSpPr>
+          <p:cNvPr id="2" name="Title 1">
+            <a:extLst>
+              <a:ext uri="{FF2B5EF4-FFF2-40B4-BE49-F238E27FC236}">
+                <a16:creationId xmlns:a16="http://schemas.microsoft.com/office/drawing/2014/main" id="{CBF9F6DE-FAD9-BF34-F6C0-A7D3D6124FC5}"/>
+              </a:ext>
+            </a:extLst>
+          </p:cNvPr>
+          <p:cNvSpPr>
+            <a:spLocks noGrp="1"/>
+          </p:cNvSpPr>
+          <p:nvPr>
+            <p:ph type="title"/>
+          </p:nvPr>
+        </p:nvSpPr>
+        <p:spPr/>
+        <p:txBody>
+          <a:bodyPr/>
+          <a:lstStyle/>
+          <a:p>
+            <a:r>
+              <a:rPr lang="en-US" dirty="0"/>
+              <a:t>Step 2: Locate Voltage and Ground</a:t>
+            </a:r>
+          </a:p>
+        </p:txBody>
+      </p:sp>
+      <p:sp>
+        <p:nvSpPr>
+          <p:cNvPr id="3" name="Content Placeholder 2">
+            <a:extLst>
+              <a:ext uri="{FF2B5EF4-FFF2-40B4-BE49-F238E27FC236}">
+                <a16:creationId xmlns:a16="http://schemas.microsoft.com/office/drawing/2014/main" id="{8B8101B1-DBB6-A520-BAE0-64BB6C49EDC8}"/>
+              </a:ext>
+            </a:extLst>
+          </p:cNvPr>
+          <p:cNvSpPr>
+            <a:spLocks noGrp="1"/>
+          </p:cNvSpPr>
+          <p:nvPr>
+            <p:ph idx="1"/>
+          </p:nvPr>
+        </p:nvSpPr>
+        <p:spPr>
+          <a:xfrm>
+            <a:off x="1158864" y="2017467"/>
+            <a:ext cx="5816701" cy="3366815"/>
+          </a:xfrm>
+        </p:spPr>
+        <p:txBody>
+          <a:bodyPr/>
+          <a:lstStyle/>
+          <a:p>
+            <a:pPr marL="285750" indent="-285750">
+              <a:buFont typeface="Arial" panose="020B0604020202020204" pitchFamily="34" charset="0"/>
+              <a:buChar char="•"/>
+            </a:pPr>
+            <a:r>
+              <a:rPr lang="en-US" dirty="0"/>
+              <a:t>Use a multimeter to measure voltages at different points.</a:t>
+            </a:r>
+          </a:p>
+          <a:p>
+            <a:pPr marL="285750" indent="-285750">
+              <a:buFont typeface="Arial" panose="020B0604020202020204" pitchFamily="34" charset="0"/>
+              <a:buChar char="•"/>
+            </a:pPr>
+            <a:r>
+              <a:rPr lang="en-US" dirty="0"/>
+              <a:t>Identify power and ground pins.</a:t>
+            </a:r>
+          </a:p>
+          <a:p>
+            <a:pPr marL="285750" indent="-285750">
+              <a:buFont typeface="Arial" panose="020B0604020202020204" pitchFamily="34" charset="0"/>
+              <a:buChar char="•"/>
+            </a:pPr>
+            <a:r>
+              <a:rPr lang="en-US" dirty="0"/>
+              <a:t>Check for continuity to trace circuit paths.</a:t>
+            </a:r>
+          </a:p>
+        </p:txBody>
+      </p:sp>
+      <p:sp>
+        <p:nvSpPr>
+          <p:cNvPr id="4" name="Slide Number Placeholder 3">
+            <a:extLst>
+              <a:ext uri="{FF2B5EF4-FFF2-40B4-BE49-F238E27FC236}">
+                <a16:creationId xmlns:a16="http://schemas.microsoft.com/office/drawing/2014/main" id="{31CBAD59-E603-BAB0-9901-4489AA859FAC}"/>
+              </a:ext>
+            </a:extLst>
+          </p:cNvPr>
+          <p:cNvSpPr>
+            <a:spLocks noGrp="1"/>
+          </p:cNvSpPr>
+          <p:nvPr>
+            <p:ph type="sldNum" sz="quarter" idx="4"/>
+          </p:nvPr>
+        </p:nvSpPr>
+        <p:spPr/>
+        <p:txBody>
+          <a:bodyPr/>
+          <a:lstStyle/>
+          <a:p>
+            <a:fld id="{A49DFD55-3C28-40EF-9E31-A92D2E4017FF}" type="slidenum">
+              <a:rPr lang="en-US" smtClean="0"/>
+              <a:pPr/>
+              <a:t>12</a:t>
+            </a:fld>
+            <a:endParaRPr lang="en-US" dirty="0"/>
+          </a:p>
+        </p:txBody>
+      </p:sp>
+      <p:pic>
+        <p:nvPicPr>
+          <p:cNvPr id="5" name="Picture 4">
+            <a:extLst>
+              <a:ext uri="{FF2B5EF4-FFF2-40B4-BE49-F238E27FC236}">
+                <a16:creationId xmlns:a16="http://schemas.microsoft.com/office/drawing/2014/main" id="{6C24439B-EF9C-500E-430C-4EC3AB87993F}"/>
+              </a:ext>
+            </a:extLst>
+          </p:cNvPr>
+          <p:cNvPicPr>
+            <a:picLocks noChangeAspect="1"/>
+          </p:cNvPicPr>
+          <p:nvPr/>
+        </p:nvPicPr>
+        <p:blipFill>
+          <a:blip r:embed="rId3"/>
+          <a:srcRect l="12800" r="16343"/>
+          <a:stretch>
+            <a:fillRect/>
+          </a:stretch>
+        </p:blipFill>
+        <p:spPr>
+          <a:xfrm>
+            <a:off x="7289074" y="1917933"/>
+            <a:ext cx="4049486" cy="3565881"/>
+          </a:xfrm>
+          <a:prstGeom prst="rect">
+            <a:avLst/>
+          </a:prstGeom>
+        </p:spPr>
+      </p:pic>
+    </p:spTree>
+    <p:extLst>
+      <p:ext uri="{BB962C8B-B14F-4D97-AF65-F5344CB8AC3E}">
+        <p14:creationId xmlns:p14="http://schemas.microsoft.com/office/powerpoint/2010/main" val="2797783130"/>
+      </p:ext>
+    </p:extLst>
+  </p:cSld>
+  <p:clrMapOvr>
+    <a:masterClrMapping/>
+  </p:clrMapOvr>
+</p:sld>
+</file>
+
+<file path=ppt/slides/slide13.xml><?xml version="1.0" encoding="utf-8"?>
+<p:sld xmlns:a="http://schemas.openxmlformats.org/drawingml/2006/main" xmlns:r="http://schemas.openxmlformats.org/officeDocument/2006/relationships" xmlns:p="http://schemas.openxmlformats.org/presentationml/2006/main">
+  <p:cSld>
+    <p:spTree>
+      <p:nvGrpSpPr>
+        <p:cNvPr id="1" name="">
+          <a:extLst>
+            <a:ext uri="{FF2B5EF4-FFF2-40B4-BE49-F238E27FC236}">
+              <a16:creationId xmlns:a16="http://schemas.microsoft.com/office/drawing/2014/main" id="{AAD9B32B-BF01-1759-6385-646E232F2630}"/>
+            </a:ext>
+          </a:extLst>
+        </p:cNvPr>
+        <p:cNvGrpSpPr/>
+        <p:nvPr/>
+      </p:nvGrpSpPr>
+      <p:grpSpPr>
+        <a:xfrm>
+          <a:off x="0" y="0"/>
+          <a:ext cx="0" cy="0"/>
+          <a:chOff x="0" y="0"/>
+          <a:chExt cx="0" cy="0"/>
+        </a:xfrm>
+      </p:grpSpPr>
+      <p:sp>
+        <p:nvSpPr>
+          <p:cNvPr id="11" name="Title 1">
+            <a:extLst>
+              <a:ext uri="{FF2B5EF4-FFF2-40B4-BE49-F238E27FC236}">
+                <a16:creationId xmlns:a16="http://schemas.microsoft.com/office/drawing/2014/main" id="{3C4AD180-DA91-1EA5-520F-82E96B8C3D5D}"/>
+              </a:ext>
+            </a:extLst>
+          </p:cNvPr>
+          <p:cNvSpPr>
+            <a:spLocks noGrp="1"/>
+          </p:cNvSpPr>
+          <p:nvPr>
+            <p:ph type="title"/>
+          </p:nvPr>
+        </p:nvSpPr>
+        <p:spPr/>
+        <p:txBody>
+          <a:bodyPr/>
+          <a:lstStyle/>
+          <a:p>
+            <a:r>
+              <a:rPr lang="en-US" dirty="0"/>
+              <a:t>Exercise: Trace Continuity on Arduino</a:t>
+            </a:r>
+          </a:p>
+        </p:txBody>
+      </p:sp>
+      <p:sp>
+        <p:nvSpPr>
+          <p:cNvPr id="13" name="Content Placeholder 2">
+            <a:extLst>
+              <a:ext uri="{FF2B5EF4-FFF2-40B4-BE49-F238E27FC236}">
+                <a16:creationId xmlns:a16="http://schemas.microsoft.com/office/drawing/2014/main" id="{A6F67BB7-1283-7DD1-B242-80E58BD27E8D}"/>
+              </a:ext>
+            </a:extLst>
+          </p:cNvPr>
+          <p:cNvSpPr>
+            <a:spLocks noGrp="1"/>
+          </p:cNvSpPr>
+          <p:nvPr>
+            <p:ph idx="1"/>
+          </p:nvPr>
+        </p:nvSpPr>
+        <p:spPr>
+          <a:xfrm>
+            <a:off x="5736978" y="1906289"/>
+            <a:ext cx="4663440" cy="3332832"/>
+          </a:xfrm>
+        </p:spPr>
+        <p:txBody>
+          <a:bodyPr>
+            <a:normAutofit/>
+          </a:bodyPr>
+          <a:lstStyle/>
+          <a:p>
+            <a:pPr marL="514350" indent="-514350">
+              <a:buFont typeface="+mj-lt"/>
+              <a:buAutoNum type="arabicPeriod"/>
+            </a:pPr>
+            <a:r>
+              <a:rPr lang="en-US" dirty="0"/>
+              <a:t>Flip the Arduino board over so you can see the soldered traces.</a:t>
+            </a:r>
+          </a:p>
+          <a:p>
+            <a:pPr marL="514350" indent="-514350">
+              <a:buFont typeface="+mj-lt"/>
+              <a:buAutoNum type="arabicPeriod"/>
+            </a:pPr>
+            <a:r>
+              <a:rPr lang="en-US" dirty="0"/>
+              <a:t>Choose a single trace or line to test.</a:t>
+            </a:r>
+          </a:p>
+          <a:p>
+            <a:pPr marL="514350" indent="-514350">
+              <a:buFont typeface="+mj-lt"/>
+              <a:buAutoNum type="arabicPeriod"/>
+            </a:pPr>
+            <a:r>
+              <a:rPr lang="en-US" dirty="0"/>
+              <a:t>Place one probe on each end of that line—where the pins or solder joints are.</a:t>
+            </a:r>
+          </a:p>
+          <a:p>
+            <a:pPr marL="514350" indent="-514350">
+              <a:buFont typeface="+mj-lt"/>
+              <a:buAutoNum type="arabicPeriod"/>
+            </a:pPr>
+            <a:r>
+              <a:rPr lang="en-US" dirty="0"/>
+              <a:t>Use a multimeter in continuity mode — if the line is intact, you'll hear a beep.</a:t>
+            </a:r>
+          </a:p>
+        </p:txBody>
+      </p:sp>
+      <p:pic>
+        <p:nvPicPr>
+          <p:cNvPr id="4" name="Content Placeholder 3">
+            <a:extLst>
+              <a:ext uri="{FF2B5EF4-FFF2-40B4-BE49-F238E27FC236}">
+                <a16:creationId xmlns:a16="http://schemas.microsoft.com/office/drawing/2014/main" id="{318183EC-E309-B505-9BA6-D0FDB6F94FAE}"/>
+              </a:ext>
+            </a:extLst>
+          </p:cNvPr>
+          <p:cNvPicPr>
+            <a:picLocks noGrp="1" noChangeAspect="1"/>
+          </p:cNvPicPr>
+          <p:nvPr>
+            <p:ph idx="10"/>
+          </p:nvPr>
+        </p:nvPicPr>
+        <p:blipFill>
+          <a:blip r:embed="rId3"/>
+          <a:stretch>
+            <a:fillRect/>
+          </a:stretch>
+        </p:blipFill>
+        <p:spPr>
+          <a:xfrm>
+            <a:off x="494421" y="1906289"/>
+            <a:ext cx="4919551" cy="4758255"/>
+          </a:xfrm>
+        </p:spPr>
+      </p:pic>
+    </p:spTree>
+    <p:extLst>
+      <p:ext uri="{BB962C8B-B14F-4D97-AF65-F5344CB8AC3E}">
+        <p14:creationId xmlns:p14="http://schemas.microsoft.com/office/powerpoint/2010/main" val="1254329292"/>
+      </p:ext>
+    </p:extLst>
+  </p:cSld>
+  <p:clrMapOvr>
+    <a:masterClrMapping/>
+  </p:clrMapOvr>
+</p:sld>
+</file>
+
+<file path=ppt/slides/slide14.xml><?xml version="1.0" encoding="utf-8"?>
+<p:sld xmlns:a="http://schemas.openxmlformats.org/drawingml/2006/main" xmlns:r="http://schemas.openxmlformats.org/officeDocument/2006/relationships" xmlns:p="http://schemas.openxmlformats.org/presentationml/2006/main">
+  <p:cSld>
+    <p:spTree>
+      <p:nvGrpSpPr>
+        <p:cNvPr id="1" name="">
+          <a:extLst>
+            <a:ext uri="{FF2B5EF4-FFF2-40B4-BE49-F238E27FC236}">
+              <a16:creationId xmlns:a16="http://schemas.microsoft.com/office/drawing/2014/main" id="{9EF00FD5-188C-80DF-41A1-16A240F772E0}"/>
+            </a:ext>
+          </a:extLst>
+        </p:cNvPr>
+        <p:cNvGrpSpPr/>
+        <p:nvPr/>
+      </p:nvGrpSpPr>
+      <p:grpSpPr>
+        <a:xfrm>
+          <a:off x="0" y="0"/>
+          <a:ext cx="0" cy="0"/>
+          <a:chOff x="0" y="0"/>
+          <a:chExt cx="0" cy="0"/>
+        </a:xfrm>
+      </p:grpSpPr>
+      <p:sp>
+        <p:nvSpPr>
+          <p:cNvPr id="2" name="Title 1">
+            <a:extLst>
+              <a:ext uri="{FF2B5EF4-FFF2-40B4-BE49-F238E27FC236}">
+                <a16:creationId xmlns:a16="http://schemas.microsoft.com/office/drawing/2014/main" id="{F573B453-F2A9-4FE5-54F1-8459886F1650}"/>
+              </a:ext>
+            </a:extLst>
+          </p:cNvPr>
+          <p:cNvSpPr>
+            <a:spLocks noGrp="1"/>
+          </p:cNvSpPr>
+          <p:nvPr>
+            <p:ph type="title"/>
+          </p:nvPr>
+        </p:nvSpPr>
+        <p:spPr/>
+        <p:txBody>
+          <a:bodyPr/>
+          <a:lstStyle/>
+          <a:p>
+            <a:r>
+              <a:rPr lang="en-US" dirty="0"/>
+              <a:t>Step 3: Flash Dumping Prep</a:t>
+            </a:r>
+          </a:p>
+        </p:txBody>
+      </p:sp>
+      <p:sp>
+        <p:nvSpPr>
+          <p:cNvPr id="3" name="Content Placeholder 2">
+            <a:extLst>
+              <a:ext uri="{FF2B5EF4-FFF2-40B4-BE49-F238E27FC236}">
+                <a16:creationId xmlns:a16="http://schemas.microsoft.com/office/drawing/2014/main" id="{C15DAEBF-E1CD-BD13-6355-4CF6D60AB358}"/>
+              </a:ext>
+            </a:extLst>
+          </p:cNvPr>
+          <p:cNvSpPr>
+            <a:spLocks noGrp="1"/>
+          </p:cNvSpPr>
+          <p:nvPr>
+            <p:ph idx="1"/>
+          </p:nvPr>
+        </p:nvSpPr>
+        <p:spPr/>
+        <p:txBody>
+          <a:bodyPr>
+            <a:normAutofit/>
+          </a:bodyPr>
+          <a:lstStyle/>
+          <a:p>
+            <a:pPr marL="285750" indent="-285750">
+              <a:buFont typeface="Arial" panose="020B0604020202020204" pitchFamily="34" charset="0"/>
+              <a:buChar char="•"/>
+            </a:pPr>
+            <a:r>
+              <a:rPr lang="en-US" dirty="0"/>
+              <a:t>Identify memory chips or microcontrollers.</a:t>
+            </a:r>
+          </a:p>
+          <a:p>
+            <a:pPr marL="285750" indent="-285750">
+              <a:buFont typeface="Arial" panose="020B0604020202020204" pitchFamily="34" charset="0"/>
+              <a:buChar char="•"/>
+            </a:pPr>
+            <a:r>
+              <a:rPr lang="en-US" dirty="0"/>
+              <a:t>Look for connection points like test pads or headers.</a:t>
+            </a:r>
+          </a:p>
+        </p:txBody>
+      </p:sp>
+      <p:sp>
+        <p:nvSpPr>
+          <p:cNvPr id="4" name="Slide Number Placeholder 3">
+            <a:extLst>
+              <a:ext uri="{FF2B5EF4-FFF2-40B4-BE49-F238E27FC236}">
+                <a16:creationId xmlns:a16="http://schemas.microsoft.com/office/drawing/2014/main" id="{F6AC56C5-0248-D5BF-F5D4-EDDFF970488B}"/>
+              </a:ext>
+            </a:extLst>
+          </p:cNvPr>
+          <p:cNvSpPr>
+            <a:spLocks noGrp="1"/>
+          </p:cNvSpPr>
+          <p:nvPr>
+            <p:ph type="sldNum" sz="quarter" idx="4"/>
+          </p:nvPr>
+        </p:nvSpPr>
+        <p:spPr/>
+        <p:txBody>
+          <a:bodyPr/>
+          <a:lstStyle/>
+          <a:p>
+            <a:fld id="{A49DFD55-3C28-40EF-9E31-A92D2E4017FF}" type="slidenum">
+              <a:rPr lang="en-US" smtClean="0"/>
+              <a:pPr/>
+              <a:t>14</a:t>
+            </a:fld>
+            <a:endParaRPr lang="en-US" dirty="0"/>
+          </a:p>
+        </p:txBody>
+      </p:sp>
+      <p:sp>
+        <p:nvSpPr>
+          <p:cNvPr id="6" name="TextBox 5">
+            <a:extLst>
+              <a:ext uri="{FF2B5EF4-FFF2-40B4-BE49-F238E27FC236}">
+                <a16:creationId xmlns:a16="http://schemas.microsoft.com/office/drawing/2014/main" id="{599982BD-E01E-630D-B20A-588F51C05BA7}"/>
+              </a:ext>
+            </a:extLst>
+          </p:cNvPr>
+          <p:cNvSpPr txBox="1"/>
+          <p:nvPr/>
+        </p:nvSpPr>
+        <p:spPr>
+          <a:xfrm>
+            <a:off x="0" y="6559037"/>
+            <a:ext cx="7923184" cy="261610"/>
+          </a:xfrm>
+          <a:prstGeom prst="rect">
+            <a:avLst/>
+          </a:prstGeom>
+          <a:noFill/>
+        </p:spPr>
+        <p:txBody>
+          <a:bodyPr wrap="square">
+            <a:spAutoFit/>
+          </a:bodyPr>
+          <a:lstStyle/>
+          <a:p>
+            <a:r>
+              <a:rPr lang="en-US" sz="1100" dirty="0" err="1"/>
+              <a:t>Quarkslab</a:t>
+            </a:r>
+            <a:r>
+              <a:rPr lang="en-US" sz="1100" dirty="0"/>
+              <a:t>. (2018, January 11). </a:t>
+            </a:r>
+            <a:r>
+              <a:rPr lang="en-US" sz="1100" i="1" dirty="0"/>
+              <a:t>Flash dumping – Part I</a:t>
+            </a:r>
+            <a:r>
+              <a:rPr lang="en-US" sz="1100" dirty="0"/>
+              <a:t>. </a:t>
+            </a:r>
+            <a:r>
+              <a:rPr lang="en-US" sz="1100" dirty="0" err="1"/>
+              <a:t>Quarkslab</a:t>
+            </a:r>
+            <a:r>
+              <a:rPr lang="en-US" sz="1100" dirty="0"/>
+              <a:t> Blog. </a:t>
+            </a:r>
+            <a:r>
+              <a:rPr lang="en-US" sz="1100" dirty="0">
+                <a:hlinkClick r:id="rId3"/>
+              </a:rPr>
+              <a:t>https://blog.quarkslab.com/flash-dumping-part-i.html</a:t>
+            </a:r>
+            <a:endParaRPr lang="en-US" sz="1100" dirty="0"/>
+          </a:p>
+        </p:txBody>
+      </p:sp>
+      <p:pic>
+        <p:nvPicPr>
+          <p:cNvPr id="5122" name="Picture 2" descr="Firmware extraction from SPI flash - HACKLIDO">
+            <a:extLst>
+              <a:ext uri="{FF2B5EF4-FFF2-40B4-BE49-F238E27FC236}">
+                <a16:creationId xmlns:a16="http://schemas.microsoft.com/office/drawing/2014/main" id="{8CDDEA1C-7B52-ADBF-22A0-F363DC566F0B}"/>
+              </a:ext>
+            </a:extLst>
+          </p:cNvPr>
+          <p:cNvPicPr>
+            <a:picLocks noChangeAspect="1" noChangeArrowheads="1"/>
+          </p:cNvPicPr>
+          <p:nvPr/>
+        </p:nvPicPr>
+        <p:blipFill rotWithShape="1">
+          <a:blip r:embed="rId4">
+            <a:extLst>
+              <a:ext uri="{28A0092B-C50C-407E-A947-70E740481C1C}">
+                <a14:useLocalDpi xmlns:a14="http://schemas.microsoft.com/office/drawing/2010/main" val="0"/>
+              </a:ext>
+            </a:extLst>
+          </a:blip>
+          <a:srcRect r="9739" b="48611"/>
+          <a:stretch>
+            <a:fillRect/>
+          </a:stretch>
+        </p:blipFill>
+        <p:spPr bwMode="auto">
+          <a:xfrm>
+            <a:off x="1057275" y="3095506"/>
+            <a:ext cx="10348428" cy="2288776"/>
+          </a:xfrm>
+          <a:prstGeom prst="rect">
+            <a:avLst/>
+          </a:prstGeom>
+          <a:noFill/>
+          <a:extLst>
+            <a:ext uri="{909E8E84-426E-40DD-AFC4-6F175D3DCCD1}">
+              <a14:hiddenFill xmlns:a14="http://schemas.microsoft.com/office/drawing/2010/main">
+                <a:solidFill>
+                  <a:srgbClr val="FFFFFF"/>
+                </a:solidFill>
+              </a14:hiddenFill>
+            </a:ext>
+          </a:extLst>
+        </p:spPr>
+      </p:pic>
+    </p:spTree>
+    <p:extLst>
+      <p:ext uri="{BB962C8B-B14F-4D97-AF65-F5344CB8AC3E}">
+        <p14:creationId xmlns:p14="http://schemas.microsoft.com/office/powerpoint/2010/main" val="1166735682"/>
+      </p:ext>
+    </p:extLst>
+  </p:cSld>
+  <p:clrMapOvr>
+    <a:masterClrMapping/>
+  </p:clrMapOvr>
+</p:sld>
+</file>
+
+<file path=ppt/slides/slide15.xml><?xml version="1.0" encoding="utf-8"?>
+<p:sld xmlns:a="http://schemas.openxmlformats.org/drawingml/2006/main" xmlns:r="http://schemas.openxmlformats.org/officeDocument/2006/relationships" xmlns:p="http://schemas.openxmlformats.org/presentationml/2006/main">
+  <p:cSld>
+    <p:spTree>
+      <p:nvGrpSpPr>
+        <p:cNvPr id="1" name="">
+          <a:extLst>
+            <a:ext uri="{FF2B5EF4-FFF2-40B4-BE49-F238E27FC236}">
+              <a16:creationId xmlns:a16="http://schemas.microsoft.com/office/drawing/2014/main" id="{920FBC84-DF3B-2C7A-A8BB-B6C5DA51289B}"/>
+            </a:ext>
+          </a:extLst>
+        </p:cNvPr>
+        <p:cNvGrpSpPr/>
+        <p:nvPr/>
+      </p:nvGrpSpPr>
+      <p:grpSpPr>
+        <a:xfrm>
+          <a:off x="0" y="0"/>
+          <a:ext cx="0" cy="0"/>
+          <a:chOff x="0" y="0"/>
+          <a:chExt cx="0" cy="0"/>
+        </a:xfrm>
+      </p:grpSpPr>
+      <p:sp>
+        <p:nvSpPr>
+          <p:cNvPr id="2" name="Title 1">
+            <a:extLst>
+              <a:ext uri="{FF2B5EF4-FFF2-40B4-BE49-F238E27FC236}">
+                <a16:creationId xmlns:a16="http://schemas.microsoft.com/office/drawing/2014/main" id="{B550B1C2-04CE-FB90-053B-5F024C25F9B9}"/>
+              </a:ext>
+            </a:extLst>
+          </p:cNvPr>
+          <p:cNvSpPr>
+            <a:spLocks noGrp="1"/>
+          </p:cNvSpPr>
+          <p:nvPr>
+            <p:ph type="title"/>
+          </p:nvPr>
+        </p:nvSpPr>
+        <p:spPr/>
+        <p:txBody>
+          <a:bodyPr/>
+          <a:lstStyle/>
+          <a:p>
+            <a:r>
+              <a:rPr lang="en-US" dirty="0"/>
+              <a:t>Step 4: Locate Diagnostic Ports</a:t>
+            </a:r>
+          </a:p>
+        </p:txBody>
+      </p:sp>
+      <p:sp>
+        <p:nvSpPr>
+          <p:cNvPr id="3" name="Content Placeholder 2">
+            <a:extLst>
+              <a:ext uri="{FF2B5EF4-FFF2-40B4-BE49-F238E27FC236}">
+                <a16:creationId xmlns:a16="http://schemas.microsoft.com/office/drawing/2014/main" id="{BD7BF99B-FA39-72DA-FB0F-0FEDDCEAF432}"/>
+              </a:ext>
+            </a:extLst>
+          </p:cNvPr>
+          <p:cNvSpPr>
+            <a:spLocks noGrp="1"/>
+          </p:cNvSpPr>
+          <p:nvPr>
+            <p:ph idx="1"/>
+          </p:nvPr>
+        </p:nvSpPr>
+        <p:spPr/>
+        <p:txBody>
+          <a:bodyPr/>
+          <a:lstStyle/>
+          <a:p>
+            <a:pPr marL="285750" indent="-285750">
+              <a:buFont typeface="Arial" panose="020B0604020202020204" pitchFamily="34" charset="0"/>
+              <a:buChar char="•"/>
+            </a:pPr>
+            <a:r>
+              <a:rPr lang="en-US" sz="2400" dirty="0"/>
+              <a:t>Common diagnostic/debug ports: JTAG, UART &amp; USB</a:t>
+            </a:r>
+          </a:p>
+          <a:p>
+            <a:pPr marL="285750" indent="-285750">
+              <a:buFont typeface="Arial" panose="020B0604020202020204" pitchFamily="34" charset="0"/>
+              <a:buChar char="•"/>
+            </a:pPr>
+            <a:r>
+              <a:rPr lang="en-US" sz="2400" dirty="0"/>
+              <a:t>These may allow direct access to memory or system logs.</a:t>
+            </a:r>
+          </a:p>
+          <a:p>
+            <a:pPr marL="285750" indent="-285750">
+              <a:buFont typeface="Arial" panose="020B0604020202020204" pitchFamily="34" charset="0"/>
+              <a:buChar char="•"/>
+            </a:pPr>
+            <a:r>
+              <a:rPr lang="en-US" sz="2400" b="1" dirty="0"/>
+              <a:t>USB - B Socket: </a:t>
+            </a:r>
+            <a:r>
+              <a:rPr lang="en-US" sz="2400" dirty="0"/>
+              <a:t>The USB socket on the UNO has two functions. One is for communication, to load the firmware into the Arduino with the help of the bootloader. The second is to power the Arduino. </a:t>
+            </a:r>
+          </a:p>
+          <a:p>
+            <a:pPr marL="285750" indent="-285750">
+              <a:buFont typeface="Arial" panose="020B0604020202020204" pitchFamily="34" charset="0"/>
+              <a:buChar char="•"/>
+            </a:pPr>
+            <a:endParaRPr lang="en-US" dirty="0"/>
+          </a:p>
+        </p:txBody>
+      </p:sp>
+      <p:sp>
+        <p:nvSpPr>
+          <p:cNvPr id="4" name="Slide Number Placeholder 3">
+            <a:extLst>
+              <a:ext uri="{FF2B5EF4-FFF2-40B4-BE49-F238E27FC236}">
+                <a16:creationId xmlns:a16="http://schemas.microsoft.com/office/drawing/2014/main" id="{BAC26474-2DE4-30D0-844F-8E9985A2A602}"/>
+              </a:ext>
+            </a:extLst>
+          </p:cNvPr>
+          <p:cNvSpPr>
+            <a:spLocks noGrp="1"/>
+          </p:cNvSpPr>
+          <p:nvPr>
+            <p:ph type="sldNum" sz="quarter" idx="4"/>
+          </p:nvPr>
+        </p:nvSpPr>
+        <p:spPr/>
+        <p:txBody>
+          <a:bodyPr/>
+          <a:lstStyle/>
+          <a:p>
+            <a:fld id="{A49DFD55-3C28-40EF-9E31-A92D2E4017FF}" type="slidenum">
+              <a:rPr lang="en-US" smtClean="0"/>
+              <a:pPr/>
+              <a:t>15</a:t>
+            </a:fld>
+            <a:endParaRPr lang="en-US" dirty="0"/>
+          </a:p>
+        </p:txBody>
+      </p:sp>
+      <p:pic>
+        <p:nvPicPr>
+          <p:cNvPr id="6148" name="Picture 4" descr="The A, B, C of USB for Beginners – EEJournal">
+            <a:extLst>
+              <a:ext uri="{FF2B5EF4-FFF2-40B4-BE49-F238E27FC236}">
+                <a16:creationId xmlns:a16="http://schemas.microsoft.com/office/drawing/2014/main" id="{2C31BEE2-6B27-D8FA-0878-3828A13510A0}"/>
+              </a:ext>
+            </a:extLst>
+          </p:cNvPr>
+          <p:cNvPicPr>
+            <a:picLocks noChangeAspect="1" noChangeArrowheads="1"/>
+          </p:cNvPicPr>
+          <p:nvPr/>
+        </p:nvPicPr>
+        <p:blipFill rotWithShape="1">
+          <a:blip r:embed="rId3">
+            <a:extLst>
+              <a:ext uri="{28A0092B-C50C-407E-A947-70E740481C1C}">
+                <a14:useLocalDpi xmlns:a14="http://schemas.microsoft.com/office/drawing/2010/main" val="0"/>
+              </a:ext>
+            </a:extLst>
+          </a:blip>
+          <a:srcRect b="26685"/>
+          <a:stretch>
+            <a:fillRect/>
+          </a:stretch>
+        </p:blipFill>
+        <p:spPr bwMode="auto">
+          <a:xfrm>
+            <a:off x="381001" y="4634502"/>
+            <a:ext cx="6506496" cy="2086973"/>
+          </a:xfrm>
+          <a:prstGeom prst="rect">
+            <a:avLst/>
+          </a:prstGeom>
+          <a:noFill/>
+          <a:extLst>
+            <a:ext uri="{909E8E84-426E-40DD-AFC4-6F175D3DCCD1}">
+              <a14:hiddenFill xmlns:a14="http://schemas.microsoft.com/office/drawing/2010/main">
+                <a:solidFill>
+                  <a:srgbClr val="FFFFFF"/>
+                </a:solidFill>
+              </a14:hiddenFill>
+            </a:ext>
+          </a:extLst>
+        </p:spPr>
+      </p:pic>
+    </p:spTree>
+    <p:extLst>
+      <p:ext uri="{BB962C8B-B14F-4D97-AF65-F5344CB8AC3E}">
+        <p14:creationId xmlns:p14="http://schemas.microsoft.com/office/powerpoint/2010/main" val="343498718"/>
+      </p:ext>
+    </p:extLst>
+  </p:cSld>
+  <p:clrMapOvr>
+    <a:masterClrMapping/>
+  </p:clrMapOvr>
+</p:sld>
+</file>
+
+<file path=ppt/slides/slide16.xml><?xml version="1.0" encoding="utf-8"?>
+<p:sld xmlns:a="http://schemas.openxmlformats.org/drawingml/2006/main" xmlns:r="http://schemas.openxmlformats.org/officeDocument/2006/relationships" xmlns:p="http://schemas.openxmlformats.org/presentationml/2006/main">
+  <p:cSld>
+    <p:spTree>
+      <p:nvGrpSpPr>
+        <p:cNvPr id="1" name="">
+          <a:extLst>
+            <a:ext uri="{FF2B5EF4-FFF2-40B4-BE49-F238E27FC236}">
+              <a16:creationId xmlns:a16="http://schemas.microsoft.com/office/drawing/2014/main" id="{08C2877B-2630-9951-D71E-94358F643738}"/>
+            </a:ext>
+          </a:extLst>
+        </p:cNvPr>
+        <p:cNvGrpSpPr/>
+        <p:nvPr/>
+      </p:nvGrpSpPr>
+      <p:grpSpPr>
+        <a:xfrm>
+          <a:off x="0" y="0"/>
+          <a:ext cx="0" cy="0"/>
+          <a:chOff x="0" y="0"/>
+          <a:chExt cx="0" cy="0"/>
+        </a:xfrm>
+      </p:grpSpPr>
+      <p:sp>
+        <p:nvSpPr>
+          <p:cNvPr id="2" name="Title 1">
+            <a:extLst>
+              <a:ext uri="{FF2B5EF4-FFF2-40B4-BE49-F238E27FC236}">
+                <a16:creationId xmlns:a16="http://schemas.microsoft.com/office/drawing/2014/main" id="{6FE9DE93-3934-8305-4323-7C6A32DACDCC}"/>
+              </a:ext>
+            </a:extLst>
+          </p:cNvPr>
+          <p:cNvSpPr>
+            <a:spLocks noGrp="1"/>
+          </p:cNvSpPr>
+          <p:nvPr>
+            <p:ph type="title"/>
+          </p:nvPr>
+        </p:nvSpPr>
+        <p:spPr>
+          <a:xfrm>
+            <a:off x="1158864" y="102021"/>
+            <a:ext cx="9779183" cy="1744415"/>
+          </a:xfrm>
+        </p:spPr>
+        <p:txBody>
+          <a:bodyPr anchor="b">
+            <a:normAutofit/>
+          </a:bodyPr>
+          <a:lstStyle/>
+          <a:p>
+            <a:r>
+              <a:rPr lang="en-US" dirty="0"/>
+              <a:t>Step 5: Dump and Analyze Flash</a:t>
+            </a:r>
+          </a:p>
+        </p:txBody>
+      </p:sp>
+      <p:graphicFrame>
+        <p:nvGraphicFramePr>
+          <p:cNvPr id="6" name="Content Placeholder 2">
+            <a:extLst>
+              <a:ext uri="{FF2B5EF4-FFF2-40B4-BE49-F238E27FC236}">
+                <a16:creationId xmlns:a16="http://schemas.microsoft.com/office/drawing/2014/main" id="{B3AC64E3-8B76-6A41-7B5E-CE3961340218}"/>
+              </a:ext>
+            </a:extLst>
+          </p:cNvPr>
+          <p:cNvGraphicFramePr>
+            <a:graphicFrameLocks noGrp="1"/>
+          </p:cNvGraphicFramePr>
+          <p:nvPr>
+            <p:ph idx="1"/>
+            <p:extLst>
+              <p:ext uri="{D42A27DB-BD31-4B8C-83A1-F6EECF244321}">
+                <p14:modId xmlns:p14="http://schemas.microsoft.com/office/powerpoint/2010/main" val="88521048"/>
+              </p:ext>
+            </p:extLst>
+          </p:nvPr>
+        </p:nvGraphicFramePr>
+        <p:xfrm>
+          <a:off x="358877" y="1754570"/>
+          <a:ext cx="11474245" cy="4014623"/>
+        </p:xfrm>
+        <a:graphic>
+          <a:graphicData uri="http://schemas.openxmlformats.org/drawingml/2006/diagram">
+            <dgm:relIds xmlns:dgm="http://schemas.openxmlformats.org/drawingml/2006/diagram" xmlns:r="http://schemas.openxmlformats.org/officeDocument/2006/relationships" r:dm="rId3" r:lo="rId4" r:qs="rId5" r:cs="rId6"/>
+          </a:graphicData>
+        </a:graphic>
+      </p:graphicFrame>
+      <p:sp>
+        <p:nvSpPr>
+          <p:cNvPr id="4" name="Slide Number Placeholder 3" hidden="1">
+            <a:extLst>
+              <a:ext uri="{FF2B5EF4-FFF2-40B4-BE49-F238E27FC236}">
+                <a16:creationId xmlns:a16="http://schemas.microsoft.com/office/drawing/2014/main" id="{319BF303-199D-7199-0051-F766725CD16D}"/>
+              </a:ext>
+            </a:extLst>
+          </p:cNvPr>
+          <p:cNvSpPr>
+            <a:spLocks noGrp="1"/>
+          </p:cNvSpPr>
+          <p:nvPr>
+            <p:ph type="sldNum" sz="quarter" idx="4"/>
+          </p:nvPr>
+        </p:nvSpPr>
+        <p:spPr/>
+        <p:txBody>
+          <a:bodyPr/>
+          <a:lstStyle/>
+          <a:p>
+            <a:pPr>
+              <a:spcAft>
+                <a:spcPts val="600"/>
+              </a:spcAft>
+            </a:pPr>
+            <a:fld id="{A49DFD55-3C28-40EF-9E31-A92D2E4017FF}" type="slidenum">
+              <a:rPr lang="en-US" smtClean="0"/>
+              <a:pPr>
+                <a:spcAft>
+                  <a:spcPts val="600"/>
+                </a:spcAft>
+              </a:pPr>
+              <a:t>16</a:t>
+            </a:fld>
+            <a:endParaRPr lang="en-US"/>
+          </a:p>
+        </p:txBody>
+      </p:sp>
+    </p:spTree>
+    <p:extLst>
+      <p:ext uri="{BB962C8B-B14F-4D97-AF65-F5344CB8AC3E}">
+        <p14:creationId xmlns:p14="http://schemas.microsoft.com/office/powerpoint/2010/main" val="3802281674"/>
       </p:ext>
     </p:extLst>
   </p:cSld>
@@ -13647,7 +17806,7 @@
             </a:r>
             <a:r>
               <a:rPr lang="en-US" sz="1100" dirty="0">
-                <a:hlinkClick r:id="rId2"/>
+                <a:hlinkClick r:id="rId3"/>
               </a:rPr>
               <a:t>https://www.law.cornell.edu/wex/reverse_engineering</a:t>
             </a:r>
@@ -13707,7 +17866,12 @@
             <p:ph type="title"/>
           </p:nvPr>
         </p:nvSpPr>
-        <p:spPr/>
+        <p:spPr>
+          <a:xfrm>
+            <a:off x="1158864" y="102021"/>
+            <a:ext cx="10020413" cy="1744415"/>
+          </a:xfrm>
+        </p:spPr>
         <p:txBody>
           <a:bodyPr/>
           <a:lstStyle/>
@@ -13735,15 +17899,16 @@
             <p:ph idx="1"/>
           </p:nvPr>
         </p:nvSpPr>
-        <p:spPr/>
+        <p:spPr>
+          <a:xfrm>
+            <a:off x="1158865" y="2017467"/>
+            <a:ext cx="4076812" cy="3366815"/>
+          </a:xfrm>
+        </p:spPr>
         <p:txBody>
           <a:bodyPr/>
           <a:lstStyle/>
           <a:p>
-            <a:pPr marL="285750" indent="-285750">
-              <a:buFont typeface="Arial" panose="020B0604020202020204" pitchFamily="34" charset="0"/>
-              <a:buChar char="•"/>
-            </a:pPr>
             <a:r>
               <a:rPr lang="en-US" dirty="0"/>
               <a:t>Collect all available artifacts: executables, binaries, config files, logs, firmware dumps, and any relevant documentation.</a:t>
@@ -13781,6 +17946,36 @@
           </a:p>
         </p:txBody>
       </p:sp>
+      <p:pic>
+        <p:nvPicPr>
+          <p:cNvPr id="6" name="Picture 5">
+            <a:extLst>
+              <a:ext uri="{FF2B5EF4-FFF2-40B4-BE49-F238E27FC236}">
+                <a16:creationId xmlns:a16="http://schemas.microsoft.com/office/drawing/2014/main" id="{88BDE986-1E5B-CB8F-9F02-619037503FD5}"/>
+              </a:ext>
+            </a:extLst>
+          </p:cNvPr>
+          <p:cNvPicPr>
+            <a:picLocks noChangeAspect="1"/>
+          </p:cNvPicPr>
+          <p:nvPr/>
+        </p:nvPicPr>
+        <p:blipFill>
+          <a:blip r:embed="rId3"/>
+          <a:stretch>
+            <a:fillRect/>
+          </a:stretch>
+        </p:blipFill>
+        <p:spPr>
+          <a:xfrm>
+            <a:off x="5459616" y="2204123"/>
+            <a:ext cx="5345540" cy="2993502"/>
+          </a:xfrm>
+          <a:prstGeom prst="rect">
+            <a:avLst/>
+          </a:prstGeom>
+        </p:spPr>
+      </p:pic>
     </p:spTree>
     <p:extLst>
       <p:ext uri="{BB962C8B-B14F-4D97-AF65-F5344CB8AC3E}">
@@ -13840,13 +18035,8 @@
           <a:p>
             <a:r>
               <a:rPr lang="en-US" dirty="0"/>
-              <a:t>Step 2: Disassembly or </a:t>
-            </a:r>
-            <a:r>
-              <a:rPr lang="en-US" dirty="0" err="1"/>
-              <a:t>Decompilation</a:t>
-            </a:r>
-            <a:endParaRPr lang="en-US" dirty="0"/>
+              <a:t>Step 2: Disassembly or Decompilation</a:t>
+            </a:r>
           </a:p>
         </p:txBody>
       </p:sp>
@@ -13866,10 +18056,15 @@
             <p:ph idx="1"/>
           </p:nvPr>
         </p:nvSpPr>
-        <p:spPr/>
+        <p:spPr>
+          <a:xfrm>
+            <a:off x="5968092" y="2023984"/>
+            <a:ext cx="4663440" cy="3332832"/>
+          </a:xfrm>
+        </p:spPr>
         <p:txBody>
           <a:bodyPr>
-            <a:normAutofit/>
+            <a:noAutofit/>
           </a:bodyPr>
           <a:lstStyle/>
           <a:p>
@@ -13878,8 +18073,8 @@
               <a:buChar char="•"/>
             </a:pPr>
             <a:r>
-              <a:rPr lang="en-US" dirty="0"/>
-              <a:t>Disassembly: Converts machine code into assembly (low-level but readable).</a:t>
+              <a:rPr lang="en-US" sz="2600" dirty="0"/>
+              <a:t>Disassembly: Converts machine code to readable assembly.</a:t>
             </a:r>
           </a:p>
           <a:p>
@@ -13888,12 +18083,8 @@
               <a:buChar char="•"/>
             </a:pPr>
             <a:r>
-              <a:rPr lang="en-US" dirty="0" err="1"/>
-              <a:t>Decompilation</a:t>
-            </a:r>
-            <a:r>
-              <a:rPr lang="en-US" dirty="0"/>
-              <a:t>: Attempts to recover a high-level source-like representation (e.g., C).</a:t>
+              <a:rPr lang="en-US" sz="2600" dirty="0"/>
+              <a:t>Decompilation: Translates low-level code into C-like source.</a:t>
             </a:r>
           </a:p>
           <a:p>
@@ -13902,15 +18093,15 @@
               <a:buChar char="•"/>
             </a:pPr>
             <a:r>
-              <a:rPr lang="en-US" dirty="0"/>
+              <a:rPr lang="en-US" sz="2600" dirty="0"/>
               <a:t>Tools: </a:t>
             </a:r>
             <a:r>
-              <a:rPr lang="en-US" dirty="0" err="1"/>
+              <a:rPr lang="en-US" sz="2600" dirty="0" err="1"/>
               <a:t>Ghidra</a:t>
             </a:r>
             <a:r>
-              <a:rPr lang="en-US" dirty="0"/>
+              <a:rPr lang="en-US" sz="2600" dirty="0"/>
               <a:t>, IDA Pro, Radare2, Hopper.</a:t>
             </a:r>
           </a:p>
@@ -13946,6 +18137,53 @@
           </a:p>
         </p:txBody>
       </p:sp>
+      <p:pic>
+        <p:nvPicPr>
+          <p:cNvPr id="2060" name="Picture 12" descr="👁️👁️ #assembly #programmer #codingmeme #programminglife #meme">
+            <a:extLst>
+              <a:ext uri="{FF2B5EF4-FFF2-40B4-BE49-F238E27FC236}">
+                <a16:creationId xmlns:a16="http://schemas.microsoft.com/office/drawing/2014/main" id="{09265B0C-6C7E-B78B-C99B-3057A5232EDF}"/>
+              </a:ext>
+            </a:extLst>
+          </p:cNvPr>
+          <p:cNvPicPr>
+            <a:picLocks noChangeAspect="1" noChangeArrowheads="1"/>
+          </p:cNvPicPr>
+          <p:nvPr/>
+        </p:nvPicPr>
+        <p:blipFill>
+          <a:blip r:embed="rId3">
+            <a:extLst>
+              <a:ext uri="{28A0092B-C50C-407E-A947-70E740481C1C}">
+                <a14:useLocalDpi xmlns:a14="http://schemas.microsoft.com/office/drawing/2010/main" val="0"/>
+              </a:ext>
+            </a:extLst>
+          </a:blip>
+          <a:srcRect/>
+          <a:stretch>
+            <a:fillRect/>
+          </a:stretch>
+        </p:blipFill>
+        <p:spPr bwMode="auto">
+          <a:xfrm>
+            <a:off x="1485428" y="2053480"/>
+            <a:ext cx="3606834" cy="4504057"/>
+          </a:xfrm>
+          <a:prstGeom prst="rect">
+            <a:avLst/>
+          </a:prstGeom>
+          <a:noFill/>
+          <a:extLst>
+            <a:ext uri="{909E8E84-426E-40DD-AFC4-6F175D3DCCD1}">
+              <a14:hiddenFill xmlns:a14="http://schemas.microsoft.com/office/drawing/2010/main">
+                <a:solidFill>
+                  <a:srgbClr val="FFFFFF"/>
+                </a:solidFill>
+              </a14:hiddenFill>
+            </a:ext>
+          </a:extLst>
+        </p:spPr>
+      </p:pic>
     </p:spTree>
     <p:extLst>
       <p:ext uri="{BB962C8B-B14F-4D97-AF65-F5344CB8AC3E}">
@@ -14059,7 +18297,7 @@
             </a:pPr>
             <a:r>
               <a:rPr lang="en-US" dirty="0"/>
-              <a:t>Intern on the Reverse Engineering team @ JHU APL</a:t>
+              <a:t>Intern, Reverse Engineering team @ JHU APL</a:t>
             </a:r>
           </a:p>
           <a:p>
@@ -14069,7 +18307,7 @@
             </a:pPr>
             <a:r>
               <a:rPr lang="en-US" dirty="0"/>
-              <a:t>Researching post-quantum cryptography + side-channel attacks</a:t>
+              <a:t>Research: post-quantum cryptography, side-channel attacks, cybersecurity &amp; ML.</a:t>
             </a:r>
           </a:p>
           <a:p>
@@ -14079,7 +18317,7 @@
             </a:pPr>
             <a:r>
               <a:rPr lang="en-US" dirty="0"/>
-              <a:t>Interests: Anime, Animal Crossing, Sims, Shopping</a:t>
+              <a:t>Interests: Painting, Anime, Animal Crossing, Sims, Shopping</a:t>
             </a:r>
           </a:p>
         </p:txBody>
@@ -14460,7 +18698,12 @@
             <p:ph type="title"/>
           </p:nvPr>
         </p:nvSpPr>
-        <p:spPr/>
+        <p:spPr>
+          <a:xfrm>
+            <a:off x="1158864" y="102021"/>
+            <a:ext cx="5749623" cy="1744415"/>
+          </a:xfrm>
+        </p:spPr>
         <p:txBody>
           <a:bodyPr/>
           <a:lstStyle/>
@@ -14488,7 +18731,12 @@
             <p:ph idx="1"/>
           </p:nvPr>
         </p:nvSpPr>
-        <p:spPr/>
+        <p:spPr>
+          <a:xfrm>
+            <a:off x="1158865" y="2017467"/>
+            <a:ext cx="5749622" cy="3366815"/>
+          </a:xfrm>
+        </p:spPr>
         <p:txBody>
           <a:bodyPr/>
           <a:lstStyle/>
@@ -14544,6 +18792,53 @@
           </a:p>
         </p:txBody>
       </p:sp>
+      <p:pic>
+        <p:nvPicPr>
+          <p:cNvPr id="4098" name="Picture 2" descr="Documentation : r/ProgrammerHumor">
+            <a:extLst>
+              <a:ext uri="{FF2B5EF4-FFF2-40B4-BE49-F238E27FC236}">
+                <a16:creationId xmlns:a16="http://schemas.microsoft.com/office/drawing/2014/main" id="{8E8A1BFD-F7D9-BC84-FFA3-9627D25524CA}"/>
+              </a:ext>
+            </a:extLst>
+          </p:cNvPr>
+          <p:cNvPicPr>
+            <a:picLocks noChangeAspect="1" noChangeArrowheads="1"/>
+          </p:cNvPicPr>
+          <p:nvPr/>
+        </p:nvPicPr>
+        <p:blipFill>
+          <a:blip r:embed="rId2">
+            <a:extLst>
+              <a:ext uri="{28A0092B-C50C-407E-A947-70E740481C1C}">
+                <a14:useLocalDpi xmlns:a14="http://schemas.microsoft.com/office/drawing/2010/main" val="0"/>
+              </a:ext>
+            </a:extLst>
+          </a:blip>
+          <a:srcRect/>
+          <a:stretch>
+            <a:fillRect/>
+          </a:stretch>
+        </p:blipFill>
+        <p:spPr bwMode="auto">
+          <a:xfrm>
+            <a:off x="6908487" y="0"/>
+            <a:ext cx="5283513" cy="6858000"/>
+          </a:xfrm>
+          <a:prstGeom prst="rect">
+            <a:avLst/>
+          </a:prstGeom>
+          <a:noFill/>
+          <a:extLst>
+            <a:ext uri="{909E8E84-426E-40DD-AFC4-6F175D3DCCD1}">
+              <a14:hiddenFill xmlns:a14="http://schemas.microsoft.com/office/drawing/2010/main">
+                <a:solidFill>
+                  <a:srgbClr val="FFFFFF"/>
+                </a:solidFill>
+              </a14:hiddenFill>
+            </a:ext>
+          </a:extLst>
+        </p:spPr>
+      </p:pic>
     </p:spTree>
     <p:extLst>
       <p:ext uri="{BB962C8B-B14F-4D97-AF65-F5344CB8AC3E}">
@@ -14646,17 +18941,53 @@
               <a:buAutoNum type="arabicPeriod"/>
             </a:pPr>
             <a:r>
-              <a:rPr lang="en-US" sz="2400" dirty="0"/>
-              <a:t>Go to my repo: </a:t>
-            </a:r>
-            <a:r>
-              <a:rPr lang="en-US" sz="2400" dirty="0">
+              <a:rPr lang="en-US" sz="2200" dirty="0"/>
+              <a:t>Flash the provided .</a:t>
+            </a:r>
+            <a:r>
+              <a:rPr lang="en-US" sz="2200" dirty="0" err="1"/>
+              <a:t>ino</a:t>
+            </a:r>
+            <a:r>
+              <a:rPr lang="en-US" sz="2200" dirty="0"/>
+              <a:t> file to your Arduino board using the Arduino Web Editor. Go to my repo: </a:t>
+            </a:r>
+            <a:r>
+              <a:rPr lang="en-US" sz="2200" dirty="0">
                 <a:hlinkClick r:id="rId3"/>
               </a:rPr>
               <a:t>https://github.com/syd-kiwi/re-arduino-uno</a:t>
             </a:r>
             <a:r>
-              <a:rPr lang="en-US" sz="2400" dirty="0"/>
+              <a:rPr lang="en-US" sz="2200" dirty="0"/>
+              <a:t> &amp; Download Arduino-</a:t>
+            </a:r>
+            <a:r>
+              <a:rPr lang="en-US" sz="2200" dirty="0" err="1"/>
+              <a:t>test.ino</a:t>
+            </a:r>
+            <a:r>
+              <a:rPr lang="en-US" sz="2200" dirty="0"/>
+              <a:t> file</a:t>
+            </a:r>
+          </a:p>
+          <a:p>
+            <a:pPr marL="514350" indent="-514350">
+              <a:buFont typeface="+mj-lt"/>
+              <a:buAutoNum type="arabicPeriod"/>
+            </a:pPr>
+            <a:r>
+              <a:rPr lang="en-US" sz="2200" dirty="0"/>
+              <a:t>Open </a:t>
+            </a:r>
+            <a:r>
+              <a:rPr lang="en-US" sz="2200" dirty="0">
+                <a:hlinkClick r:id="rId4"/>
+              </a:rPr>
+              <a:t>https://cloud.arduino.cc/</a:t>
+            </a:r>
+            <a:r>
+              <a:rPr lang="en-US" sz="2200" dirty="0"/>
               <a:t> </a:t>
             </a:r>
           </a:p>
@@ -14666,36 +18997,8 @@
               <a:buChar char="•"/>
             </a:pPr>
             <a:r>
-              <a:rPr lang="en-US" dirty="0"/>
-              <a:t>Download Arduino-</a:t>
-            </a:r>
-            <a:r>
-              <a:rPr lang="en-US" dirty="0" err="1"/>
-              <a:t>test.ino</a:t>
-            </a:r>
-            <a:r>
-              <a:rPr lang="en-US" dirty="0"/>
-              <a:t> file</a:t>
-            </a:r>
-          </a:p>
-          <a:p>
-            <a:pPr marL="514350" indent="-514350">
-              <a:buFont typeface="+mj-lt"/>
-              <a:buAutoNum type="arabicPeriod"/>
-            </a:pPr>
-            <a:r>
-              <a:rPr lang="en-US" sz="2400" dirty="0"/>
-              <a:t>Open </a:t>
-            </a:r>
-            <a:r>
-              <a:rPr lang="en-US" sz="2400" dirty="0">
-                <a:hlinkClick r:id="rId4"/>
-              </a:rPr>
-              <a:t>https://cloud.arduino.cc/</a:t>
-            </a:r>
-            <a:r>
-              <a:rPr lang="en-US" sz="2400" dirty="0"/>
-              <a:t> </a:t>
+              <a:rPr lang="en-US" sz="2200" dirty="0"/>
+              <a:t>Select Get Started Free &gt; Create Account</a:t>
             </a:r>
           </a:p>
           <a:p>
@@ -14704,8 +19007,8 @@
               <a:buChar char="•"/>
             </a:pPr>
             <a:r>
-              <a:rPr lang="en-US" dirty="0"/>
-              <a:t>Select Get Started Free &gt; Create Account</a:t>
+              <a:rPr lang="en-US" sz="2200" dirty="0"/>
+              <a:t>Create New &gt; Sketch</a:t>
             </a:r>
           </a:p>
           <a:p>
@@ -14714,9 +19017,14 @@
               <a:buChar char="•"/>
             </a:pPr>
             <a:r>
-              <a:rPr lang="en-US" dirty="0"/>
-              <a:t>Create New &gt; Sketch</a:t>
-            </a:r>
+              <a:rPr lang="en-US" sz="2200" dirty="0"/>
+              <a:t>File &gt; Add &gt; Import File &gt; Arduino-</a:t>
+            </a:r>
+            <a:r>
+              <a:rPr lang="en-US" sz="2200" dirty="0" err="1"/>
+              <a:t>test.ino</a:t>
+            </a:r>
+            <a:endParaRPr lang="en-US" sz="2200" dirty="0"/>
           </a:p>
           <a:p>
             <a:pPr marL="971550" lvl="1" indent="-514350">
@@ -14724,14 +19032,9 @@
               <a:buChar char="•"/>
             </a:pPr>
             <a:r>
-              <a:rPr lang="en-US" dirty="0"/>
-              <a:t>File &gt; Add &gt; Import File &gt; Arduino-</a:t>
-            </a:r>
-            <a:r>
-              <a:rPr lang="en-US" dirty="0" err="1"/>
-              <a:t>test.ino</a:t>
-            </a:r>
-            <a:endParaRPr lang="en-US" dirty="0"/>
+              <a:rPr lang="en-US" sz="2200" dirty="0"/>
+              <a:t>Plug in the board to your computer</a:t>
+            </a:r>
           </a:p>
           <a:p>
             <a:pPr marL="971550" lvl="1" indent="-514350">
@@ -14739,17 +19042,7 @@
               <a:buChar char="•"/>
             </a:pPr>
             <a:r>
-              <a:rPr lang="en-US" dirty="0"/>
-              <a:t>Plug in the board to your computer</a:t>
-            </a:r>
-          </a:p>
-          <a:p>
-            <a:pPr marL="971550" lvl="1" indent="-514350">
-              <a:buFont typeface="Arial" panose="020B0604020202020204" pitchFamily="34" charset="0"/>
-              <a:buChar char="•"/>
-            </a:pPr>
-            <a:r>
-              <a:rPr lang="en-US" dirty="0"/>
+              <a:rPr lang="en-US" sz="2200" dirty="0"/>
               <a:t>Select Device &gt; Compile with Check Box &gt; Flash with Arrow</a:t>
             </a:r>
           </a:p>
@@ -15061,86 +19354,6 @@
       </p:grpSpPr>
       <p:sp>
         <p:nvSpPr>
-          <p:cNvPr id="2" name="Title 1">
-            <a:extLst>
-              <a:ext uri="{FF2B5EF4-FFF2-40B4-BE49-F238E27FC236}">
-                <a16:creationId xmlns:a16="http://schemas.microsoft.com/office/drawing/2014/main" id="{F6879796-9060-222D-042F-B2C8BAF40355}"/>
-              </a:ext>
-            </a:extLst>
-          </p:cNvPr>
-          <p:cNvSpPr>
-            <a:spLocks noGrp="1"/>
-          </p:cNvSpPr>
-          <p:nvPr>
-            <p:ph type="title"/>
-          </p:nvPr>
-        </p:nvSpPr>
-        <p:spPr/>
-        <p:txBody>
-          <a:bodyPr/>
-          <a:lstStyle/>
-          <a:p>
-            <a:endParaRPr lang="en-US"/>
-          </a:p>
-        </p:txBody>
-      </p:sp>
-      <p:sp>
-        <p:nvSpPr>
-          <p:cNvPr id="3" name="Content Placeholder 2">
-            <a:extLst>
-              <a:ext uri="{FF2B5EF4-FFF2-40B4-BE49-F238E27FC236}">
-                <a16:creationId xmlns:a16="http://schemas.microsoft.com/office/drawing/2014/main" id="{15788B0B-649B-B3F6-8521-39C2BC12AC5A}"/>
-              </a:ext>
-            </a:extLst>
-          </p:cNvPr>
-          <p:cNvSpPr>
-            <a:spLocks noGrp="1"/>
-          </p:cNvSpPr>
-          <p:nvPr>
-            <p:ph idx="1"/>
-          </p:nvPr>
-        </p:nvSpPr>
-        <p:spPr/>
-        <p:txBody>
-          <a:bodyPr/>
-          <a:lstStyle/>
-          <a:p>
-            <a:endParaRPr lang="en-US"/>
-          </a:p>
-        </p:txBody>
-      </p:sp>
-    </p:spTree>
-    <p:extLst>
-      <p:ext uri="{BB962C8B-B14F-4D97-AF65-F5344CB8AC3E}">
-        <p14:creationId xmlns:p14="http://schemas.microsoft.com/office/powerpoint/2010/main" val="2088738412"/>
-      </p:ext>
-    </p:extLst>
-  </p:cSld>
-  <p:clrMapOvr>
-    <a:masterClrMapping/>
-  </p:clrMapOvr>
-</p:sld>
-</file>
-
-<file path=ppt/slides/slide27.xml><?xml version="1.0" encoding="utf-8"?>
-<p:sld xmlns:a="http://schemas.openxmlformats.org/drawingml/2006/main" xmlns:r="http://schemas.openxmlformats.org/officeDocument/2006/relationships" xmlns:p="http://schemas.openxmlformats.org/presentationml/2006/main">
-  <p:cSld>
-    <p:spTree>
-      <p:nvGrpSpPr>
-        <p:cNvPr id="1" name=""/>
-        <p:cNvGrpSpPr/>
-        <p:nvPr/>
-      </p:nvGrpSpPr>
-      <p:grpSpPr>
-        <a:xfrm>
-          <a:off x="0" y="0"/>
-          <a:ext cx="0" cy="0"/>
-          <a:chOff x="0" y="0"/>
-          <a:chExt cx="0" cy="0"/>
-        </a:xfrm>
-      </p:grpSpPr>
-      <p:sp>
-        <p:nvSpPr>
           <p:cNvPr id="6" name="Title 5">
             <a:extLst>
               <a:ext uri="{FF2B5EF4-FFF2-40B4-BE49-F238E27FC236}">
@@ -15191,7 +19404,7 @@
         </p:spPr>
         <p:txBody>
           <a:bodyPr>
-            <a:normAutofit lnSpcReduction="10000"/>
+            <a:normAutofit/>
           </a:bodyPr>
           <a:lstStyle/>
           <a:p>
@@ -15235,16 +19448,6 @@
             <a:r>
               <a:rPr lang="en-US" dirty="0"/>
               <a:t>Practice makes patterns — the more you reverse, the more familiar code and circuit behaviors will become.</a:t>
-            </a:r>
-          </a:p>
-          <a:p>
-            <a:pPr marL="514350" indent="-514350">
-              <a:buFont typeface="Arial" panose="020B0604020202020204" pitchFamily="34" charset="0"/>
-              <a:buAutoNum type="arabicPeriod"/>
-            </a:pPr>
-            <a:r>
-              <a:rPr lang="en-US" dirty="0"/>
-              <a:t>Document, document, document …. your process. </a:t>
             </a:r>
           </a:p>
         </p:txBody>
@@ -15253,6 +19456,174 @@
     <p:extLst>
       <p:ext uri="{BB962C8B-B14F-4D97-AF65-F5344CB8AC3E}">
         <p14:creationId xmlns:p14="http://schemas.microsoft.com/office/powerpoint/2010/main" val="4045873462"/>
+      </p:ext>
+    </p:extLst>
+  </p:cSld>
+  <p:clrMapOvr>
+    <a:masterClrMapping/>
+  </p:clrMapOvr>
+</p:sld>
+</file>
+
+<file path=ppt/slides/slide27.xml><?xml version="1.0" encoding="utf-8"?>
+<p:sld xmlns:a="http://schemas.openxmlformats.org/drawingml/2006/main" xmlns:r="http://schemas.openxmlformats.org/officeDocument/2006/relationships" xmlns:p="http://schemas.openxmlformats.org/presentationml/2006/main">
+  <p:cSld>
+    <p:spTree>
+      <p:nvGrpSpPr>
+        <p:cNvPr id="1" name="">
+          <a:extLst>
+            <a:ext uri="{FF2B5EF4-FFF2-40B4-BE49-F238E27FC236}">
+              <a16:creationId xmlns:a16="http://schemas.microsoft.com/office/drawing/2014/main" id="{28BAF2BF-BA4B-A0A1-DA10-05CE19DA70B5}"/>
+            </a:ext>
+          </a:extLst>
+        </p:cNvPr>
+        <p:cNvGrpSpPr/>
+        <p:nvPr/>
+      </p:nvGrpSpPr>
+      <p:grpSpPr>
+        <a:xfrm>
+          <a:off x="0" y="0"/>
+          <a:ext cx="0" cy="0"/>
+          <a:chOff x="0" y="0"/>
+          <a:chExt cx="0" cy="0"/>
+        </a:xfrm>
+      </p:grpSpPr>
+      <p:sp>
+        <p:nvSpPr>
+          <p:cNvPr id="6" name="Title 5">
+            <a:extLst>
+              <a:ext uri="{FF2B5EF4-FFF2-40B4-BE49-F238E27FC236}">
+                <a16:creationId xmlns:a16="http://schemas.microsoft.com/office/drawing/2014/main" id="{4AA43C32-A4C4-B5B5-8BD6-3F88245308ED}"/>
+              </a:ext>
+            </a:extLst>
+          </p:cNvPr>
+          <p:cNvSpPr>
+            <a:spLocks noGrp="1"/>
+          </p:cNvSpPr>
+          <p:nvPr>
+            <p:ph type="title"/>
+          </p:nvPr>
+        </p:nvSpPr>
+        <p:spPr/>
+        <p:txBody>
+          <a:bodyPr/>
+          <a:lstStyle/>
+          <a:p>
+            <a:r>
+              <a:rPr lang="en-US" dirty="0"/>
+              <a:t>Learning Resources</a:t>
+            </a:r>
+          </a:p>
+        </p:txBody>
+      </p:sp>
+      <p:sp>
+        <p:nvSpPr>
+          <p:cNvPr id="7" name="Content Placeholder 6">
+            <a:extLst>
+              <a:ext uri="{FF2B5EF4-FFF2-40B4-BE49-F238E27FC236}">
+                <a16:creationId xmlns:a16="http://schemas.microsoft.com/office/drawing/2014/main" id="{4170039E-5731-6302-D892-1D6DE38F5D44}"/>
+              </a:ext>
+            </a:extLst>
+          </p:cNvPr>
+          <p:cNvSpPr>
+            <a:spLocks noGrp="1"/>
+          </p:cNvSpPr>
+          <p:nvPr>
+            <p:ph idx="1"/>
+          </p:nvPr>
+        </p:nvSpPr>
+        <p:spPr>
+          <a:xfrm>
+            <a:off x="1158865" y="2017467"/>
+            <a:ext cx="9779182" cy="3449682"/>
+          </a:xfrm>
+        </p:spPr>
+        <p:txBody>
+          <a:bodyPr>
+            <a:normAutofit lnSpcReduction="10000"/>
+          </a:bodyPr>
+          <a:lstStyle/>
+          <a:p>
+            <a:pPr marL="514350" indent="-514350">
+              <a:buAutoNum type="arabicPeriod"/>
+            </a:pPr>
+            <a:r>
+              <a:rPr lang="en-US" b="1" dirty="0"/>
+              <a:t>x86/x64 Reversing Series by 0xInfection</a:t>
+            </a:r>
+            <a:br>
+              <a:rPr lang="en-US" dirty="0"/>
+            </a:br>
+            <a:r>
+              <a:rPr lang="en-US" dirty="0"/>
+              <a:t>🔗 </a:t>
+            </a:r>
+            <a:r>
+              <a:rPr lang="en-US" dirty="0">
+                <a:hlinkClick r:id="rId3"/>
+              </a:rPr>
+              <a:t>https://0xinfection.github.io/reversing/</a:t>
+            </a:r>
+            <a:br>
+              <a:rPr lang="en-US" dirty="0"/>
+            </a:br>
+            <a:r>
+              <a:rPr lang="en-US" dirty="0"/>
+              <a:t>Clean and modern blog-style walkthroughs on basic x86/x64 reversing, stack layout, function calls, and binary analysis using </a:t>
+            </a:r>
+            <a:r>
+              <a:rPr lang="en-US" dirty="0" err="1"/>
+              <a:t>Ghidra</a:t>
+            </a:r>
+            <a:r>
+              <a:rPr lang="en-US" dirty="0"/>
+              <a:t> and other tools.</a:t>
+            </a:r>
+          </a:p>
+          <a:p>
+            <a:pPr marL="514350" indent="-514350">
+              <a:buFont typeface="Arial" panose="020B0604020202020204" pitchFamily="34" charset="0"/>
+              <a:buAutoNum type="arabicPeriod"/>
+            </a:pPr>
+            <a:r>
+              <a:rPr lang="en-US" b="1" dirty="0"/>
+              <a:t>Getting Started With Reverse Engineering</a:t>
+            </a:r>
+            <a:br>
+              <a:rPr lang="en-US" dirty="0"/>
+            </a:br>
+            <a:r>
+              <a:rPr lang="en-US" dirty="0"/>
+              <a:t>🔗 </a:t>
+            </a:r>
+            <a:r>
+              <a:rPr lang="en-US" dirty="0">
+                <a:hlinkClick r:id="rId4"/>
+              </a:rPr>
+              <a:t>https://www.youtube.com/watch?v=K-oowwtK_8Q</a:t>
+            </a:r>
+            <a:br>
+              <a:rPr lang="en-US" dirty="0"/>
+            </a:br>
+            <a:r>
+              <a:rPr lang="en-US" dirty="0"/>
+              <a:t>A beginner's introduction to reverse engineering, disassemblers, </a:t>
+            </a:r>
+            <a:r>
+              <a:rPr lang="en-US" dirty="0" err="1"/>
+              <a:t>decompilers</a:t>
+            </a:r>
+            <a:r>
+              <a:rPr lang="en-US" dirty="0"/>
+              <a:t>, and inspecting .NET code.</a:t>
+            </a:r>
+          </a:p>
+        </p:txBody>
+      </p:sp>
+    </p:spTree>
+    <p:extLst>
+      <p:ext uri="{BB962C8B-B14F-4D97-AF65-F5344CB8AC3E}">
+        <p14:creationId xmlns:p14="http://schemas.microsoft.com/office/powerpoint/2010/main" val="3687550180"/>
       </p:ext>
     </p:extLst>
   </p:cSld>
@@ -15450,39 +19821,73 @@
           </a:bodyPr>
           <a:lstStyle/>
           <a:p>
+            <a:pPr marL="514350" indent="-514350">
+              <a:buFont typeface="+mj-lt"/>
+              <a:buAutoNum type="arabicPeriod"/>
+            </a:pPr>
             <a:r>
               <a:rPr lang="en-US" dirty="0"/>
-              <a:t>Introduction</a:t>
-            </a:r>
-          </a:p>
-          <a:p>
+              <a:t>Introduction to Reverse Engineering</a:t>
+            </a:r>
+          </a:p>
+          <a:p>
+            <a:pPr marL="514350" indent="-514350">
+              <a:buFont typeface="+mj-lt"/>
+              <a:buAutoNum type="arabicPeriod"/>
+            </a:pPr>
             <a:r>
               <a:rPr lang="en-US" dirty="0"/>
               <a:t>Hardware Reverse Engineering</a:t>
             </a:r>
           </a:p>
           <a:p>
+            <a:pPr marL="971550" lvl="1" indent="-514350">
+              <a:buFont typeface="Arial" panose="020B0604020202020204" pitchFamily="34" charset="0"/>
+              <a:buChar char="•"/>
+            </a:pPr>
             <a:r>
               <a:rPr lang="en-US" dirty="0"/>
-              <a:t>	Exercise - Chip ID on Arduino Boards</a:t>
-            </a:r>
-          </a:p>
-          <a:p>
+              <a:t>Exercise - Continuity Test on Arduino Boards</a:t>
+            </a:r>
+          </a:p>
+          <a:p>
+            <a:pPr marL="971550" lvl="1" indent="-514350">
+              <a:buFont typeface="Arial" panose="020B0604020202020204" pitchFamily="34" charset="0"/>
+              <a:buChar char="•"/>
+            </a:pPr>
+            <a:r>
+              <a:rPr lang="en-US" dirty="0"/>
+              <a:t>Exercise - Chip ID on Arduino Boards</a:t>
+            </a:r>
+          </a:p>
+          <a:p>
+            <a:pPr marL="514350" indent="-514350">
+              <a:buFont typeface="+mj-lt"/>
+              <a:buAutoNum type="arabicPeriod"/>
+            </a:pPr>
             <a:r>
               <a:rPr lang="en-US" dirty="0"/>
               <a:t>Software Reverse Engineering </a:t>
             </a:r>
           </a:p>
           <a:p>
+            <a:pPr marL="971550" lvl="1" indent="-514350">
+              <a:buFont typeface="Arial" panose="020B0604020202020204" pitchFamily="34" charset="0"/>
+              <a:buChar char="•"/>
+            </a:pPr>
             <a:r>
               <a:rPr lang="en-US" dirty="0"/>
-              <a:t>	Exercise – Flash Firmware to Arduino Uno</a:t>
-            </a:r>
-          </a:p>
-          <a:p>
+              <a:t>Exercise – Flash Firmware to Arduino Uno</a:t>
+            </a:r>
+          </a:p>
+          <a:p>
+            <a:pPr marL="971550" lvl="1" indent="-514350">
+              <a:buFont typeface="Arial" panose="020B0604020202020204" pitchFamily="34" charset="0"/>
+              <a:buChar char="•"/>
+            </a:pPr>
             <a:r>
               <a:rPr lang="en-US" dirty="0"/>
-              <a:t>	Tutorial – Analyze C Code in </a:t>
+              <a:t>Tutorial – Analyze C Code in </a:t>
             </a:r>
             <a:r>
               <a:rPr lang="en-US" dirty="0" err="1"/>
@@ -15494,9 +19899,13 @@
             </a:r>
           </a:p>
           <a:p>
+            <a:pPr marL="514350" indent="-514350">
+              <a:buFont typeface="+mj-lt"/>
+              <a:buAutoNum type="arabicPeriod"/>
+            </a:pPr>
             <a:r>
               <a:rPr lang="en-US" dirty="0"/>
-              <a:t>Takeaways</a:t>
+              <a:t>Takeaways &amp; Resources</a:t>
             </a:r>
           </a:p>
         </p:txBody>
@@ -15594,7 +20003,7 @@
             </a:pPr>
             <a:r>
               <a:rPr lang="en-US" dirty="0"/>
-              <a:t>Reverse Engineering (RE) involves examining an existing item to extract technical data for reproduction.</a:t>
+              <a:t>Reverse Engineering (RE) is the process of analyzing an existing item to extract technical information required to reproduce or understand it.</a:t>
             </a:r>
           </a:p>
           <a:p>
@@ -15604,17 +20013,7 @@
             </a:pPr>
             <a:r>
               <a:rPr lang="en-US" dirty="0"/>
-              <a:t>The goal is to recreate the item functionally and dimensionally.</a:t>
-            </a:r>
-          </a:p>
-          <a:p>
-            <a:pPr marL="285750" indent="-285750">
-              <a:buFont typeface="Arial" panose="020B0604020202020204" pitchFamily="34" charset="0"/>
-              <a:buChar char="•"/>
-            </a:pPr>
-            <a:r>
-              <a:rPr lang="en-US" dirty="0"/>
-              <a:t>It requires physical access to the item—adequate stock is needed to begin the process.</a:t>
+              <a:t>It typically involves physical access to hardware or software and aims to recreate functionality, structure, or documentation.</a:t>
             </a:r>
           </a:p>
         </p:txBody>
@@ -15691,7 +20090,7 @@
             </a:r>
             <a:r>
               <a:rPr lang="en-US" sz="1100" dirty="0">
-                <a:hlinkClick r:id="rId2"/>
+                <a:hlinkClick r:id="rId3"/>
               </a:rPr>
               <a:t>https://www.dla.mil/Aviation/Offers/Engineering/Reverse-Engineering/</a:t>
             </a:r>
@@ -15913,15 +20312,16 @@
             <p:ph idx="1"/>
           </p:nvPr>
         </p:nvSpPr>
-        <p:spPr/>
+        <p:spPr>
+          <a:xfrm>
+            <a:off x="1158865" y="2017467"/>
+            <a:ext cx="5100045" cy="3366815"/>
+          </a:xfrm>
+        </p:spPr>
         <p:txBody>
           <a:bodyPr/>
           <a:lstStyle/>
           <a:p>
-            <a:pPr marL="285750" indent="-285750">
-              <a:buFont typeface="Arial" panose="020B0604020202020204" pitchFamily="34" charset="0"/>
-              <a:buChar char="•"/>
-            </a:pPr>
             <a:r>
               <a:rPr lang="en-US" dirty="0"/>
               <a:t>Use specialized tools and a heat gun to carefully remove outer casing and components.</a:t>
@@ -15969,6 +20369,53 @@
           </a:p>
         </p:txBody>
       </p:sp>
+      <p:pic>
+        <p:nvPicPr>
+          <p:cNvPr id="1026" name="Picture 2" descr="Take it apart and put it on a board please 😊">
+            <a:extLst>
+              <a:ext uri="{FF2B5EF4-FFF2-40B4-BE49-F238E27FC236}">
+                <a16:creationId xmlns:a16="http://schemas.microsoft.com/office/drawing/2014/main" id="{19BDE4B6-F194-5A37-A623-15A7A42BE1B7}"/>
+              </a:ext>
+            </a:extLst>
+          </p:cNvPr>
+          <p:cNvPicPr>
+            <a:picLocks noChangeAspect="1" noChangeArrowheads="1"/>
+          </p:cNvPicPr>
+          <p:nvPr/>
+        </p:nvPicPr>
+        <p:blipFill>
+          <a:blip r:embed="rId3">
+            <a:extLst>
+              <a:ext uri="{28A0092B-C50C-407E-A947-70E740481C1C}">
+                <a14:useLocalDpi xmlns:a14="http://schemas.microsoft.com/office/drawing/2010/main" val="0"/>
+              </a:ext>
+            </a:extLst>
+          </a:blip>
+          <a:srcRect/>
+          <a:stretch>
+            <a:fillRect/>
+          </a:stretch>
+        </p:blipFill>
+        <p:spPr bwMode="auto">
+          <a:xfrm>
+            <a:off x="6258910" y="1433285"/>
+            <a:ext cx="5029200" cy="3991429"/>
+          </a:xfrm>
+          <a:prstGeom prst="rect">
+            <a:avLst/>
+          </a:prstGeom>
+          <a:noFill/>
+          <a:extLst>
+            <a:ext uri="{909E8E84-426E-40DD-AFC4-6F175D3DCCD1}">
+              <a14:hiddenFill xmlns:a14="http://schemas.microsoft.com/office/drawing/2010/main">
+                <a:solidFill>
+                  <a:srgbClr val="FFFFFF"/>
+                </a:solidFill>
+              </a14:hiddenFill>
+            </a:ext>
+          </a:extLst>
+        </p:spPr>
+      </p:pic>
     </p:spTree>
     <p:extLst>
       <p:ext uri="{BB962C8B-B14F-4D97-AF65-F5344CB8AC3E}">
@@ -16106,7 +20553,7 @@
         </p:xfrm>
         <a:graphic>
           <a:graphicData uri="http://schemas.openxmlformats.org/drawingml/2006/diagram">
-            <dgm:relIds xmlns:dgm="http://schemas.openxmlformats.org/drawingml/2006/diagram" xmlns:r="http://schemas.openxmlformats.org/officeDocument/2006/relationships" r:dm="rId2" r:lo="rId3" r:qs="rId4" r:cs="rId5"/>
+            <dgm:relIds xmlns:dgm="http://schemas.openxmlformats.org/drawingml/2006/diagram" xmlns:r="http://schemas.openxmlformats.org/officeDocument/2006/relationships" r:dm="rId3" r:lo="rId4" r:qs="rId5" r:cs="rId6"/>
           </a:graphicData>
         </a:graphic>
       </p:graphicFrame>
@@ -16128,159 +20575,7 @@
   <p:cSld>
     <p:spTree>
       <p:nvGrpSpPr>
-        <p:cNvPr id="1" name="">
-          <a:extLst>
-            <a:ext uri="{FF2B5EF4-FFF2-40B4-BE49-F238E27FC236}">
-              <a16:creationId xmlns:a16="http://schemas.microsoft.com/office/drawing/2014/main" id="{AF2BD2C8-44B3-2FBD-FF40-756342AF62A0}"/>
-            </a:ext>
-          </a:extLst>
-        </p:cNvPr>
-        <p:cNvGrpSpPr/>
-        <p:nvPr/>
-      </p:nvGrpSpPr>
-      <p:grpSpPr>
-        <a:xfrm>
-          <a:off x="0" y="0"/>
-          <a:ext cx="0" cy="0"/>
-          <a:chOff x="0" y="0"/>
-          <a:chExt cx="0" cy="0"/>
-        </a:xfrm>
-      </p:grpSpPr>
-      <p:sp>
-        <p:nvSpPr>
-          <p:cNvPr id="2" name="Title 1">
-            <a:extLst>
-              <a:ext uri="{FF2B5EF4-FFF2-40B4-BE49-F238E27FC236}">
-                <a16:creationId xmlns:a16="http://schemas.microsoft.com/office/drawing/2014/main" id="{CBF9F6DE-FAD9-BF34-F6C0-A7D3D6124FC5}"/>
-              </a:ext>
-            </a:extLst>
-          </p:cNvPr>
-          <p:cNvSpPr>
-            <a:spLocks noGrp="1"/>
-          </p:cNvSpPr>
-          <p:nvPr>
-            <p:ph type="title"/>
-          </p:nvPr>
-        </p:nvSpPr>
-        <p:spPr/>
-        <p:txBody>
-          <a:bodyPr/>
-          <a:lstStyle/>
-          <a:p>
-            <a:r>
-              <a:rPr lang="en-US" dirty="0"/>
-              <a:t>Step 2: Locate Voltage and Ground</a:t>
-            </a:r>
-          </a:p>
-        </p:txBody>
-      </p:sp>
-      <p:sp>
-        <p:nvSpPr>
-          <p:cNvPr id="3" name="Content Placeholder 2">
-            <a:extLst>
-              <a:ext uri="{FF2B5EF4-FFF2-40B4-BE49-F238E27FC236}">
-                <a16:creationId xmlns:a16="http://schemas.microsoft.com/office/drawing/2014/main" id="{8B8101B1-DBB6-A520-BAE0-64BB6C49EDC8}"/>
-              </a:ext>
-            </a:extLst>
-          </p:cNvPr>
-          <p:cNvSpPr>
-            <a:spLocks noGrp="1"/>
-          </p:cNvSpPr>
-          <p:nvPr>
-            <p:ph idx="1"/>
-          </p:nvPr>
-        </p:nvSpPr>
-        <p:spPr/>
-        <p:txBody>
-          <a:bodyPr/>
-          <a:lstStyle/>
-          <a:p>
-            <a:pPr marL="285750" indent="-285750">
-              <a:buFont typeface="Arial" panose="020B0604020202020204" pitchFamily="34" charset="0"/>
-              <a:buChar char="•"/>
-            </a:pPr>
-            <a:r>
-              <a:rPr lang="en-US" dirty="0"/>
-              <a:t>Use a multimeter to measure voltages at different points.</a:t>
-            </a:r>
-          </a:p>
-          <a:p>
-            <a:pPr marL="285750" indent="-285750">
-              <a:buFont typeface="Arial" panose="020B0604020202020204" pitchFamily="34" charset="0"/>
-              <a:buChar char="•"/>
-            </a:pPr>
-            <a:r>
-              <a:rPr lang="en-US" dirty="0"/>
-              <a:t>Identify power and ground pins.</a:t>
-            </a:r>
-          </a:p>
-          <a:p>
-            <a:pPr marL="285750" indent="-285750">
-              <a:buFont typeface="Arial" panose="020B0604020202020204" pitchFamily="34" charset="0"/>
-              <a:buChar char="•"/>
-            </a:pPr>
-            <a:r>
-              <a:rPr lang="en-US" dirty="0"/>
-              <a:t>Check for continuity to trace circuit paths.</a:t>
-            </a:r>
-          </a:p>
-        </p:txBody>
-      </p:sp>
-      <p:sp>
-        <p:nvSpPr>
-          <p:cNvPr id="4" name="Slide Number Placeholder 3">
-            <a:extLst>
-              <a:ext uri="{FF2B5EF4-FFF2-40B4-BE49-F238E27FC236}">
-                <a16:creationId xmlns:a16="http://schemas.microsoft.com/office/drawing/2014/main" id="{31CBAD59-E603-BAB0-9901-4489AA859FAC}"/>
-              </a:ext>
-            </a:extLst>
-          </p:cNvPr>
-          <p:cNvSpPr>
-            <a:spLocks noGrp="1"/>
-          </p:cNvSpPr>
-          <p:nvPr>
-            <p:ph type="sldNum" sz="quarter" idx="4"/>
-          </p:nvPr>
-        </p:nvSpPr>
-        <p:spPr/>
-        <p:txBody>
-          <a:bodyPr/>
-          <a:lstStyle/>
-          <a:p>
-            <a:fld id="{A49DFD55-3C28-40EF-9E31-A92D2E4017FF}" type="slidenum">
-              <a:rPr lang="en-US" smtClean="0"/>
-              <a:pPr/>
-              <a:t>8</a:t>
-            </a:fld>
-            <a:endParaRPr lang="en-US" dirty="0"/>
-          </a:p>
-        </p:txBody>
-      </p:sp>
-    </p:spTree>
-    <p:extLst>
-      <p:ext uri="{BB962C8B-B14F-4D97-AF65-F5344CB8AC3E}">
-        <p14:creationId xmlns:p14="http://schemas.microsoft.com/office/powerpoint/2010/main" val="2797783130"/>
-      </p:ext>
-    </p:extLst>
-  </p:cSld>
-  <p:clrMapOvr>
-    <a:masterClrMapping/>
-  </p:clrMapOvr>
-</p:sld>
-</file>
-
-<file path=ppt/slides/slide9.xml><?xml version="1.0" encoding="utf-8"?>
-<p:sld xmlns:a="http://schemas.openxmlformats.org/drawingml/2006/main" xmlns:r="http://schemas.openxmlformats.org/officeDocument/2006/relationships" xmlns:p="http://schemas.openxmlformats.org/presentationml/2006/main">
-  <p:cSld>
-    <p:spTree>
-      <p:nvGrpSpPr>
-        <p:cNvPr id="1" name="">
-          <a:extLst>
-            <a:ext uri="{FF2B5EF4-FFF2-40B4-BE49-F238E27FC236}">
-              <a16:creationId xmlns:a16="http://schemas.microsoft.com/office/drawing/2014/main" id="{AAD9B32B-BF01-1759-6385-646E232F2630}"/>
-            </a:ext>
-          </a:extLst>
-        </p:cNvPr>
+        <p:cNvPr id="1" name=""/>
         <p:cNvGrpSpPr/>
         <p:nvPr/>
       </p:nvGrpSpPr>
@@ -16297,7 +20592,7 @@
           <p:cNvPr id="11" name="Title 1">
             <a:extLst>
               <a:ext uri="{FF2B5EF4-FFF2-40B4-BE49-F238E27FC236}">
-                <a16:creationId xmlns:a16="http://schemas.microsoft.com/office/drawing/2014/main" id="{3C4AD180-DA91-1EA5-520F-82E96B8C3D5D}"/>
+                <a16:creationId xmlns:a16="http://schemas.microsoft.com/office/drawing/2014/main" id="{7B59BD5D-8A0F-9D7F-923E-0D99CDBB4D6C}"/>
               </a:ext>
             </a:extLst>
           </p:cNvPr>
@@ -16308,14 +20603,19 @@
             <p:ph type="title"/>
           </p:nvPr>
         </p:nvSpPr>
-        <p:spPr/>
+        <p:spPr>
+          <a:xfrm>
+            <a:off x="1158864" y="102021"/>
+            <a:ext cx="9779183" cy="1744415"/>
+          </a:xfrm>
+        </p:spPr>
         <p:txBody>
           <a:bodyPr/>
           <a:lstStyle/>
           <a:p>
             <a:r>
               <a:rPr lang="en-US" dirty="0"/>
-              <a:t>Exercise: Check Continuity</a:t>
+              <a:t>Exercise: Catalogue IC Components</a:t>
             </a:r>
           </a:p>
         </p:txBody>
@@ -16325,7 +20625,7 @@
           <p:cNvPr id="13" name="Content Placeholder 2">
             <a:extLst>
               <a:ext uri="{FF2B5EF4-FFF2-40B4-BE49-F238E27FC236}">
-                <a16:creationId xmlns:a16="http://schemas.microsoft.com/office/drawing/2014/main" id="{A6F67BB7-1283-7DD1-B242-80E58BD27E8D}"/>
+                <a16:creationId xmlns:a16="http://schemas.microsoft.com/office/drawing/2014/main" id="{8207F784-4103-9D68-AC86-68DF7C6AC0B3}"/>
               </a:ext>
             </a:extLst>
           </p:cNvPr>
@@ -16338,8 +20638,8 @@
         </p:nvSpPr>
         <p:spPr>
           <a:xfrm>
-            <a:off x="5736978" y="1906289"/>
-            <a:ext cx="4663440" cy="3332832"/>
+            <a:off x="1158865" y="2017467"/>
+            <a:ext cx="9779182" cy="3911846"/>
           </a:xfrm>
         </p:spPr>
         <p:txBody>
@@ -16353,8 +20653,12 @@
               <a:buAutoNum type="arabicPeriod"/>
             </a:pPr>
             <a:r>
+              <a:rPr lang="en-US" b="1" dirty="0"/>
+              <a:t>On Arduino board pick one component</a:t>
+            </a:r>
+            <a:r>
               <a:rPr lang="en-US" dirty="0"/>
-              <a:t>Flip the Arduino board over so you can see the soldered traces.</a:t>
+              <a:t> (A, B, C, D)</a:t>
             </a:r>
           </a:p>
           <a:p>
@@ -16363,8 +20667,12 @@
               <a:buAutoNum type="arabicPeriod"/>
             </a:pPr>
             <a:r>
+              <a:rPr lang="en-US" b="1" dirty="0"/>
+              <a:t>Write down the part number</a:t>
+            </a:r>
+            <a:r>
               <a:rPr lang="en-US" dirty="0"/>
-              <a:t>Choose a single trace or line to test.</a:t>
+              <a:t> printed on the chip.</a:t>
             </a:r>
           </a:p>
           <a:p>
@@ -16373,9 +20681,38 @@
               <a:buAutoNum type="arabicPeriod"/>
             </a:pPr>
             <a:r>
+              <a:rPr lang="en-US" b="1" dirty="0"/>
+              <a:t>Google the part number</a:t>
+            </a:r>
+            <a:r>
               <a:rPr lang="en-US" dirty="0"/>
-              <a:t>Place one probe on each end of that line—where the pins or solder joints are.</a:t>
-            </a:r>
+              <a:t> and </a:t>
+            </a:r>
+            <a:r>
+              <a:rPr lang="en-US" b="1" dirty="0"/>
+              <a:t>find the datasheet</a:t>
+            </a:r>
+            <a:r>
+              <a:rPr lang="en-US" dirty="0"/>
+              <a:t>.</a:t>
+            </a:r>
+          </a:p>
+          <a:p>
+            <a:pPr marL="971550" lvl="1" indent="-514350">
+              <a:buFont typeface="Courier New" panose="02070309020205020404" pitchFamily="49" charset="0"/>
+              <a:buChar char="o"/>
+            </a:pPr>
+            <a:r>
+              <a:rPr lang="en-US" dirty="0"/>
+              <a:t>You may also search on </a:t>
+            </a:r>
+            <a:r>
+              <a:rPr lang="en-US" dirty="0">
+                <a:hlinkClick r:id="rId3"/>
+              </a:rPr>
+              <a:t>https://octopart.com/</a:t>
+            </a:r>
+            <a:endParaRPr lang="en-US" dirty="0"/>
           </a:p>
           <a:p>
             <a:pPr marL="514350" indent="-514350">
@@ -16383,18 +20720,78 @@
               <a:buAutoNum type="arabicPeriod"/>
             </a:pPr>
             <a:r>
+              <a:rPr lang="en-US" b="1" dirty="0"/>
+              <a:t>Answer questions:</a:t>
+            </a:r>
+          </a:p>
+          <a:p>
+            <a:pPr marL="971550" lvl="1" indent="-514350">
+              <a:buFont typeface="+mj-lt"/>
+              <a:buAutoNum type="arabicPeriod"/>
+            </a:pPr>
+            <a:r>
               <a:rPr lang="en-US" dirty="0"/>
-              <a:t>Use a multimeter in continuity mode — if the line is intact, you'll hear a beep.</a:t>
+              <a:t>What does the chip do?</a:t>
+            </a:r>
+          </a:p>
+          <a:p>
+            <a:pPr marL="971550" lvl="1" indent="-514350">
+              <a:buFont typeface="+mj-lt"/>
+              <a:buAutoNum type="arabicPeriod"/>
+            </a:pPr>
+            <a:r>
+              <a:rPr lang="en-US" dirty="0"/>
+              <a:t>How many pins does it have?</a:t>
+            </a:r>
+          </a:p>
+          <a:p>
+            <a:pPr marL="971550" lvl="1" indent="-514350">
+              <a:buFont typeface="+mj-lt"/>
+              <a:buAutoNum type="arabicPeriod"/>
+            </a:pPr>
+            <a:r>
+              <a:rPr lang="en-US" dirty="0"/>
+              <a:t>What interfaces or protocols does it use?</a:t>
             </a:r>
           </a:p>
         </p:txBody>
       </p:sp>
+    </p:spTree>
+    <p:extLst>
+      <p:ext uri="{BB962C8B-B14F-4D97-AF65-F5344CB8AC3E}">
+        <p14:creationId xmlns:p14="http://schemas.microsoft.com/office/powerpoint/2010/main" val="2899390662"/>
+      </p:ext>
+    </p:extLst>
+  </p:cSld>
+  <p:clrMapOvr>
+    <a:masterClrMapping/>
+  </p:clrMapOvr>
+</p:sld>
+</file>
+
+<file path=ppt/slides/slide9.xml><?xml version="1.0" encoding="utf-8"?>
+<p:sld xmlns:a="http://schemas.openxmlformats.org/drawingml/2006/main" xmlns:r="http://schemas.openxmlformats.org/officeDocument/2006/relationships" xmlns:p="http://schemas.openxmlformats.org/presentationml/2006/main">
+  <p:cSld>
+    <p:spTree>
+      <p:nvGrpSpPr>
+        <p:cNvPr id="1" name=""/>
+        <p:cNvGrpSpPr/>
+        <p:nvPr/>
+      </p:nvGrpSpPr>
+      <p:grpSpPr>
+        <a:xfrm>
+          <a:off x="0" y="0"/>
+          <a:ext cx="0" cy="0"/>
+          <a:chOff x="0" y="0"/>
+          <a:chExt cx="0" cy="0"/>
+        </a:xfrm>
+      </p:grpSpPr>
       <p:pic>
         <p:nvPicPr>
-          <p:cNvPr id="4" name="Content Placeholder 3">
+          <p:cNvPr id="8" name="Content Placeholder 7" descr="A blue circuit board with black and silver components&#10;&#10;AI-generated content may be incorrect.">
             <a:extLst>
               <a:ext uri="{FF2B5EF4-FFF2-40B4-BE49-F238E27FC236}">
-                <a16:creationId xmlns:a16="http://schemas.microsoft.com/office/drawing/2014/main" id="{318183EC-E309-B505-9BA6-D0FDB6F94FAE}"/>
+                <a16:creationId xmlns:a16="http://schemas.microsoft.com/office/drawing/2014/main" id="{0F8925CB-3E9D-6160-EF70-29FA1CA49105}"/>
               </a:ext>
             </a:extLst>
           </p:cNvPr>
@@ -16402,26 +20799,395 @@
             <a:picLocks noGrp="1" noChangeAspect="1"/>
           </p:cNvPicPr>
           <p:nvPr>
-            <p:ph idx="10"/>
+            <p:ph idx="1"/>
           </p:nvPr>
         </p:nvPicPr>
         <p:blipFill>
           <a:blip r:embed="rId2"/>
+          <a:srcRect t="12494" b="16685"/>
           <a:stretch>
             <a:fillRect/>
           </a:stretch>
         </p:blipFill>
         <p:spPr>
           <a:xfrm>
-            <a:off x="494421" y="1906289"/>
-            <a:ext cx="4919551" cy="4758255"/>
+            <a:off x="2554941" y="366402"/>
+            <a:ext cx="7082118" cy="5015642"/>
           </a:xfrm>
         </p:spPr>
       </p:pic>
+      <p:sp>
+        <p:nvSpPr>
+          <p:cNvPr id="13" name="Callout: Line 12">
+            <a:extLst>
+              <a:ext uri="{FF2B5EF4-FFF2-40B4-BE49-F238E27FC236}">
+                <a16:creationId xmlns:a16="http://schemas.microsoft.com/office/drawing/2014/main" id="{17058C7B-A788-DC4E-BCFA-EDA2B093FBFF}"/>
+              </a:ext>
+            </a:extLst>
+          </p:cNvPr>
+          <p:cNvSpPr/>
+          <p:nvPr/>
+        </p:nvSpPr>
+        <p:spPr>
+          <a:xfrm>
+            <a:off x="4508626" y="2000817"/>
+            <a:ext cx="724278" cy="543208"/>
+          </a:xfrm>
+          <a:prstGeom prst="borderCallout1">
+            <a:avLst>
+              <a:gd name="adj1" fmla="val 54982"/>
+              <a:gd name="adj2" fmla="val -593"/>
+              <a:gd name="adj3" fmla="val 129167"/>
+              <a:gd name="adj4" fmla="val -340833"/>
+            </a:avLst>
+          </a:prstGeom>
+          <a:noFill/>
+          <a:ln w="28575">
+            <a:solidFill>
+              <a:srgbClr val="FF0000"/>
+            </a:solidFill>
+          </a:ln>
+        </p:spPr>
+        <p:style>
+          <a:lnRef idx="2">
+            <a:schemeClr val="accent1">
+              <a:shade val="15000"/>
+            </a:schemeClr>
+          </a:lnRef>
+          <a:fillRef idx="1">
+            <a:schemeClr val="accent1"/>
+          </a:fillRef>
+          <a:effectRef idx="0">
+            <a:schemeClr val="accent1"/>
+          </a:effectRef>
+          <a:fontRef idx="minor">
+            <a:schemeClr val="lt1"/>
+          </a:fontRef>
+        </p:style>
+        <p:txBody>
+          <a:bodyPr rtlCol="0" anchor="ctr"/>
+          <a:lstStyle/>
+          <a:p>
+            <a:pPr algn="ctr"/>
+            <a:endParaRPr lang="en-US"/>
+          </a:p>
+        </p:txBody>
+      </p:sp>
+      <p:sp>
+        <p:nvSpPr>
+          <p:cNvPr id="14" name="Callout: Line 13">
+            <a:extLst>
+              <a:ext uri="{FF2B5EF4-FFF2-40B4-BE49-F238E27FC236}">
+                <a16:creationId xmlns:a16="http://schemas.microsoft.com/office/drawing/2014/main" id="{DFC1ABCA-B499-13D2-92E7-E0C2F69C8902}"/>
+              </a:ext>
+            </a:extLst>
+          </p:cNvPr>
+          <p:cNvSpPr/>
+          <p:nvPr/>
+        </p:nvSpPr>
+        <p:spPr>
+          <a:xfrm>
+            <a:off x="4300396" y="2705479"/>
+            <a:ext cx="1039640" cy="543208"/>
+          </a:xfrm>
+          <a:prstGeom prst="borderCallout1">
+            <a:avLst>
+              <a:gd name="adj1" fmla="val 54982"/>
+              <a:gd name="adj2" fmla="val -593"/>
+              <a:gd name="adj3" fmla="val 117500"/>
+              <a:gd name="adj4" fmla="val -212568"/>
+            </a:avLst>
+          </a:prstGeom>
+          <a:noFill/>
+          <a:ln w="28575">
+            <a:solidFill>
+              <a:srgbClr val="FF0000"/>
+            </a:solidFill>
+          </a:ln>
+        </p:spPr>
+        <p:style>
+          <a:lnRef idx="2">
+            <a:schemeClr val="accent1">
+              <a:shade val="15000"/>
+            </a:schemeClr>
+          </a:lnRef>
+          <a:fillRef idx="1">
+            <a:schemeClr val="accent1"/>
+          </a:fillRef>
+          <a:effectRef idx="0">
+            <a:schemeClr val="accent1"/>
+          </a:effectRef>
+          <a:fontRef idx="minor">
+            <a:schemeClr val="lt1"/>
+          </a:fontRef>
+        </p:style>
+        <p:txBody>
+          <a:bodyPr rtlCol="0" anchor="ctr"/>
+          <a:lstStyle/>
+          <a:p>
+            <a:pPr algn="ctr"/>
+            <a:endParaRPr lang="en-US"/>
+          </a:p>
+        </p:txBody>
+      </p:sp>
+      <p:sp>
+        <p:nvSpPr>
+          <p:cNvPr id="15" name="Callout: Line 14">
+            <a:extLst>
+              <a:ext uri="{FF2B5EF4-FFF2-40B4-BE49-F238E27FC236}">
+                <a16:creationId xmlns:a16="http://schemas.microsoft.com/office/drawing/2014/main" id="{B7A63B0C-7189-F444-DB5D-705A7A3CBE6E}"/>
+              </a:ext>
+            </a:extLst>
+          </p:cNvPr>
+          <p:cNvSpPr/>
+          <p:nvPr/>
+        </p:nvSpPr>
+        <p:spPr>
+          <a:xfrm>
+            <a:off x="5582385" y="3176259"/>
+            <a:ext cx="3238123" cy="1043412"/>
+          </a:xfrm>
+          <a:prstGeom prst="borderCallout1">
+            <a:avLst>
+              <a:gd name="adj1" fmla="val 50644"/>
+              <a:gd name="adj2" fmla="val 99780"/>
+              <a:gd name="adj3" fmla="val -28412"/>
+              <a:gd name="adj4" fmla="val 142995"/>
+            </a:avLst>
+          </a:prstGeom>
+          <a:noFill/>
+          <a:ln w="28575">
+            <a:solidFill>
+              <a:srgbClr val="FF0000"/>
+            </a:solidFill>
+          </a:ln>
+        </p:spPr>
+        <p:style>
+          <a:lnRef idx="2">
+            <a:schemeClr val="accent1">
+              <a:shade val="15000"/>
+            </a:schemeClr>
+          </a:lnRef>
+          <a:fillRef idx="1">
+            <a:schemeClr val="accent1"/>
+          </a:fillRef>
+          <a:effectRef idx="0">
+            <a:schemeClr val="accent1"/>
+          </a:effectRef>
+          <a:fontRef idx="minor">
+            <a:schemeClr val="lt1"/>
+          </a:fontRef>
+        </p:style>
+        <p:txBody>
+          <a:bodyPr rtlCol="0" anchor="ctr"/>
+          <a:lstStyle/>
+          <a:p>
+            <a:pPr algn="ctr"/>
+            <a:endParaRPr lang="en-US"/>
+          </a:p>
+        </p:txBody>
+      </p:sp>
+      <p:sp>
+        <p:nvSpPr>
+          <p:cNvPr id="17" name="Callout: Line 16">
+            <a:extLst>
+              <a:ext uri="{FF2B5EF4-FFF2-40B4-BE49-F238E27FC236}">
+                <a16:creationId xmlns:a16="http://schemas.microsoft.com/office/drawing/2014/main" id="{31F1D9F1-4F4F-E720-5530-979B232409D3}"/>
+              </a:ext>
+            </a:extLst>
+          </p:cNvPr>
+          <p:cNvSpPr/>
+          <p:nvPr/>
+        </p:nvSpPr>
+        <p:spPr>
+          <a:xfrm>
+            <a:off x="4363770" y="4037846"/>
+            <a:ext cx="1326334" cy="713595"/>
+          </a:xfrm>
+          <a:prstGeom prst="borderCallout1">
+            <a:avLst>
+              <a:gd name="adj1" fmla="val 54982"/>
+              <a:gd name="adj2" fmla="val -593"/>
+              <a:gd name="adj3" fmla="val 240233"/>
+              <a:gd name="adj4" fmla="val -57196"/>
+            </a:avLst>
+          </a:prstGeom>
+          <a:noFill/>
+          <a:ln w="28575">
+            <a:solidFill>
+              <a:srgbClr val="FF0000"/>
+            </a:solidFill>
+          </a:ln>
+        </p:spPr>
+        <p:style>
+          <a:lnRef idx="2">
+            <a:schemeClr val="accent1">
+              <a:shade val="15000"/>
+            </a:schemeClr>
+          </a:lnRef>
+          <a:fillRef idx="1">
+            <a:schemeClr val="accent1"/>
+          </a:fillRef>
+          <a:effectRef idx="0">
+            <a:schemeClr val="accent1"/>
+          </a:effectRef>
+          <a:fontRef idx="minor">
+            <a:schemeClr val="lt1"/>
+          </a:fontRef>
+        </p:style>
+        <p:txBody>
+          <a:bodyPr rtlCol="0" anchor="ctr"/>
+          <a:lstStyle/>
+          <a:p>
+            <a:pPr algn="ctr"/>
+            <a:endParaRPr lang="en-US"/>
+          </a:p>
+        </p:txBody>
+      </p:sp>
+      <p:sp>
+        <p:nvSpPr>
+          <p:cNvPr id="18" name="TextBox 17">
+            <a:extLst>
+              <a:ext uri="{FF2B5EF4-FFF2-40B4-BE49-F238E27FC236}">
+                <a16:creationId xmlns:a16="http://schemas.microsoft.com/office/drawing/2014/main" id="{454C726D-DF8D-09A8-58A7-8547025E94C6}"/>
+              </a:ext>
+            </a:extLst>
+          </p:cNvPr>
+          <p:cNvSpPr txBox="1"/>
+          <p:nvPr/>
+        </p:nvSpPr>
+        <p:spPr>
+          <a:xfrm>
+            <a:off x="1738265" y="2544025"/>
+            <a:ext cx="346570" cy="400110"/>
+          </a:xfrm>
+          <a:prstGeom prst="rect">
+            <a:avLst/>
+          </a:prstGeom>
+          <a:noFill/>
+        </p:spPr>
+        <p:txBody>
+          <a:bodyPr wrap="none" rtlCol="0">
+            <a:spAutoFit/>
+          </a:bodyPr>
+          <a:lstStyle/>
+          <a:p>
+            <a:r>
+              <a:rPr lang="en-US" sz="2000" b="1" dirty="0"/>
+              <a:t>A</a:t>
+            </a:r>
+          </a:p>
+        </p:txBody>
+      </p:sp>
+      <p:sp>
+        <p:nvSpPr>
+          <p:cNvPr id="19" name="TextBox 18">
+            <a:extLst>
+              <a:ext uri="{FF2B5EF4-FFF2-40B4-BE49-F238E27FC236}">
+                <a16:creationId xmlns:a16="http://schemas.microsoft.com/office/drawing/2014/main" id="{547BDE4B-4011-5C33-BF72-09F6F0FC1D3D}"/>
+              </a:ext>
+            </a:extLst>
+          </p:cNvPr>
+          <p:cNvSpPr txBox="1"/>
+          <p:nvPr/>
+        </p:nvSpPr>
+        <p:spPr>
+          <a:xfrm>
+            <a:off x="1738265" y="3176259"/>
+            <a:ext cx="332142" cy="400110"/>
+          </a:xfrm>
+          <a:prstGeom prst="rect">
+            <a:avLst/>
+          </a:prstGeom>
+          <a:noFill/>
+        </p:spPr>
+        <p:txBody>
+          <a:bodyPr wrap="none" rtlCol="0">
+            <a:spAutoFit/>
+          </a:bodyPr>
+          <a:lstStyle/>
+          <a:p>
+            <a:r>
+              <a:rPr lang="en-US" sz="2000" b="1" dirty="0"/>
+              <a:t>B</a:t>
+            </a:r>
+          </a:p>
+        </p:txBody>
+      </p:sp>
+      <p:sp>
+        <p:nvSpPr>
+          <p:cNvPr id="21" name="TextBox 20">
+            <a:extLst>
+              <a:ext uri="{FF2B5EF4-FFF2-40B4-BE49-F238E27FC236}">
+                <a16:creationId xmlns:a16="http://schemas.microsoft.com/office/drawing/2014/main" id="{E21DBF2C-6E8A-030A-B72E-90A12A793329}"/>
+              </a:ext>
+            </a:extLst>
+          </p:cNvPr>
+          <p:cNvSpPr txBox="1"/>
+          <p:nvPr/>
+        </p:nvSpPr>
+        <p:spPr>
+          <a:xfrm>
+            <a:off x="3386927" y="5782540"/>
+            <a:ext cx="338554" cy="400110"/>
+          </a:xfrm>
+          <a:prstGeom prst="rect">
+            <a:avLst/>
+          </a:prstGeom>
+          <a:noFill/>
+        </p:spPr>
+        <p:txBody>
+          <a:bodyPr wrap="none" rtlCol="0">
+            <a:spAutoFit/>
+          </a:bodyPr>
+          <a:lstStyle/>
+          <a:p>
+            <a:r>
+              <a:rPr lang="en-US" sz="2000" b="1" dirty="0"/>
+              <a:t>C</a:t>
+            </a:r>
+          </a:p>
+        </p:txBody>
+      </p:sp>
+      <p:sp>
+        <p:nvSpPr>
+          <p:cNvPr id="22" name="TextBox 21">
+            <a:extLst>
+              <a:ext uri="{FF2B5EF4-FFF2-40B4-BE49-F238E27FC236}">
+                <a16:creationId xmlns:a16="http://schemas.microsoft.com/office/drawing/2014/main" id="{5917BF96-9C35-1273-471B-8323ED8DE1C8}"/>
+              </a:ext>
+            </a:extLst>
+          </p:cNvPr>
+          <p:cNvSpPr txBox="1"/>
+          <p:nvPr/>
+        </p:nvSpPr>
+        <p:spPr>
+          <a:xfrm>
+            <a:off x="10209390" y="2645704"/>
+            <a:ext cx="346570" cy="400110"/>
+          </a:xfrm>
+          <a:prstGeom prst="rect">
+            <a:avLst/>
+          </a:prstGeom>
+          <a:noFill/>
+        </p:spPr>
+        <p:txBody>
+          <a:bodyPr wrap="none" rtlCol="0">
+            <a:spAutoFit/>
+          </a:bodyPr>
+          <a:lstStyle/>
+          <a:p>
+            <a:r>
+              <a:rPr lang="en-US" sz="2000" b="1" dirty="0"/>
+              <a:t>D</a:t>
+            </a:r>
+          </a:p>
+        </p:txBody>
+      </p:sp>
     </p:spTree>
     <p:extLst>
       <p:ext uri="{BB962C8B-B14F-4D97-AF65-F5344CB8AC3E}">
-        <p14:creationId xmlns:p14="http://schemas.microsoft.com/office/powerpoint/2010/main" val="1254329292"/>
+        <p14:creationId xmlns:p14="http://schemas.microsoft.com/office/powerpoint/2010/main" val="3396942177"/>
       </p:ext>
     </p:extLst>
   </p:cSld>
@@ -17223,6 +21989,15 @@
 </file>
 
 <file path=customXml/item1.xml><?xml version="1.0" encoding="utf-8"?>
+<?mso-contentType ?>
+<FormTemplates xmlns="http://schemas.microsoft.com/sharepoint/v3/contenttype/forms">
+  <Display>DocumentLibraryForm</Display>
+  <Edit>DocumentLibraryForm</Edit>
+  <New>DocumentLibraryForm</New>
+</FormTemplates>
+</file>
+
+<file path=customXml/item2.xml><?xml version="1.0" encoding="utf-8"?>
 <p:properties xmlns:p="http://schemas.microsoft.com/office/2006/metadata/properties" xmlns:xsi="http://www.w3.org/2001/XMLSchema-instance" xmlns:pc="http://schemas.microsoft.com/office/infopath/2007/PartnerControls">
   <documentManagement>
     <_ip_UnifiedCompliancePolicyUIAction xmlns="http://schemas.microsoft.com/sharepoint/v3" xsi:nil="true"/>
@@ -17240,15 +22015,6 @@
     <MediaServiceKeyPoints xmlns="71af3243-3dd4-4a8d-8c0d-dd76da1f02a5" xsi:nil="true"/>
   </documentManagement>
 </p:properties>
-</file>
-
-<file path=customXml/item2.xml><?xml version="1.0" encoding="utf-8"?>
-<?mso-contentType ?>
-<FormTemplates xmlns="http://schemas.microsoft.com/sharepoint/v3/contenttype/forms">
-  <Display>DocumentLibraryForm</Display>
-  <Edit>DocumentLibraryForm</Edit>
-  <New>DocumentLibraryForm</New>
-</FormTemplates>
 </file>
 
 <file path=customXml/item3.xml><?xml version="1.0" encoding="utf-8"?>
@@ -17564,6 +22330,14 @@
 </file>
 
 <file path=customXml/itemProps1.xml><?xml version="1.0" encoding="utf-8"?>
+<ds:datastoreItem xmlns:ds="http://schemas.openxmlformats.org/officeDocument/2006/customXml" ds:itemID="{45A8381C-73EB-48EA-B45F-7B7C8C7DF409}">
+  <ds:schemaRefs>
+    <ds:schemaRef ds:uri="http://schemas.microsoft.com/sharepoint/v3/contenttype/forms"/>
+  </ds:schemaRefs>
+</ds:datastoreItem>
+</file>
+
+<file path=customXml/itemProps2.xml><?xml version="1.0" encoding="utf-8"?>
 <ds:datastoreItem xmlns:ds="http://schemas.openxmlformats.org/officeDocument/2006/customXml" ds:itemID="{61E98C35-9ECE-4425-BCBA-00E118C705CE}">
   <ds:schemaRefs>
     <ds:schemaRef ds:uri="http://schemas.microsoft.com/office/2006/metadata/properties"/>
@@ -17571,14 +22345,6 @@
     <ds:schemaRef ds:uri="http://schemas.microsoft.com/sharepoint/v3"/>
     <ds:schemaRef ds:uri="71af3243-3dd4-4a8d-8c0d-dd76da1f02a5"/>
     <ds:schemaRef ds:uri="230e9df3-be65-4c73-a93b-d1236ebd677e"/>
-  </ds:schemaRefs>
-</ds:datastoreItem>
-</file>
-
-<file path=customXml/itemProps2.xml><?xml version="1.0" encoding="utf-8"?>
-<ds:datastoreItem xmlns:ds="http://schemas.openxmlformats.org/officeDocument/2006/customXml" ds:itemID="{45A8381C-73EB-48EA-B45F-7B7C8C7DF409}">
-  <ds:schemaRefs>
-    <ds:schemaRef ds:uri="http://schemas.microsoft.com/sharepoint/v3/contenttype/forms"/>
   </ds:schemaRefs>
 </ds:datastoreItem>
 </file>

--- a/Presentation/RE for the Rest of Us.pptx
+++ b/Presentation/RE for the Rest of Us.pptx
@@ -5763,7 +5763,7 @@
           <a:p>
             <a:fld id="{9D8190EA-5EEC-4300-B6AE-D9734C6C648E}" type="datetimeFigureOut">
               <a:rPr lang="en-US" smtClean="0"/>
-              <a:t>7/16/2025</a:t>
+              <a:t>7/17/2025</a:t>
             </a:fld>
             <a:endParaRPr lang="en-US" dirty="0"/>
           </a:p>
@@ -5940,7 +5940,7 @@
           <a:p>
             <a:fld id="{7487ADD9-2083-264C-A652-8D52D02F7E72}" type="datetimeFigureOut">
               <a:rPr lang="en-US" smtClean="0"/>
-              <a:t>7/16/2025</a:t>
+              <a:t>7/17/2025</a:t>
             </a:fld>
             <a:endParaRPr lang="en-US" dirty="0"/>
           </a:p>
@@ -19776,12 +19776,7 @@
             <p:ph type="title"/>
           </p:nvPr>
         </p:nvSpPr>
-        <p:spPr>
-          <a:xfrm>
-            <a:off x="1158864" y="102021"/>
-            <a:ext cx="9779183" cy="1744415"/>
-          </a:xfrm>
-        </p:spPr>
+        <p:spPr/>
         <p:txBody>
           <a:bodyPr/>
           <a:lstStyle/>
@@ -19790,6 +19785,31 @@
               <a:rPr lang="en-US" dirty="0"/>
               <a:t>Agenda</a:t>
             </a:r>
+          </a:p>
+        </p:txBody>
+      </p:sp>
+      <p:sp>
+        <p:nvSpPr>
+          <p:cNvPr id="4" name="Content Placeholder 3">
+            <a:extLst>
+              <a:ext uri="{FF2B5EF4-FFF2-40B4-BE49-F238E27FC236}">
+                <a16:creationId xmlns:a16="http://schemas.microsoft.com/office/drawing/2014/main" id="{2C275773-3B7B-AB02-F7C1-77805CE83B9E}"/>
+              </a:ext>
+            </a:extLst>
+          </p:cNvPr>
+          <p:cNvSpPr>
+            <a:spLocks noGrp="1"/>
+          </p:cNvSpPr>
+          <p:nvPr>
+            <p:ph idx="12"/>
+          </p:nvPr>
+        </p:nvSpPr>
+        <p:spPr/>
+        <p:txBody>
+          <a:bodyPr/>
+          <a:lstStyle/>
+          <a:p>
+            <a:endParaRPr lang="en-US"/>
           </a:p>
         </p:txBody>
       </p:sp>
@@ -19806,18 +19826,13 @@
             <a:spLocks noGrp="1"/>
           </p:cNvSpPr>
           <p:nvPr>
-            <p:ph idx="1"/>
+            <p:ph idx="11"/>
           </p:nvPr>
         </p:nvSpPr>
-        <p:spPr>
-          <a:xfrm>
-            <a:off x="1158865" y="2017467"/>
-            <a:ext cx="9779182" cy="3366815"/>
-          </a:xfrm>
-        </p:spPr>
+        <p:spPr/>
         <p:txBody>
           <a:bodyPr vert="horz" lIns="91440" tIns="45720" rIns="91440" bIns="45720" rtlCol="0" anchor="t">
-            <a:normAutofit lnSpcReduction="10000"/>
+            <a:normAutofit fontScale="85000" lnSpcReduction="10000"/>
           </a:bodyPr>
           <a:lstStyle/>
           <a:p>
@@ -21989,15 +22004,6 @@
 </file>
 
 <file path=customXml/item1.xml><?xml version="1.0" encoding="utf-8"?>
-<?mso-contentType ?>
-<FormTemplates xmlns="http://schemas.microsoft.com/sharepoint/v3/contenttype/forms">
-  <Display>DocumentLibraryForm</Display>
-  <Edit>DocumentLibraryForm</Edit>
-  <New>DocumentLibraryForm</New>
-</FormTemplates>
-</file>
-
-<file path=customXml/item2.xml><?xml version="1.0" encoding="utf-8"?>
 <p:properties xmlns:p="http://schemas.microsoft.com/office/2006/metadata/properties" xmlns:xsi="http://www.w3.org/2001/XMLSchema-instance" xmlns:pc="http://schemas.microsoft.com/office/infopath/2007/PartnerControls">
   <documentManagement>
     <_ip_UnifiedCompliancePolicyUIAction xmlns="http://schemas.microsoft.com/sharepoint/v3" xsi:nil="true"/>
@@ -22015,6 +22021,15 @@
     <MediaServiceKeyPoints xmlns="71af3243-3dd4-4a8d-8c0d-dd76da1f02a5" xsi:nil="true"/>
   </documentManagement>
 </p:properties>
+</file>
+
+<file path=customXml/item2.xml><?xml version="1.0" encoding="utf-8"?>
+<?mso-contentType ?>
+<FormTemplates xmlns="http://schemas.microsoft.com/sharepoint/v3/contenttype/forms">
+  <Display>DocumentLibraryForm</Display>
+  <Edit>DocumentLibraryForm</Edit>
+  <New>DocumentLibraryForm</New>
+</FormTemplates>
 </file>
 
 <file path=customXml/item3.xml><?xml version="1.0" encoding="utf-8"?>
@@ -22330,14 +22345,6 @@
 </file>
 
 <file path=customXml/itemProps1.xml><?xml version="1.0" encoding="utf-8"?>
-<ds:datastoreItem xmlns:ds="http://schemas.openxmlformats.org/officeDocument/2006/customXml" ds:itemID="{45A8381C-73EB-48EA-B45F-7B7C8C7DF409}">
-  <ds:schemaRefs>
-    <ds:schemaRef ds:uri="http://schemas.microsoft.com/sharepoint/v3/contenttype/forms"/>
-  </ds:schemaRefs>
-</ds:datastoreItem>
-</file>
-
-<file path=customXml/itemProps2.xml><?xml version="1.0" encoding="utf-8"?>
 <ds:datastoreItem xmlns:ds="http://schemas.openxmlformats.org/officeDocument/2006/customXml" ds:itemID="{61E98C35-9ECE-4425-BCBA-00E118C705CE}">
   <ds:schemaRefs>
     <ds:schemaRef ds:uri="http://schemas.microsoft.com/office/2006/metadata/properties"/>
@@ -22345,6 +22352,14 @@
     <ds:schemaRef ds:uri="http://schemas.microsoft.com/sharepoint/v3"/>
     <ds:schemaRef ds:uri="71af3243-3dd4-4a8d-8c0d-dd76da1f02a5"/>
     <ds:schemaRef ds:uri="230e9df3-be65-4c73-a93b-d1236ebd677e"/>
+  </ds:schemaRefs>
+</ds:datastoreItem>
+</file>
+
+<file path=customXml/itemProps2.xml><?xml version="1.0" encoding="utf-8"?>
+<ds:datastoreItem xmlns:ds="http://schemas.openxmlformats.org/officeDocument/2006/customXml" ds:itemID="{45A8381C-73EB-48EA-B45F-7B7C8C7DF409}">
+  <ds:schemaRefs>
+    <ds:schemaRef ds:uri="http://schemas.microsoft.com/sharepoint/v3/contenttype/forms"/>
   </ds:schemaRefs>
 </ds:datastoreItem>
 </file>
